--- a/media/JylisaDoney_ACRL-ScholarlyCommunicationsCookbook_KeyIngredients.pptx
+++ b/media/JylisaDoney_ACRL-ScholarlyCommunicationsCookbook_KeyIngredients.pptx
@@ -159,7 +159,7 @@
   <pc:docChgLst>
     <pc:chgData name="Doney, Jylisa (jylisadoney@uidaho.edu)" userId="ca63ff72-312b-43e3-9de3-54afc5ff377f" providerId="ADAL" clId="{3A09B9FB-34BF-4B51-A684-70744E18D85C}"/>
     <pc:docChg chg="undo custSel addSld delSld modSld">
-      <pc:chgData name="Doney, Jylisa (jylisadoney@uidaho.edu)" userId="ca63ff72-312b-43e3-9de3-54afc5ff377f" providerId="ADAL" clId="{3A09B9FB-34BF-4B51-A684-70744E18D85C}" dt="2020-04-27T22:15:01.011" v="1842" actId="114"/>
+      <pc:chgData name="Doney, Jylisa (jylisadoney@uidaho.edu)" userId="ca63ff72-312b-43e3-9de3-54afc5ff377f" providerId="ADAL" clId="{3A09B9FB-34BF-4B51-A684-70744E18D85C}" dt="2020-04-28T00:48:09.218" v="1845" actId="20577"/>
       <pc:docMkLst>
         <pc:docMk/>
       </pc:docMkLst>
@@ -334,6 +334,21 @@
           <ac:spMkLst>
             <pc:docMk/>
             <pc:sldMk cId="2067043111" sldId="267"/>
+            <ac:spMk id="3" creationId="{00000000-0000-0000-0000-000000000000}"/>
+          </ac:spMkLst>
+        </pc:spChg>
+      </pc:sldChg>
+      <pc:sldChg chg="modSp">
+        <pc:chgData name="Doney, Jylisa (jylisadoney@uidaho.edu)" userId="ca63ff72-312b-43e3-9de3-54afc5ff377f" providerId="ADAL" clId="{3A09B9FB-34BF-4B51-A684-70744E18D85C}" dt="2020-04-28T00:48:09.218" v="1845" actId="20577"/>
+        <pc:sldMkLst>
+          <pc:docMk/>
+          <pc:sldMk cId="3973670987" sldId="269"/>
+        </pc:sldMkLst>
+        <pc:spChg chg="mod">
+          <ac:chgData name="Doney, Jylisa (jylisadoney@uidaho.edu)" userId="ca63ff72-312b-43e3-9de3-54afc5ff377f" providerId="ADAL" clId="{3A09B9FB-34BF-4B51-A684-70744E18D85C}" dt="2020-04-28T00:48:09.218" v="1845" actId="20577"/>
+          <ac:spMkLst>
+            <pc:docMk/>
+            <pc:sldMk cId="3973670987" sldId="269"/>
             <ac:spMk id="3" creationId="{00000000-0000-0000-0000-000000000000}"/>
           </ac:spMkLst>
         </pc:spChg>
@@ -8325,7 +8340,15 @@
           <a:p>
             <a:r>
               <a:rPr lang="en-US" dirty="0"/>
-              <a:t>Compare and contrast the self-archiving policies for three journals</a:t>
+              <a:t>Compare and contrast the self-archiving policies </a:t>
+            </a:r>
+            <a:r>
+              <a:rPr lang="en-US"/>
+              <a:t>for two </a:t>
+            </a:r>
+            <a:r>
+              <a:rPr lang="en-US" dirty="0"/>
+              <a:t>journals</a:t>
             </a:r>
           </a:p>
           <a:p>
@@ -11707,6 +11730,15 @@
 </file>
 
 <file path=customXml/item2.xml><?xml version="1.0" encoding="utf-8"?>
+<?mso-contentType ?>
+<FormTemplates xmlns="http://schemas.microsoft.com/sharepoint/v3/contenttype/forms">
+  <Display>DocumentLibraryForm</Display>
+  <Edit>DocumentLibraryForm</Edit>
+  <New>DocumentLibraryForm</New>
+</FormTemplates>
+</file>
+
+<file path=customXml/item3.xml><?xml version="1.0" encoding="utf-8"?>
 <ct:contentTypeSchema xmlns:ct="http://schemas.microsoft.com/office/2006/metadata/contentType" xmlns:ma="http://schemas.microsoft.com/office/2006/metadata/properties/metaAttributes" ct:_="" ma:_="" ma:contentTypeName="Document" ma:contentTypeID="0x010100B0C66D0D2AA8ED458867DFFBC84CDC81" ma:contentTypeVersion="12" ma:contentTypeDescription="Create a new document." ma:contentTypeScope="" ma:versionID="2edda66bea43fd3ee2cdae44f7ddc19d">
   <xsd:schema xmlns:xsd="http://www.w3.org/2001/XMLSchema" xmlns:xs="http://www.w3.org/2001/XMLSchema" xmlns:p="http://schemas.microsoft.com/office/2006/metadata/properties" xmlns:ns3="eb6fc25e-8a44-440c-a3c6-cb56c05aabb1" xmlns:ns4="115ac59a-381b-4183-bd5b-b04edbe7f2fc" targetNamespace="http://schemas.microsoft.com/office/2006/metadata/properties" ma:root="true" ma:fieldsID="5a209599921d322b183a16cd30a65124" ns3:_="" ns4:_="">
     <xsd:import namespace="eb6fc25e-8a44-440c-a3c6-cb56c05aabb1"/>
@@ -11923,33 +11955,32 @@
 </ct:contentTypeSchema>
 </file>
 
-<file path=customXml/item3.xml><?xml version="1.0" encoding="utf-8"?>
-<?mso-contentType ?>
-<FormTemplates xmlns="http://schemas.microsoft.com/sharepoint/v3/contenttype/forms">
-  <Display>DocumentLibraryForm</Display>
-  <Edit>DocumentLibraryForm</Edit>
-  <New>DocumentLibraryForm</New>
-</FormTemplates>
-</file>
-
 <file path=customXml/itemProps1.xml><?xml version="1.0" encoding="utf-8"?>
 <ds:datastoreItem xmlns:ds="http://schemas.openxmlformats.org/officeDocument/2006/customXml" ds:itemID="{0D2CA708-394D-4A00-A7C9-BA82E8F3255C}">
   <ds:schemaRefs>
-    <ds:schemaRef ds:uri="http://purl.org/dc/terms/"/>
+    <ds:schemaRef ds:uri="http://schemas.openxmlformats.org/package/2006/metadata/core-properties"/>
+    <ds:schemaRef ds:uri="115ac59a-381b-4183-bd5b-b04edbe7f2fc"/>
+    <ds:schemaRef ds:uri="http://purl.org/dc/elements/1.1/"/>
     <ds:schemaRef ds:uri="http://purl.org/dc/dcmitype/"/>
     <ds:schemaRef ds:uri="eb6fc25e-8a44-440c-a3c6-cb56c05aabb1"/>
-    <ds:schemaRef ds:uri="http://schemas.openxmlformats.org/package/2006/metadata/core-properties"/>
-    <ds:schemaRef ds:uri="115ac59a-381b-4183-bd5b-b04edbe7f2fc"/>
+    <ds:schemaRef ds:uri="http://purl.org/dc/terms/"/>
     <ds:schemaRef ds:uri="http://schemas.microsoft.com/office/2006/documentManagement/types"/>
+    <ds:schemaRef ds:uri="http://schemas.microsoft.com/office/2006/metadata/properties"/>
     <ds:schemaRef ds:uri="http://schemas.microsoft.com/office/infopath/2007/PartnerControls"/>
-    <ds:schemaRef ds:uri="http://schemas.microsoft.com/office/2006/metadata/properties"/>
     <ds:schemaRef ds:uri="http://www.w3.org/XML/1998/namespace"/>
-    <ds:schemaRef ds:uri="http://purl.org/dc/elements/1.1/"/>
   </ds:schemaRefs>
 </ds:datastoreItem>
 </file>
 
 <file path=customXml/itemProps2.xml><?xml version="1.0" encoding="utf-8"?>
+<ds:datastoreItem xmlns:ds="http://schemas.openxmlformats.org/officeDocument/2006/customXml" ds:itemID="{1B4E9660-639F-46B2-8BCF-B0443586500E}">
+  <ds:schemaRefs>
+    <ds:schemaRef ds:uri="http://schemas.microsoft.com/sharepoint/v3/contenttype/forms"/>
+  </ds:schemaRefs>
+</ds:datastoreItem>
+</file>
+
+<file path=customXml/itemProps3.xml><?xml version="1.0" encoding="utf-8"?>
 <ds:datastoreItem xmlns:ds="http://schemas.openxmlformats.org/officeDocument/2006/customXml" ds:itemID="{EE657BFB-479C-4A9F-8498-0A887E142927}">
   <ds:schemaRefs>
     <ds:schemaRef ds:uri="http://schemas.microsoft.com/office/2006/metadata/contentType"/>
@@ -11966,12 +11997,4 @@
     <ds:schemaRef ds:uri="http://schemas.microsoft.com/internal/obd"/>
   </ds:schemaRefs>
 </ds:datastoreItem>
-</file>
-
-<file path=customXml/itemProps3.xml><?xml version="1.0" encoding="utf-8"?>
-<ds:datastoreItem xmlns:ds="http://schemas.openxmlformats.org/officeDocument/2006/customXml" ds:itemID="{1B4E9660-639F-46B2-8BCF-B0443586500E}">
-  <ds:schemaRefs>
-    <ds:schemaRef ds:uri="http://schemas.microsoft.com/sharepoint/v3/contenttype/forms"/>
-  </ds:schemaRefs>
-</ds:datastoreItem>
 </file>
--- a/media/JylisaDoney_ACRL-ScholarlyCommunicationsCookbook_KeyIngredients.pptx
+++ b/media/JylisaDoney_ACRL-ScholarlyCommunicationsCookbook_KeyIngredients.pptx
@@ -159,7 +159,7 @@
   <pc:docChgLst>
     <pc:chgData name="Doney, Jylisa (jylisadoney@uidaho.edu)" userId="ca63ff72-312b-43e3-9de3-54afc5ff377f" providerId="ADAL" clId="{3A09B9FB-34BF-4B51-A684-70744E18D85C}"/>
     <pc:docChg chg="undo custSel addSld delSld modSld">
-      <pc:chgData name="Doney, Jylisa (jylisadoney@uidaho.edu)" userId="ca63ff72-312b-43e3-9de3-54afc5ff377f" providerId="ADAL" clId="{3A09B9FB-34BF-4B51-A684-70744E18D85C}" dt="2020-04-28T00:48:09.218" v="1845" actId="20577"/>
+      <pc:chgData name="Doney, Jylisa (jylisadoney@uidaho.edu)" userId="ca63ff72-312b-43e3-9de3-54afc5ff377f" providerId="ADAL" clId="{3A09B9FB-34BF-4B51-A684-70744E18D85C}" dt="2020-04-28T01:40:35.400" v="1948" actId="20577"/>
       <pc:docMkLst>
         <pc:docMk/>
       </pc:docMkLst>
@@ -232,13 +232,13 @@
         </pc:spChg>
       </pc:sldChg>
       <pc:sldChg chg="modSp">
-        <pc:chgData name="Doney, Jylisa (jylisadoney@uidaho.edu)" userId="ca63ff72-312b-43e3-9de3-54afc5ff377f" providerId="ADAL" clId="{3A09B9FB-34BF-4B51-A684-70744E18D85C}" dt="2020-04-27T15:35:44.854" v="336" actId="20577"/>
+        <pc:chgData name="Doney, Jylisa (jylisadoney@uidaho.edu)" userId="ca63ff72-312b-43e3-9de3-54afc5ff377f" providerId="ADAL" clId="{3A09B9FB-34BF-4B51-A684-70744E18D85C}" dt="2020-04-28T01:39:30.834" v="1846" actId="20577"/>
         <pc:sldMkLst>
           <pc:docMk/>
           <pc:sldMk cId="4073726940" sldId="262"/>
         </pc:sldMkLst>
         <pc:spChg chg="mod">
-          <ac:chgData name="Doney, Jylisa (jylisadoney@uidaho.edu)" userId="ca63ff72-312b-43e3-9de3-54afc5ff377f" providerId="ADAL" clId="{3A09B9FB-34BF-4B51-A684-70744E18D85C}" dt="2020-04-27T15:35:44.854" v="336" actId="20577"/>
+          <ac:chgData name="Doney, Jylisa (jylisadoney@uidaho.edu)" userId="ca63ff72-312b-43e3-9de3-54afc5ff377f" providerId="ADAL" clId="{3A09B9FB-34BF-4B51-A684-70744E18D85C}" dt="2020-04-28T01:39:30.834" v="1846" actId="20577"/>
           <ac:spMkLst>
             <pc:docMk/>
             <pc:sldMk cId="4073726940" sldId="262"/>
@@ -247,13 +247,13 @@
         </pc:spChg>
       </pc:sldChg>
       <pc:sldChg chg="modSp">
-        <pc:chgData name="Doney, Jylisa (jylisadoney@uidaho.edu)" userId="ca63ff72-312b-43e3-9de3-54afc5ff377f" providerId="ADAL" clId="{3A09B9FB-34BF-4B51-A684-70744E18D85C}" dt="2020-04-27T15:34:17.979" v="265" actId="20577"/>
+        <pc:chgData name="Doney, Jylisa (jylisadoney@uidaho.edu)" userId="ca63ff72-312b-43e3-9de3-54afc5ff377f" providerId="ADAL" clId="{3A09B9FB-34BF-4B51-A684-70744E18D85C}" dt="2020-04-28T01:40:31.341" v="1936" actId="20577"/>
         <pc:sldMkLst>
           <pc:docMk/>
           <pc:sldMk cId="3626287627" sldId="264"/>
         </pc:sldMkLst>
         <pc:spChg chg="mod">
-          <ac:chgData name="Doney, Jylisa (jylisadoney@uidaho.edu)" userId="ca63ff72-312b-43e3-9de3-54afc5ff377f" providerId="ADAL" clId="{3A09B9FB-34BF-4B51-A684-70744E18D85C}" dt="2020-04-27T15:34:17.979" v="265" actId="20577"/>
+          <ac:chgData name="Doney, Jylisa (jylisadoney@uidaho.edu)" userId="ca63ff72-312b-43e3-9de3-54afc5ff377f" providerId="ADAL" clId="{3A09B9FB-34BF-4B51-A684-70744E18D85C}" dt="2020-04-28T01:40:31.341" v="1936" actId="20577"/>
           <ac:spMkLst>
             <pc:docMk/>
             <pc:sldMk cId="3626287627" sldId="264"/>
@@ -446,13 +446,13 @@
         </pc:spChg>
       </pc:sldChg>
       <pc:sldChg chg="modSp">
-        <pc:chgData name="Doney, Jylisa (jylisadoney@uidaho.edu)" userId="ca63ff72-312b-43e3-9de3-54afc5ff377f" providerId="ADAL" clId="{3A09B9FB-34BF-4B51-A684-70744E18D85C}" dt="2020-04-27T15:44:33.216" v="489" actId="20577"/>
+        <pc:chgData name="Doney, Jylisa (jylisadoney@uidaho.edu)" userId="ca63ff72-312b-43e3-9de3-54afc5ff377f" providerId="ADAL" clId="{3A09B9FB-34BF-4B51-A684-70744E18D85C}" dt="2020-04-28T01:40:13.506" v="1896" actId="20577"/>
         <pc:sldMkLst>
           <pc:docMk/>
           <pc:sldMk cId="1744858447" sldId="275"/>
         </pc:sldMkLst>
         <pc:spChg chg="mod">
-          <ac:chgData name="Doney, Jylisa (jylisadoney@uidaho.edu)" userId="ca63ff72-312b-43e3-9de3-54afc5ff377f" providerId="ADAL" clId="{3A09B9FB-34BF-4B51-A684-70744E18D85C}" dt="2020-04-27T15:44:33.216" v="489" actId="20577"/>
+          <ac:chgData name="Doney, Jylisa (jylisadoney@uidaho.edu)" userId="ca63ff72-312b-43e3-9de3-54afc5ff377f" providerId="ADAL" clId="{3A09B9FB-34BF-4B51-A684-70744E18D85C}" dt="2020-04-28T01:40:13.506" v="1896" actId="20577"/>
           <ac:spMkLst>
             <pc:docMk/>
             <pc:sldMk cId="1744858447" sldId="275"/>
@@ -461,13 +461,13 @@
         </pc:spChg>
       </pc:sldChg>
       <pc:sldChg chg="modSp">
-        <pc:chgData name="Doney, Jylisa (jylisadoney@uidaho.edu)" userId="ca63ff72-312b-43e3-9de3-54afc5ff377f" providerId="ADAL" clId="{3A09B9FB-34BF-4B51-A684-70744E18D85C}" dt="2020-04-27T22:02:34.348" v="1652" actId="20577"/>
+        <pc:chgData name="Doney, Jylisa (jylisadoney@uidaho.edu)" userId="ca63ff72-312b-43e3-9de3-54afc5ff377f" providerId="ADAL" clId="{3A09B9FB-34BF-4B51-A684-70744E18D85C}" dt="2020-04-28T01:40:19.645" v="1910" actId="20577"/>
         <pc:sldMkLst>
           <pc:docMk/>
           <pc:sldMk cId="2152160648" sldId="276"/>
         </pc:sldMkLst>
         <pc:spChg chg="mod">
-          <ac:chgData name="Doney, Jylisa (jylisadoney@uidaho.edu)" userId="ca63ff72-312b-43e3-9de3-54afc5ff377f" providerId="ADAL" clId="{3A09B9FB-34BF-4B51-A684-70744E18D85C}" dt="2020-04-27T22:02:34.348" v="1652" actId="20577"/>
+          <ac:chgData name="Doney, Jylisa (jylisadoney@uidaho.edu)" userId="ca63ff72-312b-43e3-9de3-54afc5ff377f" providerId="ADAL" clId="{3A09B9FB-34BF-4B51-A684-70744E18D85C}" dt="2020-04-28T01:40:19.645" v="1910" actId="20577"/>
           <ac:spMkLst>
             <pc:docMk/>
             <pc:sldMk cId="2152160648" sldId="276"/>
@@ -476,13 +476,13 @@
         </pc:spChg>
       </pc:sldChg>
       <pc:sldChg chg="modSp">
-        <pc:chgData name="Doney, Jylisa (jylisadoney@uidaho.edu)" userId="ca63ff72-312b-43e3-9de3-54afc5ff377f" providerId="ADAL" clId="{3A09B9FB-34BF-4B51-A684-70744E18D85C}" dt="2020-04-27T15:44:41.423" v="496" actId="20577"/>
+        <pc:chgData name="Doney, Jylisa (jylisadoney@uidaho.edu)" userId="ca63ff72-312b-43e3-9de3-54afc5ff377f" providerId="ADAL" clId="{3A09B9FB-34BF-4B51-A684-70744E18D85C}" dt="2020-04-28T01:40:35.400" v="1948" actId="20577"/>
         <pc:sldMkLst>
           <pc:docMk/>
           <pc:sldMk cId="994021837" sldId="277"/>
         </pc:sldMkLst>
         <pc:spChg chg="mod">
-          <ac:chgData name="Doney, Jylisa (jylisadoney@uidaho.edu)" userId="ca63ff72-312b-43e3-9de3-54afc5ff377f" providerId="ADAL" clId="{3A09B9FB-34BF-4B51-A684-70744E18D85C}" dt="2020-04-27T15:44:41.423" v="496" actId="20577"/>
+          <ac:chgData name="Doney, Jylisa (jylisadoney@uidaho.edu)" userId="ca63ff72-312b-43e3-9de3-54afc5ff377f" providerId="ADAL" clId="{3A09B9FB-34BF-4B51-A684-70744E18D85C}" dt="2020-04-28T01:40:35.400" v="1948" actId="20577"/>
           <ac:spMkLst>
             <pc:docMk/>
             <pc:sldMk cId="994021837" sldId="277"/>
@@ -567,13 +567,13 @@
         </pc:spChg>
       </pc:sldChg>
       <pc:sldChg chg="modSp">
-        <pc:chgData name="Doney, Jylisa (jylisadoney@uidaho.edu)" userId="ca63ff72-312b-43e3-9de3-54afc5ff377f" providerId="ADAL" clId="{3A09B9FB-34BF-4B51-A684-70744E18D85C}" dt="2020-04-27T15:30:34.810" v="63" actId="20577"/>
+        <pc:chgData name="Doney, Jylisa (jylisadoney@uidaho.edu)" userId="ca63ff72-312b-43e3-9de3-54afc5ff377f" providerId="ADAL" clId="{3A09B9FB-34BF-4B51-A684-70744E18D85C}" dt="2020-04-28T01:40:27.395" v="1924" actId="20577"/>
         <pc:sldMkLst>
           <pc:docMk/>
           <pc:sldMk cId="1264982433" sldId="285"/>
         </pc:sldMkLst>
         <pc:spChg chg="mod">
-          <ac:chgData name="Doney, Jylisa (jylisadoney@uidaho.edu)" userId="ca63ff72-312b-43e3-9de3-54afc5ff377f" providerId="ADAL" clId="{3A09B9FB-34BF-4B51-A684-70744E18D85C}" dt="2020-04-27T15:30:34.810" v="63" actId="20577"/>
+          <ac:chgData name="Doney, Jylisa (jylisadoney@uidaho.edu)" userId="ca63ff72-312b-43e3-9de3-54afc5ff377f" providerId="ADAL" clId="{3A09B9FB-34BF-4B51-A684-70744E18D85C}" dt="2020-04-28T01:40:27.395" v="1924" actId="20577"/>
           <ac:spMkLst>
             <pc:docMk/>
             <pc:sldMk cId="1264982433" sldId="285"/>
@@ -657,7 +657,7 @@
         </pc:spChg>
       </pc:sldChg>
       <pc:sldChg chg="modSp add">
-        <pc:chgData name="Doney, Jylisa (jylisadoney@uidaho.edu)" userId="ca63ff72-312b-43e3-9de3-54afc5ff377f" providerId="ADAL" clId="{3A09B9FB-34BF-4B51-A684-70744E18D85C}" dt="2020-04-27T22:01:22.408" v="1620" actId="20577"/>
+        <pc:chgData name="Doney, Jylisa (jylisadoney@uidaho.edu)" userId="ca63ff72-312b-43e3-9de3-54afc5ff377f" providerId="ADAL" clId="{3A09B9FB-34BF-4B51-A684-70744E18D85C}" dt="2020-04-28T01:40:06.283" v="1888" actId="20577"/>
         <pc:sldMkLst>
           <pc:docMk/>
           <pc:sldMk cId="1193147040" sldId="294"/>
@@ -671,7 +671,7 @@
           </ac:spMkLst>
         </pc:spChg>
         <pc:spChg chg="mod">
-          <ac:chgData name="Doney, Jylisa (jylisadoney@uidaho.edu)" userId="ca63ff72-312b-43e3-9de3-54afc5ff377f" providerId="ADAL" clId="{3A09B9FB-34BF-4B51-A684-70744E18D85C}" dt="2020-04-27T22:01:22.408" v="1620" actId="20577"/>
+          <ac:chgData name="Doney, Jylisa (jylisadoney@uidaho.edu)" userId="ca63ff72-312b-43e3-9de3-54afc5ff377f" providerId="ADAL" clId="{3A09B9FB-34BF-4B51-A684-70744E18D85C}" dt="2020-04-28T01:40:06.283" v="1888" actId="20577"/>
           <ac:spMkLst>
             <pc:docMk/>
             <pc:sldMk cId="1193147040" sldId="294"/>
@@ -5888,7 +5888,7 @@
           <a:p>
             <a:r>
               <a:rPr lang="en-US" dirty="0"/>
-              <a:t>Subscription or toll access</a:t>
+              <a:t>Subscription access</a:t>
             </a:r>
           </a:p>
           <a:p>
@@ -6091,7 +6091,7 @@
           <a:p>
             <a:r>
               <a:rPr lang="en-US" dirty="0"/>
-              <a:t>Subscription or toll access</a:t>
+              <a:t>Subscription access</a:t>
             </a:r>
           </a:p>
           <a:p>
@@ -6303,7 +6303,7 @@
           <a:p>
             <a:r>
               <a:rPr lang="en-US" dirty="0"/>
-              <a:t>Open access (gold)</a:t>
+              <a:t>Gold open access</a:t>
             </a:r>
           </a:p>
           <a:p>
@@ -6508,7 +6508,7 @@
           <a:p>
             <a:r>
               <a:rPr lang="en-US" dirty="0"/>
-              <a:t>Open access (gold)</a:t>
+              <a:t>Gold open access</a:t>
             </a:r>
           </a:p>
           <a:p>
@@ -6713,7 +6713,7 @@
           <a:p>
             <a:r>
               <a:rPr lang="en-US" dirty="0"/>
-              <a:t>Hybrid (subscription and open access)</a:t>
+              <a:t>Hybrid open access (subscription and open access)</a:t>
             </a:r>
           </a:p>
           <a:p>
@@ -6949,7 +6949,7 @@
           <a:p>
             <a:r>
               <a:rPr lang="en-US" dirty="0"/>
-              <a:t>Hybrid (subscription and open access)</a:t>
+              <a:t>Hybrid open access (subscription and open access)</a:t>
             </a:r>
           </a:p>
           <a:p>
@@ -11171,19 +11171,19 @@
           <a:p>
             <a:r>
               <a:rPr lang="en-US" dirty="0"/>
-              <a:t>Subscription or toll access</a:t>
-            </a:r>
-          </a:p>
-          <a:p>
-            <a:r>
-              <a:rPr lang="en-US" dirty="0"/>
-              <a:t>Open access (gold)</a:t>
-            </a:r>
-          </a:p>
-          <a:p>
-            <a:r>
-              <a:rPr lang="en-US" dirty="0"/>
-              <a:t>Hybrid (subscription and open access)</a:t>
+              <a:t>Subscription access</a:t>
+            </a:r>
+          </a:p>
+          <a:p>
+            <a:r>
+              <a:rPr lang="en-US" dirty="0"/>
+              <a:t>Gold open access</a:t>
+            </a:r>
+          </a:p>
+          <a:p>
+            <a:r>
+              <a:rPr lang="en-US" dirty="0"/>
+              <a:t>Hybrid open access (subscription and open access)</a:t>
             </a:r>
           </a:p>
         </p:txBody>
@@ -11730,15 +11730,6 @@
 </file>
 
 <file path=customXml/item2.xml><?xml version="1.0" encoding="utf-8"?>
-<?mso-contentType ?>
-<FormTemplates xmlns="http://schemas.microsoft.com/sharepoint/v3/contenttype/forms">
-  <Display>DocumentLibraryForm</Display>
-  <Edit>DocumentLibraryForm</Edit>
-  <New>DocumentLibraryForm</New>
-</FormTemplates>
-</file>
-
-<file path=customXml/item3.xml><?xml version="1.0" encoding="utf-8"?>
 <ct:contentTypeSchema xmlns:ct="http://schemas.microsoft.com/office/2006/metadata/contentType" xmlns:ma="http://schemas.microsoft.com/office/2006/metadata/properties/metaAttributes" ct:_="" ma:_="" ma:contentTypeName="Document" ma:contentTypeID="0x010100B0C66D0D2AA8ED458867DFFBC84CDC81" ma:contentTypeVersion="12" ma:contentTypeDescription="Create a new document." ma:contentTypeScope="" ma:versionID="2edda66bea43fd3ee2cdae44f7ddc19d">
   <xsd:schema xmlns:xsd="http://www.w3.org/2001/XMLSchema" xmlns:xs="http://www.w3.org/2001/XMLSchema" xmlns:p="http://schemas.microsoft.com/office/2006/metadata/properties" xmlns:ns3="eb6fc25e-8a44-440c-a3c6-cb56c05aabb1" xmlns:ns4="115ac59a-381b-4183-bd5b-b04edbe7f2fc" targetNamespace="http://schemas.microsoft.com/office/2006/metadata/properties" ma:root="true" ma:fieldsID="5a209599921d322b183a16cd30a65124" ns3:_="" ns4:_="">
     <xsd:import namespace="eb6fc25e-8a44-440c-a3c6-cb56c05aabb1"/>
@@ -11955,32 +11946,33 @@
 </ct:contentTypeSchema>
 </file>
 
+<file path=customXml/item3.xml><?xml version="1.0" encoding="utf-8"?>
+<?mso-contentType ?>
+<FormTemplates xmlns="http://schemas.microsoft.com/sharepoint/v3/contenttype/forms">
+  <Display>DocumentLibraryForm</Display>
+  <Edit>DocumentLibraryForm</Edit>
+  <New>DocumentLibraryForm</New>
+</FormTemplates>
+</file>
+
 <file path=customXml/itemProps1.xml><?xml version="1.0" encoding="utf-8"?>
 <ds:datastoreItem xmlns:ds="http://schemas.openxmlformats.org/officeDocument/2006/customXml" ds:itemID="{0D2CA708-394D-4A00-A7C9-BA82E8F3255C}">
   <ds:schemaRefs>
+    <ds:schemaRef ds:uri="http://purl.org/dc/dcmitype/"/>
+    <ds:schemaRef ds:uri="http://schemas.microsoft.com/office/2006/documentManagement/types"/>
+    <ds:schemaRef ds:uri="http://www.w3.org/XML/1998/namespace"/>
+    <ds:schemaRef ds:uri="http://purl.org/dc/elements/1.1/"/>
+    <ds:schemaRef ds:uri="eb6fc25e-8a44-440c-a3c6-cb56c05aabb1"/>
     <ds:schemaRef ds:uri="http://schemas.openxmlformats.org/package/2006/metadata/core-properties"/>
+    <ds:schemaRef ds:uri="http://schemas.microsoft.com/office/infopath/2007/PartnerControls"/>
     <ds:schemaRef ds:uri="115ac59a-381b-4183-bd5b-b04edbe7f2fc"/>
-    <ds:schemaRef ds:uri="http://purl.org/dc/elements/1.1/"/>
-    <ds:schemaRef ds:uri="http://purl.org/dc/dcmitype/"/>
-    <ds:schemaRef ds:uri="eb6fc25e-8a44-440c-a3c6-cb56c05aabb1"/>
+    <ds:schemaRef ds:uri="http://schemas.microsoft.com/office/2006/metadata/properties"/>
     <ds:schemaRef ds:uri="http://purl.org/dc/terms/"/>
-    <ds:schemaRef ds:uri="http://schemas.microsoft.com/office/2006/documentManagement/types"/>
-    <ds:schemaRef ds:uri="http://schemas.microsoft.com/office/2006/metadata/properties"/>
-    <ds:schemaRef ds:uri="http://schemas.microsoft.com/office/infopath/2007/PartnerControls"/>
-    <ds:schemaRef ds:uri="http://www.w3.org/XML/1998/namespace"/>
   </ds:schemaRefs>
 </ds:datastoreItem>
 </file>
 
 <file path=customXml/itemProps2.xml><?xml version="1.0" encoding="utf-8"?>
-<ds:datastoreItem xmlns:ds="http://schemas.openxmlformats.org/officeDocument/2006/customXml" ds:itemID="{1B4E9660-639F-46B2-8BCF-B0443586500E}">
-  <ds:schemaRefs>
-    <ds:schemaRef ds:uri="http://schemas.microsoft.com/sharepoint/v3/contenttype/forms"/>
-  </ds:schemaRefs>
-</ds:datastoreItem>
-</file>
-
-<file path=customXml/itemProps3.xml><?xml version="1.0" encoding="utf-8"?>
 <ds:datastoreItem xmlns:ds="http://schemas.openxmlformats.org/officeDocument/2006/customXml" ds:itemID="{EE657BFB-479C-4A9F-8498-0A887E142927}">
   <ds:schemaRefs>
     <ds:schemaRef ds:uri="http://schemas.microsoft.com/office/2006/metadata/contentType"/>
@@ -11997,4 +11989,12 @@
     <ds:schemaRef ds:uri="http://schemas.microsoft.com/internal/obd"/>
   </ds:schemaRefs>
 </ds:datastoreItem>
+</file>
+
+<file path=customXml/itemProps3.xml><?xml version="1.0" encoding="utf-8"?>
+<ds:datastoreItem xmlns:ds="http://schemas.openxmlformats.org/officeDocument/2006/customXml" ds:itemID="{1B4E9660-639F-46B2-8BCF-B0443586500E}">
+  <ds:schemaRefs>
+    <ds:schemaRef ds:uri="http://schemas.microsoft.com/sharepoint/v3/contenttype/forms"/>
+  </ds:schemaRefs>
+</ds:datastoreItem>
 </file>
--- a/media/JylisaDoney_ACRL-ScholarlyCommunicationsCookbook_KeyIngredients.pptx
+++ b/media/JylisaDoney_ACRL-ScholarlyCommunicationsCookbook_KeyIngredients.pptx
@@ -149,7 +149,7 @@
 <file path=ppt/revisionInfo.xml><?xml version="1.0" encoding="utf-8"?>
 <p1510:revInfo xmlns:a="http://schemas.openxmlformats.org/drawingml/2006/main" xmlns:r="http://schemas.openxmlformats.org/officeDocument/2006/relationships" xmlns:p1510="http://schemas.microsoft.com/office/powerpoint/2015/10/main">
   <p1510:revLst>
-    <p1510:client id="{3A09B9FB-34BF-4B51-A684-70744E18D85C}" v="65" dt="2020-04-27T22:14:38.695"/>
+    <p1510:client id="{3A09B9FB-34BF-4B51-A684-70744E18D85C}" v="72" dt="2020-04-28T16:34:02.558"/>
   </p1510:revLst>
 </p1510:revInfo>
 </file>
@@ -159,18 +159,18 @@
   <pc:docChgLst>
     <pc:chgData name="Doney, Jylisa (jylisadoney@uidaho.edu)" userId="ca63ff72-312b-43e3-9de3-54afc5ff377f" providerId="ADAL" clId="{3A09B9FB-34BF-4B51-A684-70744E18D85C}"/>
     <pc:docChg chg="undo custSel addSld delSld modSld">
-      <pc:chgData name="Doney, Jylisa (jylisadoney@uidaho.edu)" userId="ca63ff72-312b-43e3-9de3-54afc5ff377f" providerId="ADAL" clId="{3A09B9FB-34BF-4B51-A684-70744E18D85C}" dt="2020-04-28T01:40:35.400" v="1948" actId="20577"/>
+      <pc:chgData name="Doney, Jylisa (jylisadoney@uidaho.edu)" userId="ca63ff72-312b-43e3-9de3-54afc5ff377f" providerId="ADAL" clId="{3A09B9FB-34BF-4B51-A684-70744E18D85C}" dt="2020-04-28T16:34:19.725" v="2501" actId="20577"/>
       <pc:docMkLst>
         <pc:docMk/>
       </pc:docMkLst>
       <pc:sldChg chg="modSp">
-        <pc:chgData name="Doney, Jylisa (jylisadoney@uidaho.edu)" userId="ca63ff72-312b-43e3-9de3-54afc5ff377f" providerId="ADAL" clId="{3A09B9FB-34BF-4B51-A684-70744E18D85C}" dt="2020-04-27T21:57:26.483" v="1428" actId="20577"/>
+        <pc:chgData name="Doney, Jylisa (jylisadoney@uidaho.edu)" userId="ca63ff72-312b-43e3-9de3-54afc5ff377f" providerId="ADAL" clId="{3A09B9FB-34BF-4B51-A684-70744E18D85C}" dt="2020-04-28T16:23:15.087" v="2237" actId="20577"/>
         <pc:sldMkLst>
           <pc:docMk/>
           <pc:sldMk cId="1405023129" sldId="257"/>
         </pc:sldMkLst>
         <pc:spChg chg="mod">
-          <ac:chgData name="Doney, Jylisa (jylisadoney@uidaho.edu)" userId="ca63ff72-312b-43e3-9de3-54afc5ff377f" providerId="ADAL" clId="{3A09B9FB-34BF-4B51-A684-70744E18D85C}" dt="2020-04-27T21:57:26.483" v="1428" actId="20577"/>
+          <ac:chgData name="Doney, Jylisa (jylisadoney@uidaho.edu)" userId="ca63ff72-312b-43e3-9de3-54afc5ff377f" providerId="ADAL" clId="{3A09B9FB-34BF-4B51-A684-70744E18D85C}" dt="2020-04-28T16:23:15.087" v="2237" actId="20577"/>
           <ac:spMkLst>
             <pc:docMk/>
             <pc:sldMk cId="1405023129" sldId="257"/>
@@ -179,13 +179,13 @@
         </pc:spChg>
       </pc:sldChg>
       <pc:sldChg chg="modSp">
-        <pc:chgData name="Doney, Jylisa (jylisadoney@uidaho.edu)" userId="ca63ff72-312b-43e3-9de3-54afc5ff377f" providerId="ADAL" clId="{3A09B9FB-34BF-4B51-A684-70744E18D85C}" dt="2020-04-27T21:57:42.206" v="1479" actId="20577"/>
+        <pc:chgData name="Doney, Jylisa (jylisadoney@uidaho.edu)" userId="ca63ff72-312b-43e3-9de3-54afc5ff377f" providerId="ADAL" clId="{3A09B9FB-34BF-4B51-A684-70744E18D85C}" dt="2020-04-28T15:40:11.729" v="1954" actId="20577"/>
         <pc:sldMkLst>
           <pc:docMk/>
           <pc:sldMk cId="4098454058" sldId="258"/>
         </pc:sldMkLst>
         <pc:spChg chg="mod">
-          <ac:chgData name="Doney, Jylisa (jylisadoney@uidaho.edu)" userId="ca63ff72-312b-43e3-9de3-54afc5ff377f" providerId="ADAL" clId="{3A09B9FB-34BF-4B51-A684-70744E18D85C}" dt="2020-04-27T21:57:42.206" v="1479" actId="20577"/>
+          <ac:chgData name="Doney, Jylisa (jylisadoney@uidaho.edu)" userId="ca63ff72-312b-43e3-9de3-54afc5ff377f" providerId="ADAL" clId="{3A09B9FB-34BF-4B51-A684-70744E18D85C}" dt="2020-04-28T15:40:08.897" v="1953" actId="20577"/>
           <ac:spMkLst>
             <pc:docMk/>
             <pc:sldMk cId="4098454058" sldId="258"/>
@@ -193,7 +193,7 @@
           </ac:spMkLst>
         </pc:spChg>
         <pc:spChg chg="mod">
-          <ac:chgData name="Doney, Jylisa (jylisadoney@uidaho.edu)" userId="ca63ff72-312b-43e3-9de3-54afc5ff377f" providerId="ADAL" clId="{3A09B9FB-34BF-4B51-A684-70744E18D85C}" dt="2020-04-27T20:41:38.367" v="735" actId="20577"/>
+          <ac:chgData name="Doney, Jylisa (jylisadoney@uidaho.edu)" userId="ca63ff72-312b-43e3-9de3-54afc5ff377f" providerId="ADAL" clId="{3A09B9FB-34BF-4B51-A684-70744E18D85C}" dt="2020-04-28T15:40:11.729" v="1954" actId="20577"/>
           <ac:spMkLst>
             <pc:docMk/>
             <pc:sldMk cId="4098454058" sldId="258"/>
@@ -232,11 +232,19 @@
         </pc:spChg>
       </pc:sldChg>
       <pc:sldChg chg="modSp">
-        <pc:chgData name="Doney, Jylisa (jylisadoney@uidaho.edu)" userId="ca63ff72-312b-43e3-9de3-54afc5ff377f" providerId="ADAL" clId="{3A09B9FB-34BF-4B51-A684-70744E18D85C}" dt="2020-04-28T01:39:30.834" v="1846" actId="20577"/>
+        <pc:chgData name="Doney, Jylisa (jylisadoney@uidaho.edu)" userId="ca63ff72-312b-43e3-9de3-54afc5ff377f" providerId="ADAL" clId="{3A09B9FB-34BF-4B51-A684-70744E18D85C}" dt="2020-04-28T16:23:24.995" v="2247" actId="20577"/>
         <pc:sldMkLst>
           <pc:docMk/>
           <pc:sldMk cId="4073726940" sldId="262"/>
         </pc:sldMkLst>
+        <pc:spChg chg="mod">
+          <ac:chgData name="Doney, Jylisa (jylisadoney@uidaho.edu)" userId="ca63ff72-312b-43e3-9de3-54afc5ff377f" providerId="ADAL" clId="{3A09B9FB-34BF-4B51-A684-70744E18D85C}" dt="2020-04-28T16:23:24.995" v="2247" actId="20577"/>
+          <ac:spMkLst>
+            <pc:docMk/>
+            <pc:sldMk cId="4073726940" sldId="262"/>
+            <ac:spMk id="2" creationId="{00000000-0000-0000-0000-000000000000}"/>
+          </ac:spMkLst>
+        </pc:spChg>
         <pc:spChg chg="mod">
           <ac:chgData name="Doney, Jylisa (jylisadoney@uidaho.edu)" userId="ca63ff72-312b-43e3-9de3-54afc5ff377f" providerId="ADAL" clId="{3A09B9FB-34BF-4B51-A684-70744E18D85C}" dt="2020-04-28T01:39:30.834" v="1846" actId="20577"/>
           <ac:spMkLst>
@@ -247,13 +255,21 @@
         </pc:spChg>
       </pc:sldChg>
       <pc:sldChg chg="modSp">
-        <pc:chgData name="Doney, Jylisa (jylisadoney@uidaho.edu)" userId="ca63ff72-312b-43e3-9de3-54afc5ff377f" providerId="ADAL" clId="{3A09B9FB-34BF-4B51-A684-70744E18D85C}" dt="2020-04-28T01:40:31.341" v="1936" actId="20577"/>
+        <pc:chgData name="Doney, Jylisa (jylisadoney@uidaho.edu)" userId="ca63ff72-312b-43e3-9de3-54afc5ff377f" providerId="ADAL" clId="{3A09B9FB-34BF-4B51-A684-70744E18D85C}" dt="2020-04-28T16:32:16.864" v="2494" actId="20577"/>
         <pc:sldMkLst>
           <pc:docMk/>
           <pc:sldMk cId="3626287627" sldId="264"/>
         </pc:sldMkLst>
         <pc:spChg chg="mod">
-          <ac:chgData name="Doney, Jylisa (jylisadoney@uidaho.edu)" userId="ca63ff72-312b-43e3-9de3-54afc5ff377f" providerId="ADAL" clId="{3A09B9FB-34BF-4B51-A684-70744E18D85C}" dt="2020-04-28T01:40:31.341" v="1936" actId="20577"/>
+          <ac:chgData name="Doney, Jylisa (jylisadoney@uidaho.edu)" userId="ca63ff72-312b-43e3-9de3-54afc5ff377f" providerId="ADAL" clId="{3A09B9FB-34BF-4B51-A684-70744E18D85C}" dt="2020-04-28T16:23:49.331" v="2297" actId="20577"/>
+          <ac:spMkLst>
+            <pc:docMk/>
+            <pc:sldMk cId="3626287627" sldId="264"/>
+            <ac:spMk id="2" creationId="{00000000-0000-0000-0000-000000000000}"/>
+          </ac:spMkLst>
+        </pc:spChg>
+        <pc:spChg chg="mod">
+          <ac:chgData name="Doney, Jylisa (jylisadoney@uidaho.edu)" userId="ca63ff72-312b-43e3-9de3-54afc5ff377f" providerId="ADAL" clId="{3A09B9FB-34BF-4B51-A684-70744E18D85C}" dt="2020-04-28T16:32:16.864" v="2494" actId="20577"/>
           <ac:spMkLst>
             <pc:docMk/>
             <pc:sldMk cId="3626287627" sldId="264"/>
@@ -301,13 +317,13 @@
         </pc:spChg>
       </pc:sldChg>
       <pc:sldChg chg="modSp">
-        <pc:chgData name="Doney, Jylisa (jylisadoney@uidaho.edu)" userId="ca63ff72-312b-43e3-9de3-54afc5ff377f" providerId="ADAL" clId="{3A09B9FB-34BF-4B51-A684-70744E18D85C}" dt="2020-04-27T16:22:31.612" v="649" actId="20577"/>
+        <pc:chgData name="Doney, Jylisa (jylisadoney@uidaho.edu)" userId="ca63ff72-312b-43e3-9de3-54afc5ff377f" providerId="ADAL" clId="{3A09B9FB-34BF-4B51-A684-70744E18D85C}" dt="2020-04-28T16:25:23.854" v="2309" actId="20577"/>
         <pc:sldMkLst>
           <pc:docMk/>
           <pc:sldMk cId="262885218" sldId="266"/>
         </pc:sldMkLst>
         <pc:spChg chg="mod">
-          <ac:chgData name="Doney, Jylisa (jylisadoney@uidaho.edu)" userId="ca63ff72-312b-43e3-9de3-54afc5ff377f" providerId="ADAL" clId="{3A09B9FB-34BF-4B51-A684-70744E18D85C}" dt="2020-04-27T16:22:31.612" v="649" actId="20577"/>
+          <ac:chgData name="Doney, Jylisa (jylisadoney@uidaho.edu)" userId="ca63ff72-312b-43e3-9de3-54afc5ff377f" providerId="ADAL" clId="{3A09B9FB-34BF-4B51-A684-70744E18D85C}" dt="2020-04-28T16:25:23.854" v="2309" actId="20577"/>
           <ac:spMkLst>
             <pc:docMk/>
             <pc:sldMk cId="262885218" sldId="266"/>
@@ -324,16 +340,31 @@
         </pc:spChg>
       </pc:sldChg>
       <pc:sldChg chg="modSp">
-        <pc:chgData name="Doney, Jylisa (jylisadoney@uidaho.edu)" userId="ca63ff72-312b-43e3-9de3-54afc5ff377f" providerId="ADAL" clId="{3A09B9FB-34BF-4B51-A684-70744E18D85C}" dt="2020-04-27T16:23:20.064" v="654" actId="6549"/>
+        <pc:chgData name="Doney, Jylisa (jylisadoney@uidaho.edu)" userId="ca63ff72-312b-43e3-9de3-54afc5ff377f" providerId="ADAL" clId="{3A09B9FB-34BF-4B51-A684-70744E18D85C}" dt="2020-04-28T16:25:47.199" v="2315" actId="20577"/>
         <pc:sldMkLst>
           <pc:docMk/>
           <pc:sldMk cId="2067043111" sldId="267"/>
         </pc:sldMkLst>
         <pc:spChg chg="mod">
-          <ac:chgData name="Doney, Jylisa (jylisadoney@uidaho.edu)" userId="ca63ff72-312b-43e3-9de3-54afc5ff377f" providerId="ADAL" clId="{3A09B9FB-34BF-4B51-A684-70744E18D85C}" dt="2020-04-27T16:23:20.064" v="654" actId="6549"/>
+          <ac:chgData name="Doney, Jylisa (jylisadoney@uidaho.edu)" userId="ca63ff72-312b-43e3-9de3-54afc5ff377f" providerId="ADAL" clId="{3A09B9FB-34BF-4B51-A684-70744E18D85C}" dt="2020-04-28T16:25:47.199" v="2315" actId="20577"/>
           <ac:spMkLst>
             <pc:docMk/>
             <pc:sldMk cId="2067043111" sldId="267"/>
+            <ac:spMk id="3" creationId="{00000000-0000-0000-0000-000000000000}"/>
+          </ac:spMkLst>
+        </pc:spChg>
+      </pc:sldChg>
+      <pc:sldChg chg="modSp">
+        <pc:chgData name="Doney, Jylisa (jylisadoney@uidaho.edu)" userId="ca63ff72-312b-43e3-9de3-54afc5ff377f" providerId="ADAL" clId="{3A09B9FB-34BF-4B51-A684-70744E18D85C}" dt="2020-04-28T16:26:47.611" v="2332" actId="20577"/>
+        <pc:sldMkLst>
+          <pc:docMk/>
+          <pc:sldMk cId="2674936032" sldId="268"/>
+        </pc:sldMkLst>
+        <pc:spChg chg="mod">
+          <ac:chgData name="Doney, Jylisa (jylisadoney@uidaho.edu)" userId="ca63ff72-312b-43e3-9de3-54afc5ff377f" providerId="ADAL" clId="{3A09B9FB-34BF-4B51-A684-70744E18D85C}" dt="2020-04-28T16:26:47.611" v="2332" actId="20577"/>
+          <ac:spMkLst>
+            <pc:docMk/>
+            <pc:sldMk cId="2674936032" sldId="268"/>
             <ac:spMk id="3" creationId="{00000000-0000-0000-0000-000000000000}"/>
           </ac:spMkLst>
         </pc:spChg>
@@ -354,13 +385,13 @@
         </pc:spChg>
       </pc:sldChg>
       <pc:sldChg chg="modSp">
-        <pc:chgData name="Doney, Jylisa (jylisadoney@uidaho.edu)" userId="ca63ff72-312b-43e3-9de3-54afc5ff377f" providerId="ADAL" clId="{3A09B9FB-34BF-4B51-A684-70744E18D85C}" dt="2020-04-27T16:27:21.239" v="666" actId="20577"/>
+        <pc:chgData name="Doney, Jylisa (jylisadoney@uidaho.edu)" userId="ca63ff72-312b-43e3-9de3-54afc5ff377f" providerId="ADAL" clId="{3A09B9FB-34BF-4B51-A684-70744E18D85C}" dt="2020-04-28T16:34:02.557" v="2500" actId="20577"/>
         <pc:sldMkLst>
           <pc:docMk/>
           <pc:sldMk cId="2098173133" sldId="270"/>
         </pc:sldMkLst>
         <pc:spChg chg="mod">
-          <ac:chgData name="Doney, Jylisa (jylisadoney@uidaho.edu)" userId="ca63ff72-312b-43e3-9de3-54afc5ff377f" providerId="ADAL" clId="{3A09B9FB-34BF-4B51-A684-70744E18D85C}" dt="2020-04-27T16:27:21.239" v="666" actId="20577"/>
+          <ac:chgData name="Doney, Jylisa (jylisadoney@uidaho.edu)" userId="ca63ff72-312b-43e3-9de3-54afc5ff377f" providerId="ADAL" clId="{3A09B9FB-34BF-4B51-A684-70744E18D85C}" dt="2020-04-28T16:34:02.557" v="2500" actId="20577"/>
           <ac:spMkLst>
             <pc:docMk/>
             <pc:sldMk cId="2098173133" sldId="270"/>
@@ -376,7 +407,7 @@
           </ac:spMkLst>
         </pc:spChg>
         <pc:spChg chg="mod">
-          <ac:chgData name="Doney, Jylisa (jylisadoney@uidaho.edu)" userId="ca63ff72-312b-43e3-9de3-54afc5ff377f" providerId="ADAL" clId="{3A09B9FB-34BF-4B51-A684-70744E18D85C}" dt="2020-04-27T15:56:50.560" v="572" actId="5793"/>
+          <ac:chgData name="Doney, Jylisa (jylisadoney@uidaho.edu)" userId="ca63ff72-312b-43e3-9de3-54afc5ff377f" providerId="ADAL" clId="{3A09B9FB-34BF-4B51-A684-70744E18D85C}" dt="2020-04-28T16:34:00.795" v="2499" actId="20577"/>
           <ac:spMkLst>
             <pc:docMk/>
             <pc:sldMk cId="2098173133" sldId="270"/>
@@ -385,13 +416,13 @@
         </pc:spChg>
       </pc:sldChg>
       <pc:sldChg chg="addSp modSp">
-        <pc:chgData name="Doney, Jylisa (jylisadoney@uidaho.edu)" userId="ca63ff72-312b-43e3-9de3-54afc5ff377f" providerId="ADAL" clId="{3A09B9FB-34BF-4B51-A684-70744E18D85C}" dt="2020-04-27T22:14:50.979" v="1841" actId="6549"/>
+        <pc:chgData name="Doney, Jylisa (jylisadoney@uidaho.edu)" userId="ca63ff72-312b-43e3-9de3-54afc5ff377f" providerId="ADAL" clId="{3A09B9FB-34BF-4B51-A684-70744E18D85C}" dt="2020-04-28T16:28:15.119" v="2404" actId="15"/>
         <pc:sldMkLst>
           <pc:docMk/>
           <pc:sldMk cId="2635343642" sldId="271"/>
         </pc:sldMkLst>
         <pc:spChg chg="mod">
-          <ac:chgData name="Doney, Jylisa (jylisadoney@uidaho.edu)" userId="ca63ff72-312b-43e3-9de3-54afc5ff377f" providerId="ADAL" clId="{3A09B9FB-34BF-4B51-A684-70744E18D85C}" dt="2020-04-27T22:13:43.744" v="1775" actId="6549"/>
+          <ac:chgData name="Doney, Jylisa (jylisadoney@uidaho.edu)" userId="ca63ff72-312b-43e3-9de3-54afc5ff377f" providerId="ADAL" clId="{3A09B9FB-34BF-4B51-A684-70744E18D85C}" dt="2020-04-28T16:28:15.119" v="2404" actId="15"/>
           <ac:spMkLst>
             <pc:docMk/>
             <pc:sldMk cId="2635343642" sldId="271"/>
@@ -408,13 +439,13 @@
         </pc:spChg>
       </pc:sldChg>
       <pc:sldChg chg="modSp">
-        <pc:chgData name="Doney, Jylisa (jylisadoney@uidaho.edu)" userId="ca63ff72-312b-43e3-9de3-54afc5ff377f" providerId="ADAL" clId="{3A09B9FB-34BF-4B51-A684-70744E18D85C}" dt="2020-04-27T15:57:27.864" v="601" actId="20577"/>
+        <pc:chgData name="Doney, Jylisa (jylisadoney@uidaho.edu)" userId="ca63ff72-312b-43e3-9de3-54afc5ff377f" providerId="ADAL" clId="{3A09B9FB-34BF-4B51-A684-70744E18D85C}" dt="2020-04-28T16:28:32.861" v="2417" actId="15"/>
         <pc:sldMkLst>
           <pc:docMk/>
           <pc:sldMk cId="4271387808" sldId="272"/>
         </pc:sldMkLst>
         <pc:spChg chg="mod">
-          <ac:chgData name="Doney, Jylisa (jylisadoney@uidaho.edu)" userId="ca63ff72-312b-43e3-9de3-54afc5ff377f" providerId="ADAL" clId="{3A09B9FB-34BF-4B51-A684-70744E18D85C}" dt="2020-04-27T15:56:17.408" v="568" actId="20577"/>
+          <ac:chgData name="Doney, Jylisa (jylisadoney@uidaho.edu)" userId="ca63ff72-312b-43e3-9de3-54afc5ff377f" providerId="ADAL" clId="{3A09B9FB-34BF-4B51-A684-70744E18D85C}" dt="2020-04-28T16:28:32.861" v="2417" actId="15"/>
           <ac:spMkLst>
             <pc:docMk/>
             <pc:sldMk cId="4271387808" sldId="272"/>
@@ -431,13 +462,13 @@
         </pc:spChg>
       </pc:sldChg>
       <pc:sldChg chg="modSp">
-        <pc:chgData name="Doney, Jylisa (jylisadoney@uidaho.edu)" userId="ca63ff72-312b-43e3-9de3-54afc5ff377f" providerId="ADAL" clId="{3A09B9FB-34BF-4B51-A684-70744E18D85C}" dt="2020-04-27T16:44:35.038" v="704" actId="6549"/>
+        <pc:chgData name="Doney, Jylisa (jylisadoney@uidaho.edu)" userId="ca63ff72-312b-43e3-9de3-54afc5ff377f" providerId="ADAL" clId="{3A09B9FB-34BF-4B51-A684-70744E18D85C}" dt="2020-04-28T16:34:19.725" v="2501" actId="20577"/>
         <pc:sldMkLst>
           <pc:docMk/>
           <pc:sldMk cId="120432337" sldId="273"/>
         </pc:sldMkLst>
         <pc:spChg chg="mod">
-          <ac:chgData name="Doney, Jylisa (jylisadoney@uidaho.edu)" userId="ca63ff72-312b-43e3-9de3-54afc5ff377f" providerId="ADAL" clId="{3A09B9FB-34BF-4B51-A684-70744E18D85C}" dt="2020-04-27T16:44:35.038" v="704" actId="6549"/>
+          <ac:chgData name="Doney, Jylisa (jylisadoney@uidaho.edu)" userId="ca63ff72-312b-43e3-9de3-54afc5ff377f" providerId="ADAL" clId="{3A09B9FB-34BF-4B51-A684-70744E18D85C}" dt="2020-04-28T16:34:19.725" v="2501" actId="20577"/>
           <ac:spMkLst>
             <pc:docMk/>
             <pc:sldMk cId="120432337" sldId="273"/>
@@ -446,11 +477,19 @@
         </pc:spChg>
       </pc:sldChg>
       <pc:sldChg chg="modSp">
-        <pc:chgData name="Doney, Jylisa (jylisadoney@uidaho.edu)" userId="ca63ff72-312b-43e3-9de3-54afc5ff377f" providerId="ADAL" clId="{3A09B9FB-34BF-4B51-A684-70744E18D85C}" dt="2020-04-28T01:40:13.506" v="1896" actId="20577"/>
+        <pc:chgData name="Doney, Jylisa (jylisadoney@uidaho.edu)" userId="ca63ff72-312b-43e3-9de3-54afc5ff377f" providerId="ADAL" clId="{3A09B9FB-34BF-4B51-A684-70744E18D85C}" dt="2020-04-28T16:23:33.320" v="2267" actId="20577"/>
         <pc:sldMkLst>
           <pc:docMk/>
           <pc:sldMk cId="1744858447" sldId="275"/>
         </pc:sldMkLst>
+        <pc:spChg chg="mod">
+          <ac:chgData name="Doney, Jylisa (jylisadoney@uidaho.edu)" userId="ca63ff72-312b-43e3-9de3-54afc5ff377f" providerId="ADAL" clId="{3A09B9FB-34BF-4B51-A684-70744E18D85C}" dt="2020-04-28T16:23:33.320" v="2267" actId="20577"/>
+          <ac:spMkLst>
+            <pc:docMk/>
+            <pc:sldMk cId="1744858447" sldId="275"/>
+            <ac:spMk id="2" creationId="{00000000-0000-0000-0000-000000000000}"/>
+          </ac:spMkLst>
+        </pc:spChg>
         <pc:spChg chg="mod">
           <ac:chgData name="Doney, Jylisa (jylisadoney@uidaho.edu)" userId="ca63ff72-312b-43e3-9de3-54afc5ff377f" providerId="ADAL" clId="{3A09B9FB-34BF-4B51-A684-70744E18D85C}" dt="2020-04-28T01:40:13.506" v="1896" actId="20577"/>
           <ac:spMkLst>
@@ -461,13 +500,21 @@
         </pc:spChg>
       </pc:sldChg>
       <pc:sldChg chg="modSp">
-        <pc:chgData name="Doney, Jylisa (jylisadoney@uidaho.edu)" userId="ca63ff72-312b-43e3-9de3-54afc5ff377f" providerId="ADAL" clId="{3A09B9FB-34BF-4B51-A684-70744E18D85C}" dt="2020-04-28T01:40:19.645" v="1910" actId="20577"/>
+        <pc:chgData name="Doney, Jylisa (jylisadoney@uidaho.edu)" userId="ca63ff72-312b-43e3-9de3-54afc5ff377f" providerId="ADAL" clId="{3A09B9FB-34BF-4B51-A684-70744E18D85C}" dt="2020-04-28T16:31:34.620" v="2466"/>
         <pc:sldMkLst>
           <pc:docMk/>
           <pc:sldMk cId="2152160648" sldId="276"/>
         </pc:sldMkLst>
         <pc:spChg chg="mod">
-          <ac:chgData name="Doney, Jylisa (jylisadoney@uidaho.edu)" userId="ca63ff72-312b-43e3-9de3-54afc5ff377f" providerId="ADAL" clId="{3A09B9FB-34BF-4B51-A684-70744E18D85C}" dt="2020-04-28T01:40:19.645" v="1910" actId="20577"/>
+          <ac:chgData name="Doney, Jylisa (jylisadoney@uidaho.edu)" userId="ca63ff72-312b-43e3-9de3-54afc5ff377f" providerId="ADAL" clId="{3A09B9FB-34BF-4B51-A684-70744E18D85C}" dt="2020-04-28T16:23:38.997" v="2277" actId="20577"/>
+          <ac:spMkLst>
+            <pc:docMk/>
+            <pc:sldMk cId="2152160648" sldId="276"/>
+            <ac:spMk id="2" creationId="{00000000-0000-0000-0000-000000000000}"/>
+          </ac:spMkLst>
+        </pc:spChg>
+        <pc:spChg chg="mod">
+          <ac:chgData name="Doney, Jylisa (jylisadoney@uidaho.edu)" userId="ca63ff72-312b-43e3-9de3-54afc5ff377f" providerId="ADAL" clId="{3A09B9FB-34BF-4B51-A684-70744E18D85C}" dt="2020-04-28T16:31:34.620" v="2466"/>
           <ac:spMkLst>
             <pc:docMk/>
             <pc:sldMk cId="2152160648" sldId="276"/>
@@ -476,11 +523,19 @@
         </pc:spChg>
       </pc:sldChg>
       <pc:sldChg chg="modSp">
-        <pc:chgData name="Doney, Jylisa (jylisadoney@uidaho.edu)" userId="ca63ff72-312b-43e3-9de3-54afc5ff377f" providerId="ADAL" clId="{3A09B9FB-34BF-4B51-A684-70744E18D85C}" dt="2020-04-28T01:40:35.400" v="1948" actId="20577"/>
+        <pc:chgData name="Doney, Jylisa (jylisadoney@uidaho.edu)" userId="ca63ff72-312b-43e3-9de3-54afc5ff377f" providerId="ADAL" clId="{3A09B9FB-34BF-4B51-A684-70744E18D85C}" dt="2020-04-28T16:23:54.427" v="2307" actId="20577"/>
         <pc:sldMkLst>
           <pc:docMk/>
           <pc:sldMk cId="994021837" sldId="277"/>
         </pc:sldMkLst>
+        <pc:spChg chg="mod">
+          <ac:chgData name="Doney, Jylisa (jylisadoney@uidaho.edu)" userId="ca63ff72-312b-43e3-9de3-54afc5ff377f" providerId="ADAL" clId="{3A09B9FB-34BF-4B51-A684-70744E18D85C}" dt="2020-04-28T16:23:54.427" v="2307" actId="20577"/>
+          <ac:spMkLst>
+            <pc:docMk/>
+            <pc:sldMk cId="994021837" sldId="277"/>
+            <ac:spMk id="2" creationId="{00000000-0000-0000-0000-000000000000}"/>
+          </ac:spMkLst>
+        </pc:spChg>
         <pc:spChg chg="mod">
           <ac:chgData name="Doney, Jylisa (jylisadoney@uidaho.edu)" userId="ca63ff72-312b-43e3-9de3-54afc5ff377f" providerId="ADAL" clId="{3A09B9FB-34BF-4B51-A684-70744E18D85C}" dt="2020-04-28T01:40:35.400" v="1948" actId="20577"/>
           <ac:spMkLst>
@@ -491,13 +546,13 @@
         </pc:spChg>
       </pc:sldChg>
       <pc:sldChg chg="modSp">
-        <pc:chgData name="Doney, Jylisa (jylisadoney@uidaho.edu)" userId="ca63ff72-312b-43e3-9de3-54afc5ff377f" providerId="ADAL" clId="{3A09B9FB-34BF-4B51-A684-70744E18D85C}" dt="2020-04-27T22:05:39.051" v="1766" actId="20577"/>
+        <pc:chgData name="Doney, Jylisa (jylisadoney@uidaho.edu)" userId="ca63ff72-312b-43e3-9de3-54afc5ff377f" providerId="ADAL" clId="{3A09B9FB-34BF-4B51-A684-70744E18D85C}" dt="2020-04-28T16:27:08.440" v="2348" actId="6549"/>
         <pc:sldMkLst>
           <pc:docMk/>
           <pc:sldMk cId="1781876625" sldId="278"/>
         </pc:sldMkLst>
         <pc:spChg chg="mod">
-          <ac:chgData name="Doney, Jylisa (jylisadoney@uidaho.edu)" userId="ca63ff72-312b-43e3-9de3-54afc5ff377f" providerId="ADAL" clId="{3A09B9FB-34BF-4B51-A684-70744E18D85C}" dt="2020-04-27T22:05:39.051" v="1766" actId="20577"/>
+          <ac:chgData name="Doney, Jylisa (jylisadoney@uidaho.edu)" userId="ca63ff72-312b-43e3-9de3-54afc5ff377f" providerId="ADAL" clId="{3A09B9FB-34BF-4B51-A684-70744E18D85C}" dt="2020-04-28T16:27:08.440" v="2348" actId="6549"/>
           <ac:spMkLst>
             <pc:docMk/>
             <pc:sldMk cId="1781876625" sldId="278"/>
@@ -506,13 +561,13 @@
         </pc:spChg>
       </pc:sldChg>
       <pc:sldChg chg="modSp modNotesTx">
-        <pc:chgData name="Doney, Jylisa (jylisadoney@uidaho.edu)" userId="ca63ff72-312b-43e3-9de3-54afc5ff377f" providerId="ADAL" clId="{3A09B9FB-34BF-4B51-A684-70744E18D85C}" dt="2020-04-27T22:15:01.011" v="1842" actId="114"/>
+        <pc:chgData name="Doney, Jylisa (jylisadoney@uidaho.edu)" userId="ca63ff72-312b-43e3-9de3-54afc5ff377f" providerId="ADAL" clId="{3A09B9FB-34BF-4B51-A684-70744E18D85C}" dt="2020-04-28T16:28:23.308" v="2411" actId="15"/>
         <pc:sldMkLst>
           <pc:docMk/>
           <pc:sldMk cId="3349216683" sldId="279"/>
         </pc:sldMkLst>
         <pc:spChg chg="mod">
-          <ac:chgData name="Doney, Jylisa (jylisadoney@uidaho.edu)" userId="ca63ff72-312b-43e3-9de3-54afc5ff377f" providerId="ADAL" clId="{3A09B9FB-34BF-4B51-A684-70744E18D85C}" dt="2020-04-27T22:13:51.477" v="1778" actId="15"/>
+          <ac:chgData name="Doney, Jylisa (jylisadoney@uidaho.edu)" userId="ca63ff72-312b-43e3-9de3-54afc5ff377f" providerId="ADAL" clId="{3A09B9FB-34BF-4B51-A684-70744E18D85C}" dt="2020-04-28T16:28:23.308" v="2411" actId="15"/>
           <ac:spMkLst>
             <pc:docMk/>
             <pc:sldMk cId="3349216683" sldId="279"/>
@@ -529,13 +584,13 @@
         </pc:spChg>
       </pc:sldChg>
       <pc:sldChg chg="modSp">
-        <pc:chgData name="Doney, Jylisa (jylisadoney@uidaho.edu)" userId="ca63ff72-312b-43e3-9de3-54afc5ff377f" providerId="ADAL" clId="{3A09B9FB-34BF-4B51-A684-70744E18D85C}" dt="2020-04-27T16:42:28.054" v="696" actId="20577"/>
+        <pc:chgData name="Doney, Jylisa (jylisadoney@uidaho.edu)" userId="ca63ff72-312b-43e3-9de3-54afc5ff377f" providerId="ADAL" clId="{3A09B9FB-34BF-4B51-A684-70744E18D85C}" dt="2020-04-28T16:29:15.911" v="2463" actId="15"/>
         <pc:sldMkLst>
           <pc:docMk/>
           <pc:sldMk cId="4138604670" sldId="281"/>
         </pc:sldMkLst>
         <pc:spChg chg="mod">
-          <ac:chgData name="Doney, Jylisa (jylisadoney@uidaho.edu)" userId="ca63ff72-312b-43e3-9de3-54afc5ff377f" providerId="ADAL" clId="{3A09B9FB-34BF-4B51-A684-70744E18D85C}" dt="2020-04-27T16:42:28.054" v="696" actId="20577"/>
+          <ac:chgData name="Doney, Jylisa (jylisadoney@uidaho.edu)" userId="ca63ff72-312b-43e3-9de3-54afc5ff377f" providerId="ADAL" clId="{3A09B9FB-34BF-4B51-A684-70744E18D85C}" dt="2020-04-28T16:29:15.911" v="2463" actId="15"/>
           <ac:spMkLst>
             <pc:docMk/>
             <pc:sldMk cId="4138604670" sldId="281"/>
@@ -543,12 +598,20 @@
           </ac:spMkLst>
         </pc:spChg>
       </pc:sldChg>
-      <pc:sldChg chg="addSp delSp">
-        <pc:chgData name="Doney, Jylisa (jylisadoney@uidaho.edu)" userId="ca63ff72-312b-43e3-9de3-54afc5ff377f" providerId="ADAL" clId="{3A09B9FB-34BF-4B51-A684-70744E18D85C}" dt="2020-04-27T16:39:00.251" v="687"/>
+      <pc:sldChg chg="addSp delSp modSp">
+        <pc:chgData name="Doney, Jylisa (jylisadoney@uidaho.edu)" userId="ca63ff72-312b-43e3-9de3-54afc5ff377f" providerId="ADAL" clId="{3A09B9FB-34BF-4B51-A684-70744E18D85C}" dt="2020-04-28T16:28:43.891" v="2424" actId="15"/>
         <pc:sldMkLst>
           <pc:docMk/>
           <pc:sldMk cId="2368807100" sldId="282"/>
         </pc:sldMkLst>
+        <pc:spChg chg="mod">
+          <ac:chgData name="Doney, Jylisa (jylisadoney@uidaho.edu)" userId="ca63ff72-312b-43e3-9de3-54afc5ff377f" providerId="ADAL" clId="{3A09B9FB-34BF-4B51-A684-70744E18D85C}" dt="2020-04-28T16:28:43.891" v="2424" actId="15"/>
+          <ac:spMkLst>
+            <pc:docMk/>
+            <pc:sldMk cId="2368807100" sldId="282"/>
+            <ac:spMk id="3" creationId="{00000000-0000-0000-0000-000000000000}"/>
+          </ac:spMkLst>
+        </pc:spChg>
         <pc:spChg chg="del">
           <ac:chgData name="Doney, Jylisa (jylisadoney@uidaho.edu)" userId="ca63ff72-312b-43e3-9de3-54afc5ff377f" providerId="ADAL" clId="{3A09B9FB-34BF-4B51-A684-70744E18D85C}" dt="2020-04-27T16:38:59.866" v="686" actId="478"/>
           <ac:spMkLst>
@@ -567,11 +630,66 @@
         </pc:spChg>
       </pc:sldChg>
       <pc:sldChg chg="modSp">
-        <pc:chgData name="Doney, Jylisa (jylisadoney@uidaho.edu)" userId="ca63ff72-312b-43e3-9de3-54afc5ff377f" providerId="ADAL" clId="{3A09B9FB-34BF-4B51-A684-70744E18D85C}" dt="2020-04-28T01:40:27.395" v="1924" actId="20577"/>
+        <pc:chgData name="Doney, Jylisa (jylisadoney@uidaho.edu)" userId="ca63ff72-312b-43e3-9de3-54afc5ff377f" providerId="ADAL" clId="{3A09B9FB-34BF-4B51-A684-70744E18D85C}" dt="2020-04-28T16:29:04.230" v="2455" actId="1036"/>
+        <pc:sldMkLst>
+          <pc:docMk/>
+          <pc:sldMk cId="4081224839" sldId="283"/>
+        </pc:sldMkLst>
+        <pc:spChg chg="mod">
+          <ac:chgData name="Doney, Jylisa (jylisadoney@uidaho.edu)" userId="ca63ff72-312b-43e3-9de3-54afc5ff377f" providerId="ADAL" clId="{3A09B9FB-34BF-4B51-A684-70744E18D85C}" dt="2020-04-28T16:28:51.210" v="2429" actId="15"/>
+          <ac:spMkLst>
+            <pc:docMk/>
+            <pc:sldMk cId="4081224839" sldId="283"/>
+            <ac:spMk id="3" creationId="{00000000-0000-0000-0000-000000000000}"/>
+          </ac:spMkLst>
+        </pc:spChg>
+        <pc:spChg chg="mod">
+          <ac:chgData name="Doney, Jylisa (jylisadoney@uidaho.edu)" userId="ca63ff72-312b-43e3-9de3-54afc5ff377f" providerId="ADAL" clId="{3A09B9FB-34BF-4B51-A684-70744E18D85C}" dt="2020-04-28T16:29:04.230" v="2455" actId="1036"/>
+          <ac:spMkLst>
+            <pc:docMk/>
+            <pc:sldMk cId="4081224839" sldId="283"/>
+            <ac:spMk id="6" creationId="{00000000-0000-0000-0000-000000000000}"/>
+          </ac:spMkLst>
+        </pc:spChg>
+        <pc:spChg chg="mod">
+          <ac:chgData name="Doney, Jylisa (jylisadoney@uidaho.edu)" userId="ca63ff72-312b-43e3-9de3-54afc5ff377f" providerId="ADAL" clId="{3A09B9FB-34BF-4B51-A684-70744E18D85C}" dt="2020-04-28T16:29:04.230" v="2455" actId="1036"/>
+          <ac:spMkLst>
+            <pc:docMk/>
+            <pc:sldMk cId="4081224839" sldId="283"/>
+            <ac:spMk id="7" creationId="{00000000-0000-0000-0000-000000000000}"/>
+          </ac:spMkLst>
+        </pc:spChg>
+        <pc:spChg chg="mod">
+          <ac:chgData name="Doney, Jylisa (jylisadoney@uidaho.edu)" userId="ca63ff72-312b-43e3-9de3-54afc5ff377f" providerId="ADAL" clId="{3A09B9FB-34BF-4B51-A684-70744E18D85C}" dt="2020-04-28T16:29:04.230" v="2455" actId="1036"/>
+          <ac:spMkLst>
+            <pc:docMk/>
+            <pc:sldMk cId="4081224839" sldId="283"/>
+            <ac:spMk id="8" creationId="{00000000-0000-0000-0000-000000000000}"/>
+          </ac:spMkLst>
+        </pc:spChg>
+        <pc:graphicFrameChg chg="mod">
+          <ac:chgData name="Doney, Jylisa (jylisadoney@uidaho.edu)" userId="ca63ff72-312b-43e3-9de3-54afc5ff377f" providerId="ADAL" clId="{3A09B9FB-34BF-4B51-A684-70744E18D85C}" dt="2020-04-28T16:29:04.230" v="2455" actId="1036"/>
+          <ac:graphicFrameMkLst>
+            <pc:docMk/>
+            <pc:sldMk cId="4081224839" sldId="283"/>
+            <ac:graphicFrameMk id="5" creationId="{00000000-0000-0000-0000-000000000000}"/>
+          </ac:graphicFrameMkLst>
+        </pc:graphicFrameChg>
+      </pc:sldChg>
+      <pc:sldChg chg="modSp">
+        <pc:chgData name="Doney, Jylisa (jylisadoney@uidaho.edu)" userId="ca63ff72-312b-43e3-9de3-54afc5ff377f" providerId="ADAL" clId="{3A09B9FB-34BF-4B51-A684-70744E18D85C}" dt="2020-04-28T16:23:44.840" v="2287" actId="20577"/>
         <pc:sldMkLst>
           <pc:docMk/>
           <pc:sldMk cId="1264982433" sldId="285"/>
         </pc:sldMkLst>
+        <pc:spChg chg="mod">
+          <ac:chgData name="Doney, Jylisa (jylisadoney@uidaho.edu)" userId="ca63ff72-312b-43e3-9de3-54afc5ff377f" providerId="ADAL" clId="{3A09B9FB-34BF-4B51-A684-70744E18D85C}" dt="2020-04-28T16:23:44.840" v="2287" actId="20577"/>
+          <ac:spMkLst>
+            <pc:docMk/>
+            <pc:sldMk cId="1264982433" sldId="285"/>
+            <ac:spMk id="2" creationId="{00000000-0000-0000-0000-000000000000}"/>
+          </ac:spMkLst>
+        </pc:spChg>
         <pc:spChg chg="mod">
           <ac:chgData name="Doney, Jylisa (jylisadoney@uidaho.edu)" userId="ca63ff72-312b-43e3-9de3-54afc5ff377f" providerId="ADAL" clId="{3A09B9FB-34BF-4B51-A684-70744E18D85C}" dt="2020-04-28T01:40:27.395" v="1924" actId="20577"/>
           <ac:spMkLst>
@@ -582,13 +700,13 @@
         </pc:spChg>
       </pc:sldChg>
       <pc:sldChg chg="modSp">
-        <pc:chgData name="Doney, Jylisa (jylisadoney@uidaho.edu)" userId="ca63ff72-312b-43e3-9de3-54afc5ff377f" providerId="ADAL" clId="{3A09B9FB-34BF-4B51-A684-70744E18D85C}" dt="2020-04-27T15:27:12.680" v="17" actId="6549"/>
+        <pc:chgData name="Doney, Jylisa (jylisadoney@uidaho.edu)" userId="ca63ff72-312b-43e3-9de3-54afc5ff377f" providerId="ADAL" clId="{3A09B9FB-34BF-4B51-A684-70744E18D85C}" dt="2020-04-28T16:22:02.908" v="2193" actId="20577"/>
         <pc:sldMkLst>
           <pc:docMk/>
           <pc:sldMk cId="3928120278" sldId="287"/>
         </pc:sldMkLst>
         <pc:spChg chg="mod">
-          <ac:chgData name="Doney, Jylisa (jylisadoney@uidaho.edu)" userId="ca63ff72-312b-43e3-9de3-54afc5ff377f" providerId="ADAL" clId="{3A09B9FB-34BF-4B51-A684-70744E18D85C}" dt="2020-04-27T15:27:12.680" v="17" actId="6549"/>
+          <ac:chgData name="Doney, Jylisa (jylisadoney@uidaho.edu)" userId="ca63ff72-312b-43e3-9de3-54afc5ff377f" providerId="ADAL" clId="{3A09B9FB-34BF-4B51-A684-70744E18D85C}" dt="2020-04-28T16:22:02.908" v="2193" actId="20577"/>
           <ac:spMkLst>
             <pc:docMk/>
             <pc:sldMk cId="3928120278" sldId="287"/>
@@ -597,13 +715,13 @@
         </pc:spChg>
       </pc:sldChg>
       <pc:sldChg chg="modSp">
-        <pc:chgData name="Doney, Jylisa (jylisadoney@uidaho.edu)" userId="ca63ff72-312b-43e3-9de3-54afc5ff377f" providerId="ADAL" clId="{3A09B9FB-34BF-4B51-A684-70744E18D85C}" dt="2020-04-27T21:05:43.772" v="1320" actId="20577"/>
+        <pc:chgData name="Doney, Jylisa (jylisadoney@uidaho.edu)" userId="ca63ff72-312b-43e3-9de3-54afc5ff377f" providerId="ADAL" clId="{3A09B9FB-34BF-4B51-A684-70744E18D85C}" dt="2020-04-28T16:22:20.422" v="2216" actId="6549"/>
         <pc:sldMkLst>
           <pc:docMk/>
           <pc:sldMk cId="1823937539" sldId="288"/>
         </pc:sldMkLst>
         <pc:spChg chg="mod">
-          <ac:chgData name="Doney, Jylisa (jylisadoney@uidaho.edu)" userId="ca63ff72-312b-43e3-9de3-54afc5ff377f" providerId="ADAL" clId="{3A09B9FB-34BF-4B51-A684-70744E18D85C}" dt="2020-04-27T21:05:43.772" v="1320" actId="20577"/>
+          <ac:chgData name="Doney, Jylisa (jylisadoney@uidaho.edu)" userId="ca63ff72-312b-43e3-9de3-54afc5ff377f" providerId="ADAL" clId="{3A09B9FB-34BF-4B51-A684-70744E18D85C}" dt="2020-04-28T16:22:20.422" v="2216" actId="6549"/>
           <ac:spMkLst>
             <pc:docMk/>
             <pc:sldMk cId="1823937539" sldId="288"/>
@@ -612,13 +730,13 @@
         </pc:spChg>
       </pc:sldChg>
       <pc:sldChg chg="modSp">
-        <pc:chgData name="Doney, Jylisa (jylisadoney@uidaho.edu)" userId="ca63ff72-312b-43e3-9de3-54afc5ff377f" providerId="ADAL" clId="{3A09B9FB-34BF-4B51-A684-70744E18D85C}" dt="2020-04-27T22:00:04.154" v="1552" actId="20577"/>
+        <pc:chgData name="Doney, Jylisa (jylisadoney@uidaho.edu)" userId="ca63ff72-312b-43e3-9de3-54afc5ff377f" providerId="ADAL" clId="{3A09B9FB-34BF-4B51-A684-70744E18D85C}" dt="2020-04-28T16:22:47.747" v="2217" actId="20577"/>
         <pc:sldMkLst>
           <pc:docMk/>
           <pc:sldMk cId="396767174" sldId="289"/>
         </pc:sldMkLst>
         <pc:spChg chg="mod">
-          <ac:chgData name="Doney, Jylisa (jylisadoney@uidaho.edu)" userId="ca63ff72-312b-43e3-9de3-54afc5ff377f" providerId="ADAL" clId="{3A09B9FB-34BF-4B51-A684-70744E18D85C}" dt="2020-04-27T22:00:04.154" v="1552" actId="20577"/>
+          <ac:chgData name="Doney, Jylisa (jylisadoney@uidaho.edu)" userId="ca63ff72-312b-43e3-9de3-54afc5ff377f" providerId="ADAL" clId="{3A09B9FB-34BF-4B51-A684-70744E18D85C}" dt="2020-04-28T16:22:47.747" v="2217" actId="20577"/>
           <ac:spMkLst>
             <pc:docMk/>
             <pc:sldMk cId="396767174" sldId="289"/>
@@ -642,28 +760,51 @@
         </pc:spChg>
       </pc:sldChg>
       <pc:sldChg chg="modSp">
-        <pc:chgData name="Doney, Jylisa (jylisadoney@uidaho.edu)" userId="ca63ff72-312b-43e3-9de3-54afc5ff377f" providerId="ADAL" clId="{3A09B9FB-34BF-4B51-A684-70744E18D85C}" dt="2020-04-27T15:19:27.979" v="16" actId="6549"/>
+        <pc:chgData name="Doney, Jylisa (jylisadoney@uidaho.edu)" userId="ca63ff72-312b-43e3-9de3-54afc5ff377f" providerId="ADAL" clId="{3A09B9FB-34BF-4B51-A684-70744E18D85C}" dt="2020-04-28T15:29:49.080" v="1949" actId="20577"/>
+        <pc:sldMkLst>
+          <pc:docMk/>
+          <pc:sldMk cId="3162338271" sldId="291"/>
+        </pc:sldMkLst>
+        <pc:spChg chg="mod">
+          <ac:chgData name="Doney, Jylisa (jylisadoney@uidaho.edu)" userId="ca63ff72-312b-43e3-9de3-54afc5ff377f" providerId="ADAL" clId="{3A09B9FB-34BF-4B51-A684-70744E18D85C}" dt="2020-04-28T15:29:49.080" v="1949" actId="20577"/>
+          <ac:spMkLst>
+            <pc:docMk/>
+            <pc:sldMk cId="3162338271" sldId="291"/>
+            <ac:spMk id="3" creationId="{00000000-0000-0000-0000-000000000000}"/>
+          </ac:spMkLst>
+        </pc:spChg>
+      </pc:sldChg>
+      <pc:sldChg chg="modSp">
+        <pc:chgData name="Doney, Jylisa (jylisadoney@uidaho.edu)" userId="ca63ff72-312b-43e3-9de3-54afc5ff377f" providerId="ADAL" clId="{3A09B9FB-34BF-4B51-A684-70744E18D85C}" dt="2020-04-28T16:02:21.801" v="2010" actId="1036"/>
         <pc:sldMkLst>
           <pc:docMk/>
           <pc:sldMk cId="3278815306" sldId="292"/>
         </pc:sldMkLst>
         <pc:spChg chg="mod">
-          <ac:chgData name="Doney, Jylisa (jylisadoney@uidaho.edu)" userId="ca63ff72-312b-43e3-9de3-54afc5ff377f" providerId="ADAL" clId="{3A09B9FB-34BF-4B51-A684-70744E18D85C}" dt="2020-04-27T15:19:27.979" v="16" actId="6549"/>
+          <ac:chgData name="Doney, Jylisa (jylisadoney@uidaho.edu)" userId="ca63ff72-312b-43e3-9de3-54afc5ff377f" providerId="ADAL" clId="{3A09B9FB-34BF-4B51-A684-70744E18D85C}" dt="2020-04-28T16:02:18.245" v="2004" actId="1035"/>
           <ac:spMkLst>
             <pc:docMk/>
             <pc:sldMk cId="3278815306" sldId="292"/>
             <ac:spMk id="2" creationId="{00000000-0000-0000-0000-000000000000}"/>
           </ac:spMkLst>
         </pc:spChg>
+        <pc:spChg chg="mod">
+          <ac:chgData name="Doney, Jylisa (jylisadoney@uidaho.edu)" userId="ca63ff72-312b-43e3-9de3-54afc5ff377f" providerId="ADAL" clId="{3A09B9FB-34BF-4B51-A684-70744E18D85C}" dt="2020-04-28T16:02:21.801" v="2010" actId="1036"/>
+          <ac:spMkLst>
+            <pc:docMk/>
+            <pc:sldMk cId="3278815306" sldId="292"/>
+            <ac:spMk id="3" creationId="{00000000-0000-0000-0000-000000000000}"/>
+          </ac:spMkLst>
+        </pc:spChg>
       </pc:sldChg>
       <pc:sldChg chg="modSp add">
-        <pc:chgData name="Doney, Jylisa (jylisadoney@uidaho.edu)" userId="ca63ff72-312b-43e3-9de3-54afc5ff377f" providerId="ADAL" clId="{3A09B9FB-34BF-4B51-A684-70744E18D85C}" dt="2020-04-28T01:40:06.283" v="1888" actId="20577"/>
+        <pc:chgData name="Doney, Jylisa (jylisadoney@uidaho.edu)" userId="ca63ff72-312b-43e3-9de3-54afc5ff377f" providerId="ADAL" clId="{3A09B9FB-34BF-4B51-A684-70744E18D85C}" dt="2020-04-28T16:23:09.955" v="2227" actId="20577"/>
         <pc:sldMkLst>
           <pc:docMk/>
           <pc:sldMk cId="1193147040" sldId="294"/>
         </pc:sldMkLst>
         <pc:spChg chg="mod">
-          <ac:chgData name="Doney, Jylisa (jylisadoney@uidaho.edu)" userId="ca63ff72-312b-43e3-9de3-54afc5ff377f" providerId="ADAL" clId="{3A09B9FB-34BF-4B51-A684-70744E18D85C}" dt="2020-04-27T22:00:52.892" v="1554"/>
+          <ac:chgData name="Doney, Jylisa (jylisadoney@uidaho.edu)" userId="ca63ff72-312b-43e3-9de3-54afc5ff377f" providerId="ADAL" clId="{3A09B9FB-34BF-4B51-A684-70744E18D85C}" dt="2020-04-28T16:23:09.955" v="2227" actId="20577"/>
           <ac:spMkLst>
             <pc:docMk/>
             <pc:sldMk cId="1193147040" sldId="294"/>
@@ -1715,7 +1856,7 @@
           <a:p>
             <a:fld id="{91B3312B-6D98-40A4-B12E-D2F530A6027F}" type="datetimeFigureOut">
               <a:rPr lang="en-US" smtClean="0"/>
-              <a:t>4/27/2020</a:t>
+              <a:t>4/28/2020</a:t>
             </a:fld>
             <a:endParaRPr lang="en-US" dirty="0"/>
           </a:p>
@@ -2457,7 +2598,7 @@
             <a:spLocks noGrp="1"/>
           </p:cNvSpPr>
           <p:nvPr>
-            <p:ph type="sldNum" sz="quarter" idx="10"/>
+            <p:ph type="sldNum" sz="quarter" idx="5"/>
           </p:nvPr>
         </p:nvSpPr>
         <p:spPr/>
@@ -2467,7 +2608,7 @@
           <a:p>
             <a:fld id="{2850BA1C-F8D6-483D-8859-0151F443DD2B}" type="slidenum">
               <a:rPr lang="en-US" smtClean="0"/>
-              <a:t>22</a:t>
+              <a:t>16</a:t>
             </a:fld>
             <a:endParaRPr lang="en-US" dirty="0"/>
           </a:p>
@@ -2476,7 +2617,7 @@
     </p:spTree>
     <p:extLst>
       <p:ext uri="{BB962C8B-B14F-4D97-AF65-F5344CB8AC3E}">
-        <p14:creationId xmlns:p14="http://schemas.microsoft.com/office/powerpoint/2010/main" val="353334598"/>
+        <p14:creationId xmlns:p14="http://schemas.microsoft.com/office/powerpoint/2010/main" val="610825141"/>
       </p:ext>
     </p:extLst>
   </p:cSld>
@@ -2530,6 +2671,90 @@
           <a:bodyPr/>
           <a:lstStyle/>
           <a:p>
+            <a:endParaRPr lang="en-US" dirty="0"/>
+          </a:p>
+        </p:txBody>
+      </p:sp>
+      <p:sp>
+        <p:nvSpPr>
+          <p:cNvPr id="4" name="Slide Number Placeholder 3"/>
+          <p:cNvSpPr>
+            <a:spLocks noGrp="1"/>
+          </p:cNvSpPr>
+          <p:nvPr>
+            <p:ph type="sldNum" sz="quarter" idx="10"/>
+          </p:nvPr>
+        </p:nvSpPr>
+        <p:spPr/>
+        <p:txBody>
+          <a:bodyPr/>
+          <a:lstStyle/>
+          <a:p>
+            <a:fld id="{2850BA1C-F8D6-483D-8859-0151F443DD2B}" type="slidenum">
+              <a:rPr lang="en-US" smtClean="0"/>
+              <a:t>22</a:t>
+            </a:fld>
+            <a:endParaRPr lang="en-US" dirty="0"/>
+          </a:p>
+        </p:txBody>
+      </p:sp>
+    </p:spTree>
+    <p:extLst>
+      <p:ext uri="{BB962C8B-B14F-4D97-AF65-F5344CB8AC3E}">
+        <p14:creationId xmlns:p14="http://schemas.microsoft.com/office/powerpoint/2010/main" val="353334598"/>
+      </p:ext>
+    </p:extLst>
+  </p:cSld>
+  <p:clrMapOvr>
+    <a:masterClrMapping/>
+  </p:clrMapOvr>
+</p:notes>
+</file>
+
+<file path=ppt/notesSlides/notesSlide8.xml><?xml version="1.0" encoding="utf-8"?>
+<p:notes xmlns:a="http://schemas.openxmlformats.org/drawingml/2006/main" xmlns:r="http://schemas.openxmlformats.org/officeDocument/2006/relationships" xmlns:p="http://schemas.openxmlformats.org/presentationml/2006/main">
+  <p:cSld>
+    <p:spTree>
+      <p:nvGrpSpPr>
+        <p:cNvPr id="1" name=""/>
+        <p:cNvGrpSpPr/>
+        <p:nvPr/>
+      </p:nvGrpSpPr>
+      <p:grpSpPr>
+        <a:xfrm>
+          <a:off x="0" y="0"/>
+          <a:ext cx="0" cy="0"/>
+          <a:chOff x="0" y="0"/>
+          <a:chExt cx="0" cy="0"/>
+        </a:xfrm>
+      </p:grpSpPr>
+      <p:sp>
+        <p:nvSpPr>
+          <p:cNvPr id="2" name="Slide Image Placeholder 1"/>
+          <p:cNvSpPr>
+            <a:spLocks noGrp="1" noRot="1" noChangeAspect="1"/>
+          </p:cNvSpPr>
+          <p:nvPr>
+            <p:ph type="sldImg"/>
+          </p:nvPr>
+        </p:nvSpPr>
+        <p:spPr/>
+      </p:sp>
+      <p:sp>
+        <p:nvSpPr>
+          <p:cNvPr id="3" name="Notes Placeholder 2"/>
+          <p:cNvSpPr>
+            <a:spLocks noGrp="1"/>
+          </p:cNvSpPr>
+          <p:nvPr>
+            <p:ph type="body" idx="1"/>
+          </p:nvPr>
+        </p:nvSpPr>
+        <p:spPr/>
+        <p:txBody>
+          <a:bodyPr/>
+          <a:lstStyle/>
+          <a:p>
             <a:pPr marL="0" marR="0" lvl="0" indent="0" algn="l" defTabSz="914400" rtl="0" eaLnBrk="1" fontAlgn="auto" latinLnBrk="0" hangingPunct="1">
               <a:lnSpc>
                 <a:spcPct val="100000"/>
@@ -2587,7 +2812,7 @@
 </p:notes>
 </file>
 
-<file path=ppt/notesSlides/notesSlide8.xml><?xml version="1.0" encoding="utf-8"?>
+<file path=ppt/notesSlides/notesSlide9.xml><?xml version="1.0" encoding="utf-8"?>
 <p:notes xmlns:a="http://schemas.openxmlformats.org/drawingml/2006/main" xmlns:r="http://schemas.openxmlformats.org/officeDocument/2006/relationships" xmlns:p="http://schemas.openxmlformats.org/presentationml/2006/main">
   <p:cSld>
     <p:spTree>
@@ -2800,7 +3025,7 @@
           <a:p>
             <a:fld id="{D4251743-36F9-4686-A4CB-C317D4EFD24E}" type="datetimeFigureOut">
               <a:rPr lang="en-US" smtClean="0"/>
-              <a:t>4/27/2020</a:t>
+              <a:t>4/28/2020</a:t>
             </a:fld>
             <a:endParaRPr lang="en-US" dirty="0"/>
           </a:p>
@@ -2968,7 +3193,7 @@
           <a:p>
             <a:fld id="{D4251743-36F9-4686-A4CB-C317D4EFD24E}" type="datetimeFigureOut">
               <a:rPr lang="en-US" smtClean="0"/>
-              <a:t>4/27/2020</a:t>
+              <a:t>4/28/2020</a:t>
             </a:fld>
             <a:endParaRPr lang="en-US" dirty="0"/>
           </a:p>
@@ -3146,7 +3371,7 @@
           <a:p>
             <a:fld id="{D4251743-36F9-4686-A4CB-C317D4EFD24E}" type="datetimeFigureOut">
               <a:rPr lang="en-US" smtClean="0"/>
-              <a:t>4/27/2020</a:t>
+              <a:t>4/28/2020</a:t>
             </a:fld>
             <a:endParaRPr lang="en-US" dirty="0"/>
           </a:p>
@@ -3389,7 +3614,7 @@
           <a:p>
             <a:fld id="{D4251743-36F9-4686-A4CB-C317D4EFD24E}" type="datetimeFigureOut">
               <a:rPr lang="en-US" smtClean="0"/>
-              <a:t>4/27/2020</a:t>
+              <a:t>4/28/2020</a:t>
             </a:fld>
             <a:endParaRPr lang="en-US" dirty="0"/>
           </a:p>
@@ -3725,7 +3950,7 @@
           <a:p>
             <a:fld id="{D4251743-36F9-4686-A4CB-C317D4EFD24E}" type="datetimeFigureOut">
               <a:rPr lang="en-US" smtClean="0"/>
-              <a:t>4/27/2020</a:t>
+              <a:t>4/28/2020</a:t>
             </a:fld>
             <a:endParaRPr lang="en-US" dirty="0"/>
           </a:p>
@@ -3954,7 +4179,7 @@
           <a:p>
             <a:fld id="{D4251743-36F9-4686-A4CB-C317D4EFD24E}" type="datetimeFigureOut">
               <a:rPr lang="en-US" smtClean="0"/>
-              <a:t>4/27/2020</a:t>
+              <a:t>4/28/2020</a:t>
             </a:fld>
             <a:endParaRPr lang="en-US" dirty="0"/>
           </a:p>
@@ -4318,7 +4543,7 @@
           <a:p>
             <a:fld id="{D4251743-36F9-4686-A4CB-C317D4EFD24E}" type="datetimeFigureOut">
               <a:rPr lang="en-US" smtClean="0"/>
-              <a:t>4/27/2020</a:t>
+              <a:t>4/28/2020</a:t>
             </a:fld>
             <a:endParaRPr lang="en-US" dirty="0"/>
           </a:p>
@@ -4435,7 +4660,7 @@
           <a:p>
             <a:fld id="{D4251743-36F9-4686-A4CB-C317D4EFD24E}" type="datetimeFigureOut">
               <a:rPr lang="en-US" smtClean="0"/>
-              <a:t>4/27/2020</a:t>
+              <a:t>4/28/2020</a:t>
             </a:fld>
             <a:endParaRPr lang="en-US" dirty="0"/>
           </a:p>
@@ -4530,7 +4755,7 @@
           <a:p>
             <a:fld id="{D4251743-36F9-4686-A4CB-C317D4EFD24E}" type="datetimeFigureOut">
               <a:rPr lang="en-US" smtClean="0"/>
-              <a:t>4/27/2020</a:t>
+              <a:t>4/28/2020</a:t>
             </a:fld>
             <a:endParaRPr lang="en-US" dirty="0"/>
           </a:p>
@@ -4805,7 +5030,7 @@
           <a:p>
             <a:fld id="{D4251743-36F9-4686-A4CB-C317D4EFD24E}" type="datetimeFigureOut">
               <a:rPr lang="en-US" smtClean="0"/>
-              <a:t>4/27/2020</a:t>
+              <a:t>4/28/2020</a:t>
             </a:fld>
             <a:endParaRPr lang="en-US" dirty="0"/>
           </a:p>
@@ -5057,7 +5282,7 @@
           <a:p>
             <a:fld id="{D4251743-36F9-4686-A4CB-C317D4EFD24E}" type="datetimeFigureOut">
               <a:rPr lang="en-US" smtClean="0"/>
-              <a:t>4/27/2020</a:t>
+              <a:t>4/28/2020</a:t>
             </a:fld>
             <a:endParaRPr lang="en-US" dirty="0"/>
           </a:p>
@@ -5268,7 +5493,7 @@
           <a:p>
             <a:fld id="{D4251743-36F9-4686-A4CB-C317D4EFD24E}" type="datetimeFigureOut">
               <a:rPr lang="en-US" smtClean="0"/>
-              <a:t>4/27/2020</a:t>
+              <a:t>4/28/2020</a:t>
             </a:fld>
             <a:endParaRPr lang="en-US" dirty="0"/>
           </a:p>
@@ -5685,7 +5910,7 @@
         </p:nvSpPr>
         <p:spPr>
           <a:xfrm>
-            <a:off x="838200" y="674651"/>
+            <a:off x="838200" y="407951"/>
             <a:ext cx="10515600" cy="2319454"/>
           </a:xfrm>
         </p:spPr>
@@ -5726,12 +5951,14 @@
         </p:nvSpPr>
         <p:spPr>
           <a:xfrm>
-            <a:off x="542564" y="3614573"/>
-            <a:ext cx="11106873" cy="1871822"/>
+            <a:off x="542564" y="3314700"/>
+            <a:ext cx="11106873" cy="2752725"/>
           </a:xfrm>
         </p:spPr>
         <p:txBody>
-          <a:bodyPr/>
+          <a:bodyPr>
+            <a:normAutofit/>
+          </a:bodyPr>
           <a:lstStyle/>
           <a:p>
             <a:pPr marL="0" indent="0" algn="ctr">
@@ -5746,9 +5973,24 @@
             <a:pPr marL="0" indent="0" algn="ctr">
               <a:buNone/>
             </a:pPr>
+            <a:endParaRPr lang="en-US" dirty="0"/>
+          </a:p>
+          <a:p>
+            <a:pPr marL="0" indent="0" algn="ctr">
+              <a:buNone/>
+            </a:pPr>
             <a:r>
               <a:rPr lang="en-US" dirty="0"/>
               <a:t>Social Sciences Librarian</a:t>
+            </a:r>
+          </a:p>
+          <a:p>
+            <a:pPr marL="0" indent="0" algn="ctr">
+              <a:buNone/>
+            </a:pPr>
+            <a:r>
+              <a:rPr lang="en-US" dirty="0"/>
+              <a:t>University of Idaho</a:t>
             </a:r>
           </a:p>
           <a:p>
@@ -5864,7 +6106,7 @@
           <a:p>
             <a:r>
               <a:rPr lang="en-US" dirty="0"/>
-              <a:t>Publishing models</a:t>
+              <a:t>Journal publishing models</a:t>
             </a:r>
           </a:p>
         </p:txBody>
@@ -6064,7 +6306,7 @@
           <a:p>
             <a:r>
               <a:rPr lang="en-US" dirty="0"/>
-              <a:t>Publishing models</a:t>
+              <a:t>Journal publishing models</a:t>
             </a:r>
           </a:p>
         </p:txBody>
@@ -6281,7 +6523,7 @@
           <a:p>
             <a:r>
               <a:rPr lang="en-US" dirty="0"/>
-              <a:t>Publishing models</a:t>
+              <a:t>Journal publishing models</a:t>
             </a:r>
           </a:p>
         </p:txBody>
@@ -6316,7 +6558,7 @@
                 <a:latin typeface="Calibri" panose="020F0502020204030204" pitchFamily="34" charset="0"/>
                 <a:cs typeface="Calibri" panose="020F0502020204030204" pitchFamily="34" charset="0"/>
               </a:rPr>
-              <a:t>Authors and/or their institutions pay a fee (article processing charge) to publish an article</a:t>
+              <a:t>Authors and/or their institutions pay a fee to publish an article (article processing charge)</a:t>
             </a:r>
           </a:p>
           <a:p>
@@ -6486,7 +6728,7 @@
           <a:p>
             <a:r>
               <a:rPr lang="en-US" dirty="0"/>
-              <a:t>Publishing models</a:t>
+              <a:t>Journal publishing models</a:t>
             </a:r>
           </a:p>
         </p:txBody>
@@ -6691,7 +6933,7 @@
           <a:p>
             <a:r>
               <a:rPr lang="en-US" dirty="0"/>
-              <a:t>Publishing models</a:t>
+              <a:t>Journal publishing models</a:t>
             </a:r>
           </a:p>
         </p:txBody>
@@ -6739,7 +6981,7 @@
                 <a:latin typeface="Calibri" panose="020F0502020204030204" pitchFamily="34" charset="0"/>
                 <a:cs typeface="Calibri" panose="020F0502020204030204" pitchFamily="34" charset="0"/>
               </a:rPr>
-              <a:t>Readers and/or their institutions pay a fee to access all other articles</a:t>
+              <a:t>Readers and/or their institutions must pay a fee to access all other, non-open access articles</a:t>
             </a:r>
           </a:p>
           <a:p>
@@ -6922,7 +7164,7 @@
           <a:p>
             <a:r>
               <a:rPr lang="en-US" dirty="0"/>
-              <a:t>Publishing models</a:t>
+              <a:t>Journal publishing models</a:t>
             </a:r>
           </a:p>
         </p:txBody>
@@ -7180,7 +7422,7 @@
           <a:p>
             <a:r>
               <a:rPr lang="en-US" dirty="0"/>
-              <a:t>Discuss the pros and cons of each model, for authors as well as readers</a:t>
+              <a:t>Discuss the pros and cons of each model for authors as well as readers</a:t>
             </a:r>
           </a:p>
         </p:txBody>
@@ -7719,7 +7961,7 @@
           <a:p>
             <a:r>
               <a:rPr lang="en-US" dirty="0"/>
-              <a:t>Pre-session video and journal submission guidelines</a:t>
+              <a:t>Journal submission guidelines</a:t>
             </a:r>
           </a:p>
           <a:p>
@@ -7731,7 +7973,7 @@
           <a:p>
             <a:r>
               <a:rPr lang="en-US" dirty="0"/>
-              <a:t>Publishing models</a:t>
+              <a:t>Journal publishing models</a:t>
             </a:r>
           </a:p>
           <a:p>
@@ -7823,7 +8065,7 @@
           <a:p>
             <a:r>
               <a:rPr lang="en-US" dirty="0"/>
-              <a:t>Read through the example copyright transfer agreement and consider:</a:t>
+              <a:t>Read through the sample copyright transfer agreement and consider:</a:t>
             </a:r>
           </a:p>
           <a:p>
@@ -7927,14 +8169,14 @@
             <a:pPr lvl="1"/>
             <a:r>
               <a:rPr lang="en-US" dirty="0"/>
-              <a:t>Open access (green)</a:t>
+              <a:t>Green open access</a:t>
             </a:r>
           </a:p>
           <a:p>
             <a:pPr lvl="2"/>
             <a:r>
               <a:rPr lang="en-US" dirty="0"/>
-              <a:t>Authors make a version of their article (pre-print, post-print/accepted manuscript, published version) freely available for anyone to access</a:t>
+              <a:t>Authors make a version of their article (e.g. pre-print, post-print/accepted manuscript, published version) freely available for anyone to access</a:t>
             </a:r>
           </a:p>
         </p:txBody>
@@ -8128,7 +8370,7 @@
             <a:pPr lvl="1"/>
             <a:r>
               <a:rPr lang="en-US" dirty="0"/>
-              <a:t>Open access (green)</a:t>
+              <a:t>Green open access</a:t>
             </a:r>
           </a:p>
           <a:p>
@@ -8340,15 +8582,7 @@
           <a:p>
             <a:r>
               <a:rPr lang="en-US" dirty="0"/>
-              <a:t>Compare and contrast the self-archiving policies </a:t>
-            </a:r>
-            <a:r>
-              <a:rPr lang="en-US"/>
-              <a:t>for two </a:t>
-            </a:r>
-            <a:r>
-              <a:rPr lang="en-US" dirty="0"/>
-              <a:t>journals</a:t>
+              <a:t>Compare and contrast the self-archiving policies for two journals</a:t>
             </a:r>
           </a:p>
           <a:p>
@@ -8514,7 +8748,7 @@
         <p:spPr>
           <a:xfrm>
             <a:off x="838200" y="1228217"/>
-            <a:ext cx="10515600" cy="1844167"/>
+            <a:ext cx="10515600" cy="2867533"/>
           </a:xfrm>
         </p:spPr>
         <p:txBody>
@@ -8525,13 +8759,20 @@
           <a:p>
             <a:r>
               <a:rPr lang="en-US" dirty="0"/>
-              <a:t>Journal-level = Impact factor (JIF)</a:t>
+              <a:t>Journal-level</a:t>
             </a:r>
           </a:p>
           <a:p>
             <a:pPr lvl="1"/>
             <a:r>
               <a:rPr lang="en-US" dirty="0"/>
+              <a:t>Impact factor (IF)</a:t>
+            </a:r>
+          </a:p>
+          <a:p>
+            <a:pPr lvl="2"/>
+            <a:r>
+              <a:rPr lang="en-US" dirty="0"/>
               <a:t>“Used as a proxy for the relative importance of a journal within its field…”</a:t>
             </a:r>
           </a:p>
@@ -8540,8 +8781,8 @@
           </a:p>
         </p:txBody>
       </p:sp>
-      <mc:AlternateContent xmlns:mc="http://schemas.openxmlformats.org/markup-compatibility/2006" xmlns:a14="http://schemas.microsoft.com/office/drawing/2010/main">
-        <mc:Choice Requires="a14">
+      <mc:AlternateContent xmlns:mc="http://schemas.openxmlformats.org/markup-compatibility/2006">
+        <mc:Choice xmlns:a14="http://schemas.microsoft.com/office/drawing/2010/main" Requires="a14">
           <p:sp>
             <p:nvSpPr>
               <p:cNvPr id="3" name="TextBox 2"/>
@@ -8550,7 +8791,7 @@
             </p:nvSpPr>
             <p:spPr>
               <a:xfrm>
-                <a:off x="316992" y="3617849"/>
+                <a:off x="316992" y="4656074"/>
                 <a:ext cx="11558016" cy="1018099"/>
               </a:xfrm>
               <a:prstGeom prst="rect">
@@ -8584,7 +8825,7 @@
                         <a:rPr lang="en-US" sz="3200" b="0" i="0" smtClean="0">
                           <a:latin typeface="Cambria Math" panose="02040503050406030204" pitchFamily="18" charset="0"/>
                         </a:rPr>
-                        <m:t>JIF</m:t>
+                        <m:t>IF</m:t>
                       </m:r>
                       <m:r>
                         <a:rPr lang="en-US" sz="3200" b="0" i="1" smtClean="0">
@@ -8805,7 +9046,7 @@
             </p:txBody>
           </p:sp>
         </mc:Choice>
-        <mc:Fallback xmlns="">
+        <mc:Fallback>
           <p:sp>
             <p:nvSpPr>
               <p:cNvPr id="3" name="TextBox 2"/>
@@ -8816,7 +9057,7 @@
             </p:nvSpPr>
             <p:spPr>
               <a:xfrm>
-                <a:off x="316992" y="3617849"/>
+                <a:off x="316992" y="4656074"/>
                 <a:ext cx="11558016" cy="1018099"/>
               </a:xfrm>
               <a:prstGeom prst="rect">
@@ -9042,11 +9283,26 @@
           <a:p>
             <a:r>
               <a:rPr lang="en-US" dirty="0"/>
-              <a:t>Journal-level = Impact factor (JIF)</a:t>
+              <a:t>Journal-level</a:t>
             </a:r>
           </a:p>
           <a:p>
             <a:pPr lvl="1"/>
+            <a:r>
+              <a:rPr lang="en-US" dirty="0"/>
+              <a:t>Impact </a:t>
+            </a:r>
+            <a:r>
+              <a:rPr lang="en-US"/>
+              <a:t>factor (IF</a:t>
+            </a:r>
+            <a:r>
+              <a:rPr lang="en-US" dirty="0"/>
+              <a:t>)</a:t>
+            </a:r>
+          </a:p>
+          <a:p>
+            <a:pPr lvl="2"/>
             <a:r>
               <a:rPr lang="en-US" dirty="0"/>
               <a:t>Journal Citation Reports (JCR)</a:t>
@@ -9130,40 +9386,39 @@
           <a:p>
             <a:r>
               <a:rPr lang="en-US" dirty="0"/>
-              <a:t>Article-level = </a:t>
-            </a:r>
-            <a:r>
-              <a:rPr lang="en-US" dirty="0" err="1"/>
-              <a:t>Altmetrics</a:t>
-            </a:r>
-            <a:r>
-              <a:rPr lang="en-US" dirty="0"/>
-              <a:t> </a:t>
+              <a:t>Article-level</a:t>
             </a:r>
           </a:p>
           <a:p>
             <a:pPr lvl="1"/>
             <a:r>
               <a:rPr lang="en-US" dirty="0"/>
+              <a:t>Altmetrics </a:t>
+            </a:r>
+          </a:p>
+          <a:p>
+            <a:pPr lvl="2"/>
+            <a:r>
+              <a:rPr lang="en-US" dirty="0"/>
               <a:t>Supplement other metrics</a:t>
             </a:r>
           </a:p>
           <a:p>
-            <a:pPr lvl="2"/>
+            <a:pPr lvl="3"/>
             <a:r>
               <a:rPr lang="en-US" dirty="0"/>
               <a:t>Record of attention</a:t>
             </a:r>
           </a:p>
           <a:p>
-            <a:pPr lvl="2"/>
+            <a:pPr lvl="3"/>
             <a:r>
               <a:rPr lang="en-US" dirty="0"/>
               <a:t>Measure of dissemination</a:t>
             </a:r>
           </a:p>
           <a:p>
-            <a:pPr lvl="2"/>
+            <a:pPr lvl="3"/>
             <a:r>
               <a:rPr lang="en-US" dirty="0"/>
               <a:t>Indicator of influence and impact</a:t>
@@ -9325,30 +9580,25 @@
           <a:p>
             <a:r>
               <a:rPr lang="en-US" dirty="0"/>
-              <a:t>Article-level = </a:t>
-            </a:r>
-            <a:r>
-              <a:rPr lang="en-US" dirty="0" err="1"/>
-              <a:t>Altmetrics</a:t>
-            </a:r>
-            <a:r>
-              <a:rPr lang="en-US" dirty="0"/>
-              <a:t> </a:t>
+              <a:t>Article-level</a:t>
             </a:r>
           </a:p>
           <a:p>
             <a:pPr lvl="1"/>
             <a:r>
-              <a:rPr lang="en-US" dirty="0" err="1"/>
-              <a:t>Altmetric</a:t>
-            </a:r>
-            <a:r>
-              <a:rPr lang="en-US" dirty="0"/>
-              <a:t> It! Bookmarklet</a:t>
+              <a:rPr lang="en-US" dirty="0"/>
+              <a:t>Altmetrics </a:t>
             </a:r>
           </a:p>
           <a:p>
             <a:pPr lvl="2"/>
+            <a:r>
+              <a:rPr lang="en-US" dirty="0"/>
+              <a:t>Altmetric It! Bookmarklet</a:t>
+            </a:r>
+          </a:p>
+          <a:p>
+            <a:pPr lvl="3"/>
             <a:r>
               <a:rPr lang="en-US" dirty="0"/>
               <a:t>Products – Free tools</a:t>
@@ -9391,35 +9641,7 @@
                 <a:uLnTx/>
                 <a:uFillTx/>
               </a:rPr>
-              <a:t>Altmetric. (</a:t>
-            </a:r>
-            <a:r>
-              <a:rPr kumimoji="0" lang="en-US" sz="1400" b="0" i="0" u="none" strike="noStrike" kern="0" cap="none" spc="0" normalizeH="0" baseline="0" noProof="0" dirty="0" err="1">
-                <a:ln>
-                  <a:noFill/>
-                </a:ln>
-                <a:solidFill>
-                  <a:prstClr val="black"/>
-                </a:solidFill>
-                <a:effectLst/>
-                <a:uLnTx/>
-                <a:uFillTx/>
-              </a:rPr>
-              <a:t>n.d</a:t>
-            </a:r>
-            <a:r>
-              <a:rPr kumimoji="0" lang="en-US" sz="1400" b="0" i="0" u="none" strike="noStrike" kern="0" cap="none" spc="0" normalizeH="0" baseline="0" noProof="0" dirty="0">
-                <a:ln>
-                  <a:noFill/>
-                </a:ln>
-                <a:solidFill>
-                  <a:prstClr val="black"/>
-                </a:solidFill>
-                <a:effectLst/>
-                <a:uLnTx/>
-                <a:uFillTx/>
-              </a:rPr>
-              <a:t>). </a:t>
+              <a:t>Altmetric. (n.d). </a:t>
             </a:r>
             <a:r>
               <a:rPr kumimoji="0" lang="en-US" sz="1400" b="0" i="1" u="none" strike="noStrike" kern="0" cap="none" spc="0" normalizeH="0" baseline="0" noProof="0" dirty="0">
@@ -9549,8 +9771,11 @@
           <a:p>
             <a:r>
               <a:rPr lang="en-US" dirty="0"/>
-              <a:t>Author-level = </a:t>
-            </a:r>
+              <a:t>Author-level</a:t>
+            </a:r>
+          </a:p>
+          <a:p>
+            <a:pPr lvl="1"/>
             <a:r>
               <a:rPr lang="en-US" i="1" dirty="0"/>
               <a:t>h</a:t>
@@ -9561,7 +9786,7 @@
             </a:r>
           </a:p>
           <a:p>
-            <a:pPr lvl="1"/>
+            <a:pPr lvl="2"/>
             <a:r>
               <a:rPr lang="en-US" dirty="0"/>
               <a:t>“…attempts to measure both the productivity and citation impact of the publications of a scientist or scholar.”</a:t>
@@ -9763,7 +9988,7 @@
           <a:p>
             <a:r>
               <a:rPr lang="en-US" dirty="0"/>
-              <a:t>Pre-session video and journal submission guidelines </a:t>
+              <a:t>Journal submission guidelines </a:t>
             </a:r>
           </a:p>
         </p:txBody>
@@ -9785,7 +10010,7 @@
           <a:p>
             <a:r>
               <a:rPr lang="en-US" dirty="0"/>
-              <a:t>What stood out to you about the video and journal submission guidelines?</a:t>
+              <a:t>What stood out to you about the journal submission guidelines?</a:t>
             </a:r>
           </a:p>
         </p:txBody>
@@ -9861,8 +10086,11 @@
           <a:p>
             <a:r>
               <a:rPr lang="en-US" dirty="0"/>
-              <a:t>Author-level = </a:t>
-            </a:r>
+              <a:t>Author-level</a:t>
+            </a:r>
+          </a:p>
+          <a:p>
+            <a:pPr lvl="1"/>
             <a:r>
               <a:rPr lang="en-US" i="1" dirty="0"/>
               <a:t>h</a:t>
@@ -9873,14 +10101,14 @@
             </a:r>
           </a:p>
           <a:p>
-            <a:pPr lvl="1"/>
+            <a:pPr lvl="2"/>
             <a:r>
               <a:rPr lang="en-US" dirty="0"/>
               <a:t>Calculated by listing articles in descending order by “times cited”</a:t>
             </a:r>
           </a:p>
           <a:p>
-            <a:pPr lvl="1"/>
+            <a:pPr lvl="2"/>
             <a:r>
               <a:rPr lang="en-US" dirty="0"/>
               <a:t>The value of </a:t>
@@ -10123,8 +10351,11 @@
           <a:p>
             <a:r>
               <a:rPr lang="en-US" dirty="0"/>
-              <a:t>Author-level = </a:t>
-            </a:r>
+              <a:t>Author-level</a:t>
+            </a:r>
+          </a:p>
+          <a:p>
+            <a:pPr lvl="1"/>
             <a:r>
               <a:rPr lang="en-US" i="1" dirty="0"/>
               <a:t>h</a:t>
@@ -10145,13 +10376,13 @@
           <p:nvPr>
             <p:extLst>
               <p:ext uri="{D42A27DB-BD31-4B8C-83A1-F6EECF244321}">
-                <p14:modId xmlns:p14="http://schemas.microsoft.com/office/powerpoint/2010/main" val="490642128"/>
+                <p14:modId xmlns:p14="http://schemas.microsoft.com/office/powerpoint/2010/main" val="4217637135"/>
               </p:ext>
             </p:extLst>
           </p:nvPr>
         </p:nvGraphicFramePr>
         <p:xfrm>
-          <a:off x="1765300" y="2105946"/>
+          <a:off x="1765300" y="2515521"/>
           <a:ext cx="4775200" cy="4053840"/>
         </p:xfrm>
         <a:graphic>
@@ -10421,7 +10652,7 @@
         </p:nvSpPr>
         <p:spPr>
           <a:xfrm rot="19182645">
-            <a:off x="6479640" y="4312580"/>
+            <a:off x="6479640" y="4722155"/>
             <a:ext cx="2203074" cy="288283"/>
           </a:xfrm>
           <a:prstGeom prst="rightArrow">
@@ -10461,7 +10692,7 @@
         </p:nvSpPr>
         <p:spPr>
           <a:xfrm>
-            <a:off x="8191500" y="1940072"/>
+            <a:off x="8191500" y="2349647"/>
             <a:ext cx="3753572" cy="3754874"/>
           </a:xfrm>
           <a:prstGeom prst="rect">
@@ -10508,7 +10739,7 @@
         </p:nvSpPr>
         <p:spPr>
           <a:xfrm>
-            <a:off x="1765300" y="4989559"/>
+            <a:off x="1765300" y="5399134"/>
             <a:ext cx="4775200" cy="601155"/>
           </a:xfrm>
           <a:prstGeom prst="rect">
@@ -10617,8 +10848,11 @@
           <a:p>
             <a:r>
               <a:rPr lang="en-US" dirty="0"/>
-              <a:t>Author-level = </a:t>
-            </a:r>
+              <a:t>Author-level</a:t>
+            </a:r>
+          </a:p>
+          <a:p>
+            <a:pPr lvl="1"/>
             <a:r>
               <a:rPr lang="en-US" i="1" dirty="0"/>
               <a:t>h</a:t>
@@ -10629,21 +10863,21 @@
             </a:r>
           </a:p>
           <a:p>
-            <a:pPr lvl="1"/>
+            <a:pPr lvl="2"/>
             <a:r>
               <a:rPr lang="en-US" dirty="0"/>
               <a:t>Google Scholar</a:t>
             </a:r>
           </a:p>
           <a:p>
-            <a:pPr lvl="1"/>
+            <a:pPr lvl="2"/>
             <a:r>
               <a:rPr lang="en-US" dirty="0"/>
               <a:t>Scopus</a:t>
             </a:r>
           </a:p>
           <a:p>
-            <a:pPr lvl="1"/>
+            <a:pPr lvl="2"/>
             <a:r>
               <a:rPr lang="en-US" dirty="0"/>
               <a:t>Web of Science</a:t>
@@ -10816,7 +11050,7 @@
             <a:pPr lvl="1"/>
             <a:r>
               <a:rPr lang="en-US" dirty="0"/>
-              <a:t>The reviewers know who the author is but the author doesn’t know who the reviewers are</a:t>
+              <a:t>The reviewers know who the author is, but the author doesn’t know who the reviewers are</a:t>
             </a:r>
           </a:p>
         </p:txBody>
@@ -10992,7 +11226,7 @@
             <a:pPr lvl="2"/>
             <a:r>
               <a:rPr lang="en-US" dirty="0"/>
-              <a:t>The author’s and reviewers’ names are shared with each other</a:t>
+              <a:t>The author and reviewers know each other’s names</a:t>
             </a:r>
           </a:p>
           <a:p>
@@ -11149,7 +11383,7 @@
           <a:p>
             <a:r>
               <a:rPr lang="en-US" dirty="0"/>
-              <a:t>Publishing models</a:t>
+              <a:t>Journal publishing models</a:t>
             </a:r>
           </a:p>
         </p:txBody>
@@ -11730,6 +11964,15 @@
 </file>
 
 <file path=customXml/item2.xml><?xml version="1.0" encoding="utf-8"?>
+<?mso-contentType ?>
+<FormTemplates xmlns="http://schemas.microsoft.com/sharepoint/v3/contenttype/forms">
+  <Display>DocumentLibraryForm</Display>
+  <Edit>DocumentLibraryForm</Edit>
+  <New>DocumentLibraryForm</New>
+</FormTemplates>
+</file>
+
+<file path=customXml/item3.xml><?xml version="1.0" encoding="utf-8"?>
 <ct:contentTypeSchema xmlns:ct="http://schemas.microsoft.com/office/2006/metadata/contentType" xmlns:ma="http://schemas.microsoft.com/office/2006/metadata/properties/metaAttributes" ct:_="" ma:_="" ma:contentTypeName="Document" ma:contentTypeID="0x010100B0C66D0D2AA8ED458867DFFBC84CDC81" ma:contentTypeVersion="12" ma:contentTypeDescription="Create a new document." ma:contentTypeScope="" ma:versionID="2edda66bea43fd3ee2cdae44f7ddc19d">
   <xsd:schema xmlns:xsd="http://www.w3.org/2001/XMLSchema" xmlns:xs="http://www.w3.org/2001/XMLSchema" xmlns:p="http://schemas.microsoft.com/office/2006/metadata/properties" xmlns:ns3="eb6fc25e-8a44-440c-a3c6-cb56c05aabb1" xmlns:ns4="115ac59a-381b-4183-bd5b-b04edbe7f2fc" targetNamespace="http://schemas.microsoft.com/office/2006/metadata/properties" ma:root="true" ma:fieldsID="5a209599921d322b183a16cd30a65124" ns3:_="" ns4:_="">
     <xsd:import namespace="eb6fc25e-8a44-440c-a3c6-cb56c05aabb1"/>
@@ -11946,33 +12189,32 @@
 </ct:contentTypeSchema>
 </file>
 
-<file path=customXml/item3.xml><?xml version="1.0" encoding="utf-8"?>
-<?mso-contentType ?>
-<FormTemplates xmlns="http://schemas.microsoft.com/sharepoint/v3/contenttype/forms">
-  <Display>DocumentLibraryForm</Display>
-  <Edit>DocumentLibraryForm</Edit>
-  <New>DocumentLibraryForm</New>
-</FormTemplates>
-</file>
-
 <file path=customXml/itemProps1.xml><?xml version="1.0" encoding="utf-8"?>
 <ds:datastoreItem xmlns:ds="http://schemas.openxmlformats.org/officeDocument/2006/customXml" ds:itemID="{0D2CA708-394D-4A00-A7C9-BA82E8F3255C}">
   <ds:schemaRefs>
+    <ds:schemaRef ds:uri="http://schemas.microsoft.com/office/infopath/2007/PartnerControls"/>
+    <ds:schemaRef ds:uri="http://www.w3.org/XML/1998/namespace"/>
     <ds:schemaRef ds:uri="http://purl.org/dc/dcmitype/"/>
+    <ds:schemaRef ds:uri="http://purl.org/dc/terms/"/>
     <ds:schemaRef ds:uri="http://schemas.microsoft.com/office/2006/documentManagement/types"/>
-    <ds:schemaRef ds:uri="http://www.w3.org/XML/1998/namespace"/>
     <ds:schemaRef ds:uri="http://purl.org/dc/elements/1.1/"/>
     <ds:schemaRef ds:uri="eb6fc25e-8a44-440c-a3c6-cb56c05aabb1"/>
+    <ds:schemaRef ds:uri="http://schemas.microsoft.com/office/2006/metadata/properties"/>
     <ds:schemaRef ds:uri="http://schemas.openxmlformats.org/package/2006/metadata/core-properties"/>
-    <ds:schemaRef ds:uri="http://schemas.microsoft.com/office/infopath/2007/PartnerControls"/>
     <ds:schemaRef ds:uri="115ac59a-381b-4183-bd5b-b04edbe7f2fc"/>
-    <ds:schemaRef ds:uri="http://schemas.microsoft.com/office/2006/metadata/properties"/>
-    <ds:schemaRef ds:uri="http://purl.org/dc/terms/"/>
   </ds:schemaRefs>
 </ds:datastoreItem>
 </file>
 
 <file path=customXml/itemProps2.xml><?xml version="1.0" encoding="utf-8"?>
+<ds:datastoreItem xmlns:ds="http://schemas.openxmlformats.org/officeDocument/2006/customXml" ds:itemID="{1B4E9660-639F-46B2-8BCF-B0443586500E}">
+  <ds:schemaRefs>
+    <ds:schemaRef ds:uri="http://schemas.microsoft.com/sharepoint/v3/contenttype/forms"/>
+  </ds:schemaRefs>
+</ds:datastoreItem>
+</file>
+
+<file path=customXml/itemProps3.xml><?xml version="1.0" encoding="utf-8"?>
 <ds:datastoreItem xmlns:ds="http://schemas.openxmlformats.org/officeDocument/2006/customXml" ds:itemID="{EE657BFB-479C-4A9F-8498-0A887E142927}">
   <ds:schemaRefs>
     <ds:schemaRef ds:uri="http://schemas.microsoft.com/office/2006/metadata/contentType"/>
@@ -11989,12 +12231,4 @@
     <ds:schemaRef ds:uri="http://schemas.microsoft.com/internal/obd"/>
   </ds:schemaRefs>
 </ds:datastoreItem>
-</file>
-
-<file path=customXml/itemProps3.xml><?xml version="1.0" encoding="utf-8"?>
-<ds:datastoreItem xmlns:ds="http://schemas.openxmlformats.org/officeDocument/2006/customXml" ds:itemID="{1B4E9660-639F-46B2-8BCF-B0443586500E}">
-  <ds:schemaRefs>
-    <ds:schemaRef ds:uri="http://schemas.microsoft.com/sharepoint/v3/contenttype/forms"/>
-  </ds:schemaRefs>
-</ds:datastoreItem>
 </file>
--- a/media/JylisaDoney_ACRL-ScholarlyCommunicationsCookbook_KeyIngredients.pptx
+++ b/media/JylisaDoney_ACRL-ScholarlyCommunicationsCookbook_KeyIngredients.pptx
@@ -149,7 +149,7 @@
 <file path=ppt/revisionInfo.xml><?xml version="1.0" encoding="utf-8"?>
 <p1510:revInfo xmlns:a="http://schemas.openxmlformats.org/drawingml/2006/main" xmlns:r="http://schemas.openxmlformats.org/officeDocument/2006/relationships" xmlns:p1510="http://schemas.microsoft.com/office/powerpoint/2015/10/main">
   <p1510:revLst>
-    <p1510:client id="{3A09B9FB-34BF-4B51-A684-70744E18D85C}" v="72" dt="2020-04-28T16:34:02.558"/>
+    <p1510:client id="{3A09B9FB-34BF-4B51-A684-70744E18D85C}" v="87" dt="2020-04-28T16:56:05.994"/>
   </p1510:revLst>
 </p1510:revInfo>
 </file>
@@ -158,13 +158,13 @@
 <pc:chgInfo xmlns:a="http://schemas.openxmlformats.org/drawingml/2006/main" xmlns:r="http://schemas.openxmlformats.org/officeDocument/2006/relationships" xmlns:ac="http://schemas.microsoft.com/office/drawing/2013/main/command" xmlns:pc="http://schemas.microsoft.com/office/powerpoint/2013/main/command">
   <pc:docChgLst>
     <pc:chgData name="Doney, Jylisa (jylisadoney@uidaho.edu)" userId="ca63ff72-312b-43e3-9de3-54afc5ff377f" providerId="ADAL" clId="{3A09B9FB-34BF-4B51-A684-70744E18D85C}"/>
-    <pc:docChg chg="undo custSel addSld delSld modSld">
-      <pc:chgData name="Doney, Jylisa (jylisadoney@uidaho.edu)" userId="ca63ff72-312b-43e3-9de3-54afc5ff377f" providerId="ADAL" clId="{3A09B9FB-34BF-4B51-A684-70744E18D85C}" dt="2020-04-28T16:34:19.725" v="2501" actId="20577"/>
+    <pc:docChg chg="undo custSel addSld delSld modSld modMainMaster">
+      <pc:chgData name="Doney, Jylisa (jylisadoney@uidaho.edu)" userId="ca63ff72-312b-43e3-9de3-54afc5ff377f" providerId="ADAL" clId="{3A09B9FB-34BF-4B51-A684-70744E18D85C}" dt="2020-04-28T16:56:11.992" v="2522" actId="1076"/>
       <pc:docMkLst>
         <pc:docMk/>
       </pc:docMkLst>
-      <pc:sldChg chg="modSp">
-        <pc:chgData name="Doney, Jylisa (jylisadoney@uidaho.edu)" userId="ca63ff72-312b-43e3-9de3-54afc5ff377f" providerId="ADAL" clId="{3A09B9FB-34BF-4B51-A684-70744E18D85C}" dt="2020-04-28T16:23:15.087" v="2237" actId="20577"/>
+      <pc:sldChg chg="delSp modSp">
+        <pc:chgData name="Doney, Jylisa (jylisadoney@uidaho.edu)" userId="ca63ff72-312b-43e3-9de3-54afc5ff377f" providerId="ADAL" clId="{3A09B9FB-34BF-4B51-A684-70744E18D85C}" dt="2020-04-28T16:55:24.660" v="2518"/>
         <pc:sldMkLst>
           <pc:docMk/>
           <pc:sldMk cId="1405023129" sldId="257"/>
@@ -177,9 +177,41 @@
             <ac:spMk id="3" creationId="{00000000-0000-0000-0000-000000000000}"/>
           </ac:spMkLst>
         </pc:spChg>
+        <pc:spChg chg="del">
+          <ac:chgData name="Doney, Jylisa (jylisadoney@uidaho.edu)" userId="ca63ff72-312b-43e3-9de3-54afc5ff377f" providerId="ADAL" clId="{3A09B9FB-34BF-4B51-A684-70744E18D85C}" dt="2020-04-28T16:53:43.816" v="2502"/>
+          <ac:spMkLst>
+            <pc:docMk/>
+            <pc:sldMk cId="1405023129" sldId="257"/>
+            <ac:spMk id="4" creationId="{13035C16-6E21-44E9-94DA-57B52411CB04}"/>
+          </ac:spMkLst>
+        </pc:spChg>
+        <pc:spChg chg="del">
+          <ac:chgData name="Doney, Jylisa (jylisadoney@uidaho.edu)" userId="ca63ff72-312b-43e3-9de3-54afc5ff377f" providerId="ADAL" clId="{3A09B9FB-34BF-4B51-A684-70744E18D85C}" dt="2020-04-28T16:54:28.965" v="2503"/>
+          <ac:spMkLst>
+            <pc:docMk/>
+            <pc:sldMk cId="1405023129" sldId="257"/>
+            <ac:spMk id="5" creationId="{A9B2B629-768D-4727-9B04-7EAD120C2F3E}"/>
+          </ac:spMkLst>
+        </pc:spChg>
+        <pc:spChg chg="del">
+          <ac:chgData name="Doney, Jylisa (jylisadoney@uidaho.edu)" userId="ca63ff72-312b-43e3-9de3-54afc5ff377f" providerId="ADAL" clId="{3A09B9FB-34BF-4B51-A684-70744E18D85C}" dt="2020-04-28T16:54:28.965" v="2503"/>
+          <ac:spMkLst>
+            <pc:docMk/>
+            <pc:sldMk cId="1405023129" sldId="257"/>
+            <ac:spMk id="6" creationId="{2A2891FC-9392-4307-9652-CC86FAB804A4}"/>
+          </ac:spMkLst>
+        </pc:spChg>
+        <pc:spChg chg="del">
+          <ac:chgData name="Doney, Jylisa (jylisadoney@uidaho.edu)" userId="ca63ff72-312b-43e3-9de3-54afc5ff377f" providerId="ADAL" clId="{3A09B9FB-34BF-4B51-A684-70744E18D85C}" dt="2020-04-28T16:55:24.660" v="2518"/>
+          <ac:spMkLst>
+            <pc:docMk/>
+            <pc:sldMk cId="1405023129" sldId="257"/>
+            <ac:spMk id="7" creationId="{0B2EE151-B907-4D51-AD22-653548BE2A2B}"/>
+          </ac:spMkLst>
+        </pc:spChg>
       </pc:sldChg>
-      <pc:sldChg chg="modSp">
-        <pc:chgData name="Doney, Jylisa (jylisadoney@uidaho.edu)" userId="ca63ff72-312b-43e3-9de3-54afc5ff377f" providerId="ADAL" clId="{3A09B9FB-34BF-4B51-A684-70744E18D85C}" dt="2020-04-28T15:40:11.729" v="1954" actId="20577"/>
+      <pc:sldChg chg="delSp modSp">
+        <pc:chgData name="Doney, Jylisa (jylisadoney@uidaho.edu)" userId="ca63ff72-312b-43e3-9de3-54afc5ff377f" providerId="ADAL" clId="{3A09B9FB-34BF-4B51-A684-70744E18D85C}" dt="2020-04-28T16:55:24.660" v="2518"/>
         <pc:sldMkLst>
           <pc:docMk/>
           <pc:sldMk cId="4098454058" sldId="258"/>
@@ -200,9 +232,41 @@
             <ac:spMk id="3" creationId="{00000000-0000-0000-0000-000000000000}"/>
           </ac:spMkLst>
         </pc:spChg>
+        <pc:spChg chg="del">
+          <ac:chgData name="Doney, Jylisa (jylisadoney@uidaho.edu)" userId="ca63ff72-312b-43e3-9de3-54afc5ff377f" providerId="ADAL" clId="{3A09B9FB-34BF-4B51-A684-70744E18D85C}" dt="2020-04-28T16:53:43.816" v="2502"/>
+          <ac:spMkLst>
+            <pc:docMk/>
+            <pc:sldMk cId="4098454058" sldId="258"/>
+            <ac:spMk id="4" creationId="{F2081D88-5C3A-4C87-9BA8-9621AFDF8D1B}"/>
+          </ac:spMkLst>
+        </pc:spChg>
+        <pc:spChg chg="del">
+          <ac:chgData name="Doney, Jylisa (jylisadoney@uidaho.edu)" userId="ca63ff72-312b-43e3-9de3-54afc5ff377f" providerId="ADAL" clId="{3A09B9FB-34BF-4B51-A684-70744E18D85C}" dt="2020-04-28T16:54:28.965" v="2503"/>
+          <ac:spMkLst>
+            <pc:docMk/>
+            <pc:sldMk cId="4098454058" sldId="258"/>
+            <ac:spMk id="5" creationId="{94F44D7B-FB7E-4EEA-97C6-49A24484143B}"/>
+          </ac:spMkLst>
+        </pc:spChg>
+        <pc:spChg chg="del">
+          <ac:chgData name="Doney, Jylisa (jylisadoney@uidaho.edu)" userId="ca63ff72-312b-43e3-9de3-54afc5ff377f" providerId="ADAL" clId="{3A09B9FB-34BF-4B51-A684-70744E18D85C}" dt="2020-04-28T16:54:28.965" v="2503"/>
+          <ac:spMkLst>
+            <pc:docMk/>
+            <pc:sldMk cId="4098454058" sldId="258"/>
+            <ac:spMk id="6" creationId="{C476BA08-D439-4863-9170-FA153BD498EA}"/>
+          </ac:spMkLst>
+        </pc:spChg>
+        <pc:spChg chg="del">
+          <ac:chgData name="Doney, Jylisa (jylisadoney@uidaho.edu)" userId="ca63ff72-312b-43e3-9de3-54afc5ff377f" providerId="ADAL" clId="{3A09B9FB-34BF-4B51-A684-70744E18D85C}" dt="2020-04-28T16:55:24.660" v="2518"/>
+          <ac:spMkLst>
+            <pc:docMk/>
+            <pc:sldMk cId="4098454058" sldId="258"/>
+            <ac:spMk id="7" creationId="{737BB2DB-7354-4D1F-9FB5-FB3FAC7563A8}"/>
+          </ac:spMkLst>
+        </pc:spChg>
       </pc:sldChg>
-      <pc:sldChg chg="modSp">
-        <pc:chgData name="Doney, Jylisa (jylisadoney@uidaho.edu)" userId="ca63ff72-312b-43e3-9de3-54afc5ff377f" providerId="ADAL" clId="{3A09B9FB-34BF-4B51-A684-70744E18D85C}" dt="2020-04-27T21:05:24.719" v="1317" actId="20577"/>
+      <pc:sldChg chg="delSp modSp">
+        <pc:chgData name="Doney, Jylisa (jylisadoney@uidaho.edu)" userId="ca63ff72-312b-43e3-9de3-54afc5ff377f" providerId="ADAL" clId="{3A09B9FB-34BF-4B51-A684-70744E18D85C}" dt="2020-04-28T16:55:24.660" v="2518"/>
         <pc:sldMkLst>
           <pc:docMk/>
           <pc:sldMk cId="1486622088" sldId="260"/>
@@ -215,9 +279,41 @@
             <ac:spMk id="3" creationId="{00000000-0000-0000-0000-000000000000}"/>
           </ac:spMkLst>
         </pc:spChg>
+        <pc:spChg chg="del">
+          <ac:chgData name="Doney, Jylisa (jylisadoney@uidaho.edu)" userId="ca63ff72-312b-43e3-9de3-54afc5ff377f" providerId="ADAL" clId="{3A09B9FB-34BF-4B51-A684-70744E18D85C}" dt="2020-04-28T16:53:43.816" v="2502"/>
+          <ac:spMkLst>
+            <pc:docMk/>
+            <pc:sldMk cId="1486622088" sldId="260"/>
+            <ac:spMk id="4" creationId="{992FD1EC-3909-4A25-B142-F74FBF8BFA9C}"/>
+          </ac:spMkLst>
+        </pc:spChg>
+        <pc:spChg chg="del">
+          <ac:chgData name="Doney, Jylisa (jylisadoney@uidaho.edu)" userId="ca63ff72-312b-43e3-9de3-54afc5ff377f" providerId="ADAL" clId="{3A09B9FB-34BF-4B51-A684-70744E18D85C}" dt="2020-04-28T16:54:28.965" v="2503"/>
+          <ac:spMkLst>
+            <pc:docMk/>
+            <pc:sldMk cId="1486622088" sldId="260"/>
+            <ac:spMk id="5" creationId="{D07F8E84-4A4D-4754-BD90-2EBD978BD6CC}"/>
+          </ac:spMkLst>
+        </pc:spChg>
+        <pc:spChg chg="del">
+          <ac:chgData name="Doney, Jylisa (jylisadoney@uidaho.edu)" userId="ca63ff72-312b-43e3-9de3-54afc5ff377f" providerId="ADAL" clId="{3A09B9FB-34BF-4B51-A684-70744E18D85C}" dt="2020-04-28T16:54:28.965" v="2503"/>
+          <ac:spMkLst>
+            <pc:docMk/>
+            <pc:sldMk cId="1486622088" sldId="260"/>
+            <ac:spMk id="6" creationId="{0285444D-3421-4386-87B6-F8332AC1C91B}"/>
+          </ac:spMkLst>
+        </pc:spChg>
+        <pc:spChg chg="del">
+          <ac:chgData name="Doney, Jylisa (jylisadoney@uidaho.edu)" userId="ca63ff72-312b-43e3-9de3-54afc5ff377f" providerId="ADAL" clId="{3A09B9FB-34BF-4B51-A684-70744E18D85C}" dt="2020-04-28T16:55:24.660" v="2518"/>
+          <ac:spMkLst>
+            <pc:docMk/>
+            <pc:sldMk cId="1486622088" sldId="260"/>
+            <ac:spMk id="7" creationId="{47A40DAE-8664-4B2F-B23F-897806E1F065}"/>
+          </ac:spMkLst>
+        </pc:spChg>
       </pc:sldChg>
-      <pc:sldChg chg="modSp">
-        <pc:chgData name="Doney, Jylisa (jylisadoney@uidaho.edu)" userId="ca63ff72-312b-43e3-9de3-54afc5ff377f" providerId="ADAL" clId="{3A09B9FB-34BF-4B51-A684-70744E18D85C}" dt="2020-04-27T15:28:03.681" v="33" actId="20577"/>
+      <pc:sldChg chg="delSp modSp">
+        <pc:chgData name="Doney, Jylisa (jylisadoney@uidaho.edu)" userId="ca63ff72-312b-43e3-9de3-54afc5ff377f" providerId="ADAL" clId="{3A09B9FB-34BF-4B51-A684-70744E18D85C}" dt="2020-04-28T16:55:24.660" v="2518"/>
         <pc:sldMkLst>
           <pc:docMk/>
           <pc:sldMk cId="4233468645" sldId="261"/>
@@ -230,9 +326,41 @@
             <ac:spMk id="3" creationId="{00000000-0000-0000-0000-000000000000}"/>
           </ac:spMkLst>
         </pc:spChg>
+        <pc:spChg chg="del">
+          <ac:chgData name="Doney, Jylisa (jylisadoney@uidaho.edu)" userId="ca63ff72-312b-43e3-9de3-54afc5ff377f" providerId="ADAL" clId="{3A09B9FB-34BF-4B51-A684-70744E18D85C}" dt="2020-04-28T16:53:43.816" v="2502"/>
+          <ac:spMkLst>
+            <pc:docMk/>
+            <pc:sldMk cId="4233468645" sldId="261"/>
+            <ac:spMk id="4" creationId="{FBE05C4C-6C60-4D94-8875-04219845A21C}"/>
+          </ac:spMkLst>
+        </pc:spChg>
+        <pc:spChg chg="del">
+          <ac:chgData name="Doney, Jylisa (jylisadoney@uidaho.edu)" userId="ca63ff72-312b-43e3-9de3-54afc5ff377f" providerId="ADAL" clId="{3A09B9FB-34BF-4B51-A684-70744E18D85C}" dt="2020-04-28T16:54:28.965" v="2503"/>
+          <ac:spMkLst>
+            <pc:docMk/>
+            <pc:sldMk cId="4233468645" sldId="261"/>
+            <ac:spMk id="5" creationId="{20D0CB61-ADA3-45D1-8176-69BC96D8D11E}"/>
+          </ac:spMkLst>
+        </pc:spChg>
+        <pc:spChg chg="del">
+          <ac:chgData name="Doney, Jylisa (jylisadoney@uidaho.edu)" userId="ca63ff72-312b-43e3-9de3-54afc5ff377f" providerId="ADAL" clId="{3A09B9FB-34BF-4B51-A684-70744E18D85C}" dt="2020-04-28T16:54:28.965" v="2503"/>
+          <ac:spMkLst>
+            <pc:docMk/>
+            <pc:sldMk cId="4233468645" sldId="261"/>
+            <ac:spMk id="6" creationId="{10EA6B92-80E6-44CB-AFBE-E3C566C5BAAC}"/>
+          </ac:spMkLst>
+        </pc:spChg>
+        <pc:spChg chg="del">
+          <ac:chgData name="Doney, Jylisa (jylisadoney@uidaho.edu)" userId="ca63ff72-312b-43e3-9de3-54afc5ff377f" providerId="ADAL" clId="{3A09B9FB-34BF-4B51-A684-70744E18D85C}" dt="2020-04-28T16:55:24.660" v="2518"/>
+          <ac:spMkLst>
+            <pc:docMk/>
+            <pc:sldMk cId="4233468645" sldId="261"/>
+            <ac:spMk id="7" creationId="{6D2D92D3-2588-4FF3-A390-B165A73F24E5}"/>
+          </ac:spMkLst>
+        </pc:spChg>
       </pc:sldChg>
-      <pc:sldChg chg="modSp">
-        <pc:chgData name="Doney, Jylisa (jylisadoney@uidaho.edu)" userId="ca63ff72-312b-43e3-9de3-54afc5ff377f" providerId="ADAL" clId="{3A09B9FB-34BF-4B51-A684-70744E18D85C}" dt="2020-04-28T16:23:24.995" v="2247" actId="20577"/>
+      <pc:sldChg chg="delSp modSp">
+        <pc:chgData name="Doney, Jylisa (jylisadoney@uidaho.edu)" userId="ca63ff72-312b-43e3-9de3-54afc5ff377f" providerId="ADAL" clId="{3A09B9FB-34BF-4B51-A684-70744E18D85C}" dt="2020-04-28T16:55:24.660" v="2518"/>
         <pc:sldMkLst>
           <pc:docMk/>
           <pc:sldMk cId="4073726940" sldId="262"/>
@@ -253,9 +381,41 @@
             <ac:spMk id="3" creationId="{00000000-0000-0000-0000-000000000000}"/>
           </ac:spMkLst>
         </pc:spChg>
+        <pc:spChg chg="del">
+          <ac:chgData name="Doney, Jylisa (jylisadoney@uidaho.edu)" userId="ca63ff72-312b-43e3-9de3-54afc5ff377f" providerId="ADAL" clId="{3A09B9FB-34BF-4B51-A684-70744E18D85C}" dt="2020-04-28T16:53:43.816" v="2502"/>
+          <ac:spMkLst>
+            <pc:docMk/>
+            <pc:sldMk cId="4073726940" sldId="262"/>
+            <ac:spMk id="6" creationId="{467C140B-E49C-4A37-92AC-60BDEB13C622}"/>
+          </ac:spMkLst>
+        </pc:spChg>
+        <pc:spChg chg="del">
+          <ac:chgData name="Doney, Jylisa (jylisadoney@uidaho.edu)" userId="ca63ff72-312b-43e3-9de3-54afc5ff377f" providerId="ADAL" clId="{3A09B9FB-34BF-4B51-A684-70744E18D85C}" dt="2020-04-28T16:54:28.965" v="2503"/>
+          <ac:spMkLst>
+            <pc:docMk/>
+            <pc:sldMk cId="4073726940" sldId="262"/>
+            <ac:spMk id="7" creationId="{E348AF1B-154F-4C9E-BEAB-63F095A12B60}"/>
+          </ac:spMkLst>
+        </pc:spChg>
+        <pc:spChg chg="del">
+          <ac:chgData name="Doney, Jylisa (jylisadoney@uidaho.edu)" userId="ca63ff72-312b-43e3-9de3-54afc5ff377f" providerId="ADAL" clId="{3A09B9FB-34BF-4B51-A684-70744E18D85C}" dt="2020-04-28T16:54:28.965" v="2503"/>
+          <ac:spMkLst>
+            <pc:docMk/>
+            <pc:sldMk cId="4073726940" sldId="262"/>
+            <ac:spMk id="8" creationId="{986D2BDD-7A94-4401-85A7-DDBD3AFBF599}"/>
+          </ac:spMkLst>
+        </pc:spChg>
+        <pc:spChg chg="del">
+          <ac:chgData name="Doney, Jylisa (jylisadoney@uidaho.edu)" userId="ca63ff72-312b-43e3-9de3-54afc5ff377f" providerId="ADAL" clId="{3A09B9FB-34BF-4B51-A684-70744E18D85C}" dt="2020-04-28T16:55:24.660" v="2518"/>
+          <ac:spMkLst>
+            <pc:docMk/>
+            <pc:sldMk cId="4073726940" sldId="262"/>
+            <ac:spMk id="9" creationId="{0BCD3CE1-758A-4919-B71D-5A83D13E1B4C}"/>
+          </ac:spMkLst>
+        </pc:spChg>
       </pc:sldChg>
-      <pc:sldChg chg="modSp">
-        <pc:chgData name="Doney, Jylisa (jylisadoney@uidaho.edu)" userId="ca63ff72-312b-43e3-9de3-54afc5ff377f" providerId="ADAL" clId="{3A09B9FB-34BF-4B51-A684-70744E18D85C}" dt="2020-04-28T16:32:16.864" v="2494" actId="20577"/>
+      <pc:sldChg chg="delSp modSp">
+        <pc:chgData name="Doney, Jylisa (jylisadoney@uidaho.edu)" userId="ca63ff72-312b-43e3-9de3-54afc5ff377f" providerId="ADAL" clId="{3A09B9FB-34BF-4B51-A684-70744E18D85C}" dt="2020-04-28T16:55:24.660" v="2518"/>
         <pc:sldMkLst>
           <pc:docMk/>
           <pc:sldMk cId="3626287627" sldId="264"/>
@@ -276,9 +436,41 @@
             <ac:spMk id="3" creationId="{00000000-0000-0000-0000-000000000000}"/>
           </ac:spMkLst>
         </pc:spChg>
+        <pc:spChg chg="del">
+          <ac:chgData name="Doney, Jylisa (jylisadoney@uidaho.edu)" userId="ca63ff72-312b-43e3-9de3-54afc5ff377f" providerId="ADAL" clId="{3A09B9FB-34BF-4B51-A684-70744E18D85C}" dt="2020-04-28T16:53:43.816" v="2502"/>
+          <ac:spMkLst>
+            <pc:docMk/>
+            <pc:sldMk cId="3626287627" sldId="264"/>
+            <ac:spMk id="4" creationId="{B2C3C228-E92E-4C37-9567-494F1C42561E}"/>
+          </ac:spMkLst>
+        </pc:spChg>
+        <pc:spChg chg="del">
+          <ac:chgData name="Doney, Jylisa (jylisadoney@uidaho.edu)" userId="ca63ff72-312b-43e3-9de3-54afc5ff377f" providerId="ADAL" clId="{3A09B9FB-34BF-4B51-A684-70744E18D85C}" dt="2020-04-28T16:54:28.965" v="2503"/>
+          <ac:spMkLst>
+            <pc:docMk/>
+            <pc:sldMk cId="3626287627" sldId="264"/>
+            <ac:spMk id="6" creationId="{60915370-F432-438B-A522-1C6FACE1DB3C}"/>
+          </ac:spMkLst>
+        </pc:spChg>
+        <pc:spChg chg="del">
+          <ac:chgData name="Doney, Jylisa (jylisadoney@uidaho.edu)" userId="ca63ff72-312b-43e3-9de3-54afc5ff377f" providerId="ADAL" clId="{3A09B9FB-34BF-4B51-A684-70744E18D85C}" dt="2020-04-28T16:54:28.965" v="2503"/>
+          <ac:spMkLst>
+            <pc:docMk/>
+            <pc:sldMk cId="3626287627" sldId="264"/>
+            <ac:spMk id="8" creationId="{0CF425EF-7785-4CF5-B5B3-072A98AB3F9B}"/>
+          </ac:spMkLst>
+        </pc:spChg>
+        <pc:spChg chg="del">
+          <ac:chgData name="Doney, Jylisa (jylisadoney@uidaho.edu)" userId="ca63ff72-312b-43e3-9de3-54afc5ff377f" providerId="ADAL" clId="{3A09B9FB-34BF-4B51-A684-70744E18D85C}" dt="2020-04-28T16:55:24.660" v="2518"/>
+          <ac:spMkLst>
+            <pc:docMk/>
+            <pc:sldMk cId="3626287627" sldId="264"/>
+            <ac:spMk id="9" creationId="{E8922454-AF17-44BA-B08D-B14721867E60}"/>
+          </ac:spMkLst>
+        </pc:spChg>
       </pc:sldChg>
       <pc:sldChg chg="addSp delSp modSp">
-        <pc:chgData name="Doney, Jylisa (jylisadoney@uidaho.edu)" userId="ca63ff72-312b-43e3-9de3-54afc5ff377f" providerId="ADAL" clId="{3A09B9FB-34BF-4B51-A684-70744E18D85C}" dt="2020-04-27T16:20:04.379" v="647" actId="20577"/>
+        <pc:chgData name="Doney, Jylisa (jylisadoney@uidaho.edu)" userId="ca63ff72-312b-43e3-9de3-54afc5ff377f" providerId="ADAL" clId="{3A09B9FB-34BF-4B51-A684-70744E18D85C}" dt="2020-04-28T16:55:24.660" v="2518"/>
         <pc:sldMkLst>
           <pc:docMk/>
           <pc:sldMk cId="3515282370" sldId="265"/>
@@ -299,6 +491,14 @@
             <ac:spMk id="4" creationId="{97234A4D-514A-4862-AF10-F3447DFE1EC6}"/>
           </ac:spMkLst>
         </pc:spChg>
+        <pc:spChg chg="del">
+          <ac:chgData name="Doney, Jylisa (jylisadoney@uidaho.edu)" userId="ca63ff72-312b-43e3-9de3-54afc5ff377f" providerId="ADAL" clId="{3A09B9FB-34BF-4B51-A684-70744E18D85C}" dt="2020-04-28T16:53:43.816" v="2502"/>
+          <ac:spMkLst>
+            <pc:docMk/>
+            <pc:sldMk cId="3515282370" sldId="265"/>
+            <ac:spMk id="4" creationId="{D129155D-AB27-4462-B8C8-FD3BBB574817}"/>
+          </ac:spMkLst>
+        </pc:spChg>
         <pc:spChg chg="add del mod">
           <ac:chgData name="Doney, Jylisa (jylisadoney@uidaho.edu)" userId="ca63ff72-312b-43e3-9de3-54afc5ff377f" providerId="ADAL" clId="{3A09B9FB-34BF-4B51-A684-70744E18D85C}" dt="2020-04-27T16:09:33.507" v="641" actId="478"/>
           <ac:spMkLst>
@@ -307,6 +507,14 @@
             <ac:spMk id="5" creationId="{16A86DF8-B6DE-4532-8133-FA25247643FF}"/>
           </ac:spMkLst>
         </pc:spChg>
+        <pc:spChg chg="del">
+          <ac:chgData name="Doney, Jylisa (jylisadoney@uidaho.edu)" userId="ca63ff72-312b-43e3-9de3-54afc5ff377f" providerId="ADAL" clId="{3A09B9FB-34BF-4B51-A684-70744E18D85C}" dt="2020-04-28T16:54:28.965" v="2503"/>
+          <ac:spMkLst>
+            <pc:docMk/>
+            <pc:sldMk cId="3515282370" sldId="265"/>
+            <ac:spMk id="5" creationId="{F10469E9-D7D8-4FFB-8487-E6E6410D1C7F}"/>
+          </ac:spMkLst>
+        </pc:spChg>
         <pc:spChg chg="add mod">
           <ac:chgData name="Doney, Jylisa (jylisadoney@uidaho.edu)" userId="ca63ff72-312b-43e3-9de3-54afc5ff377f" providerId="ADAL" clId="{3A09B9FB-34BF-4B51-A684-70744E18D85C}" dt="2020-04-27T16:09:46.503" v="645" actId="20577"/>
           <ac:spMkLst>
@@ -315,9 +523,25 @@
             <ac:spMk id="6" creationId="{D5F96CF4-4948-4705-BFE9-9D55B108D382}"/>
           </ac:spMkLst>
         </pc:spChg>
+        <pc:spChg chg="del">
+          <ac:chgData name="Doney, Jylisa (jylisadoney@uidaho.edu)" userId="ca63ff72-312b-43e3-9de3-54afc5ff377f" providerId="ADAL" clId="{3A09B9FB-34BF-4B51-A684-70744E18D85C}" dt="2020-04-28T16:54:28.965" v="2503"/>
+          <ac:spMkLst>
+            <pc:docMk/>
+            <pc:sldMk cId="3515282370" sldId="265"/>
+            <ac:spMk id="7" creationId="{60FBE182-CF64-4728-84F7-20064D3137CA}"/>
+          </ac:spMkLst>
+        </pc:spChg>
+        <pc:spChg chg="del">
+          <ac:chgData name="Doney, Jylisa (jylisadoney@uidaho.edu)" userId="ca63ff72-312b-43e3-9de3-54afc5ff377f" providerId="ADAL" clId="{3A09B9FB-34BF-4B51-A684-70744E18D85C}" dt="2020-04-28T16:55:24.660" v="2518"/>
+          <ac:spMkLst>
+            <pc:docMk/>
+            <pc:sldMk cId="3515282370" sldId="265"/>
+            <ac:spMk id="8" creationId="{F3561DAD-3A27-4250-B9B8-19602E93C06C}"/>
+          </ac:spMkLst>
+        </pc:spChg>
       </pc:sldChg>
-      <pc:sldChg chg="modSp">
-        <pc:chgData name="Doney, Jylisa (jylisadoney@uidaho.edu)" userId="ca63ff72-312b-43e3-9de3-54afc5ff377f" providerId="ADAL" clId="{3A09B9FB-34BF-4B51-A684-70744E18D85C}" dt="2020-04-28T16:25:23.854" v="2309" actId="20577"/>
+      <pc:sldChg chg="delSp modSp">
+        <pc:chgData name="Doney, Jylisa (jylisadoney@uidaho.edu)" userId="ca63ff72-312b-43e3-9de3-54afc5ff377f" providerId="ADAL" clId="{3A09B9FB-34BF-4B51-A684-70744E18D85C}" dt="2020-04-28T16:55:24.660" v="2518"/>
         <pc:sldMkLst>
           <pc:docMk/>
           <pc:sldMk cId="262885218" sldId="266"/>
@@ -330,6 +554,14 @@
             <ac:spMk id="3" creationId="{00000000-0000-0000-0000-000000000000}"/>
           </ac:spMkLst>
         </pc:spChg>
+        <pc:spChg chg="del">
+          <ac:chgData name="Doney, Jylisa (jylisadoney@uidaho.edu)" userId="ca63ff72-312b-43e3-9de3-54afc5ff377f" providerId="ADAL" clId="{3A09B9FB-34BF-4B51-A684-70744E18D85C}" dt="2020-04-28T16:53:43.816" v="2502"/>
+          <ac:spMkLst>
+            <pc:docMk/>
+            <pc:sldMk cId="262885218" sldId="266"/>
+            <ac:spMk id="4" creationId="{C29C05C2-CF3B-4BE7-B4E2-3432DE9AAC6A}"/>
+          </ac:spMkLst>
+        </pc:spChg>
         <pc:spChg chg="mod">
           <ac:chgData name="Doney, Jylisa (jylisadoney@uidaho.edu)" userId="ca63ff72-312b-43e3-9de3-54afc5ff377f" providerId="ADAL" clId="{3A09B9FB-34BF-4B51-A684-70744E18D85C}" dt="2020-04-27T16:22:18.654" v="648" actId="20577"/>
           <ac:spMkLst>
@@ -338,9 +570,33 @@
             <ac:spMk id="5" creationId="{00000000-0000-0000-0000-000000000000}"/>
           </ac:spMkLst>
         </pc:spChg>
+        <pc:spChg chg="del">
+          <ac:chgData name="Doney, Jylisa (jylisadoney@uidaho.edu)" userId="ca63ff72-312b-43e3-9de3-54afc5ff377f" providerId="ADAL" clId="{3A09B9FB-34BF-4B51-A684-70744E18D85C}" dt="2020-04-28T16:54:28.965" v="2503"/>
+          <ac:spMkLst>
+            <pc:docMk/>
+            <pc:sldMk cId="262885218" sldId="266"/>
+            <ac:spMk id="6" creationId="{8A882B4E-699D-4EDC-AA0B-9EE475834837}"/>
+          </ac:spMkLst>
+        </pc:spChg>
+        <pc:spChg chg="del">
+          <ac:chgData name="Doney, Jylisa (jylisadoney@uidaho.edu)" userId="ca63ff72-312b-43e3-9de3-54afc5ff377f" providerId="ADAL" clId="{3A09B9FB-34BF-4B51-A684-70744E18D85C}" dt="2020-04-28T16:54:28.965" v="2503"/>
+          <ac:spMkLst>
+            <pc:docMk/>
+            <pc:sldMk cId="262885218" sldId="266"/>
+            <ac:spMk id="7" creationId="{67AE5430-26DE-4B12-B3B3-FA259908797D}"/>
+          </ac:spMkLst>
+        </pc:spChg>
+        <pc:spChg chg="del">
+          <ac:chgData name="Doney, Jylisa (jylisadoney@uidaho.edu)" userId="ca63ff72-312b-43e3-9de3-54afc5ff377f" providerId="ADAL" clId="{3A09B9FB-34BF-4B51-A684-70744E18D85C}" dt="2020-04-28T16:55:24.660" v="2518"/>
+          <ac:spMkLst>
+            <pc:docMk/>
+            <pc:sldMk cId="262885218" sldId="266"/>
+            <ac:spMk id="8" creationId="{DB4E40B5-E7A2-4FF4-9FB4-329D954B3A9E}"/>
+          </ac:spMkLst>
+        </pc:spChg>
       </pc:sldChg>
-      <pc:sldChg chg="modSp">
-        <pc:chgData name="Doney, Jylisa (jylisadoney@uidaho.edu)" userId="ca63ff72-312b-43e3-9de3-54afc5ff377f" providerId="ADAL" clId="{3A09B9FB-34BF-4B51-A684-70744E18D85C}" dt="2020-04-28T16:25:47.199" v="2315" actId="20577"/>
+      <pc:sldChg chg="delSp modSp">
+        <pc:chgData name="Doney, Jylisa (jylisadoney@uidaho.edu)" userId="ca63ff72-312b-43e3-9de3-54afc5ff377f" providerId="ADAL" clId="{3A09B9FB-34BF-4B51-A684-70744E18D85C}" dt="2020-04-28T16:55:24.660" v="2518"/>
         <pc:sldMkLst>
           <pc:docMk/>
           <pc:sldMk cId="2067043111" sldId="267"/>
@@ -353,9 +609,41 @@
             <ac:spMk id="3" creationId="{00000000-0000-0000-0000-000000000000}"/>
           </ac:spMkLst>
         </pc:spChg>
+        <pc:spChg chg="del">
+          <ac:chgData name="Doney, Jylisa (jylisadoney@uidaho.edu)" userId="ca63ff72-312b-43e3-9de3-54afc5ff377f" providerId="ADAL" clId="{3A09B9FB-34BF-4B51-A684-70744E18D85C}" dt="2020-04-28T16:53:43.816" v="2502"/>
+          <ac:spMkLst>
+            <pc:docMk/>
+            <pc:sldMk cId="2067043111" sldId="267"/>
+            <ac:spMk id="4" creationId="{3BAC89A6-E37D-4EFD-BA92-F72A4E4018B7}"/>
+          </ac:spMkLst>
+        </pc:spChg>
+        <pc:spChg chg="del">
+          <ac:chgData name="Doney, Jylisa (jylisadoney@uidaho.edu)" userId="ca63ff72-312b-43e3-9de3-54afc5ff377f" providerId="ADAL" clId="{3A09B9FB-34BF-4B51-A684-70744E18D85C}" dt="2020-04-28T16:54:28.965" v="2503"/>
+          <ac:spMkLst>
+            <pc:docMk/>
+            <pc:sldMk cId="2067043111" sldId="267"/>
+            <ac:spMk id="5" creationId="{E08814B6-2016-4579-B13E-3F02F8A6604C}"/>
+          </ac:spMkLst>
+        </pc:spChg>
+        <pc:spChg chg="del">
+          <ac:chgData name="Doney, Jylisa (jylisadoney@uidaho.edu)" userId="ca63ff72-312b-43e3-9de3-54afc5ff377f" providerId="ADAL" clId="{3A09B9FB-34BF-4B51-A684-70744E18D85C}" dt="2020-04-28T16:54:28.965" v="2503"/>
+          <ac:spMkLst>
+            <pc:docMk/>
+            <pc:sldMk cId="2067043111" sldId="267"/>
+            <ac:spMk id="6" creationId="{D523E2EA-A6F2-41B9-AC65-474A68081508}"/>
+          </ac:spMkLst>
+        </pc:spChg>
+        <pc:spChg chg="del">
+          <ac:chgData name="Doney, Jylisa (jylisadoney@uidaho.edu)" userId="ca63ff72-312b-43e3-9de3-54afc5ff377f" providerId="ADAL" clId="{3A09B9FB-34BF-4B51-A684-70744E18D85C}" dt="2020-04-28T16:55:24.660" v="2518"/>
+          <ac:spMkLst>
+            <pc:docMk/>
+            <pc:sldMk cId="2067043111" sldId="267"/>
+            <ac:spMk id="7" creationId="{C29F3979-BB3C-44ED-8BAB-24BF062F3BA2}"/>
+          </ac:spMkLst>
+        </pc:spChg>
       </pc:sldChg>
-      <pc:sldChg chg="modSp">
-        <pc:chgData name="Doney, Jylisa (jylisadoney@uidaho.edu)" userId="ca63ff72-312b-43e3-9de3-54afc5ff377f" providerId="ADAL" clId="{3A09B9FB-34BF-4B51-A684-70744E18D85C}" dt="2020-04-28T16:26:47.611" v="2332" actId="20577"/>
+      <pc:sldChg chg="delSp modSp">
+        <pc:chgData name="Doney, Jylisa (jylisadoney@uidaho.edu)" userId="ca63ff72-312b-43e3-9de3-54afc5ff377f" providerId="ADAL" clId="{3A09B9FB-34BF-4B51-A684-70744E18D85C}" dt="2020-04-28T16:55:24.660" v="2518"/>
         <pc:sldMkLst>
           <pc:docMk/>
           <pc:sldMk cId="2674936032" sldId="268"/>
@@ -368,9 +656,41 @@
             <ac:spMk id="3" creationId="{00000000-0000-0000-0000-000000000000}"/>
           </ac:spMkLst>
         </pc:spChg>
+        <pc:spChg chg="del">
+          <ac:chgData name="Doney, Jylisa (jylisadoney@uidaho.edu)" userId="ca63ff72-312b-43e3-9de3-54afc5ff377f" providerId="ADAL" clId="{3A09B9FB-34BF-4B51-A684-70744E18D85C}" dt="2020-04-28T16:53:43.816" v="2502"/>
+          <ac:spMkLst>
+            <pc:docMk/>
+            <pc:sldMk cId="2674936032" sldId="268"/>
+            <ac:spMk id="5" creationId="{BC820A59-6199-4FEF-8415-22AF66E9E104}"/>
+          </ac:spMkLst>
+        </pc:spChg>
+        <pc:spChg chg="del">
+          <ac:chgData name="Doney, Jylisa (jylisadoney@uidaho.edu)" userId="ca63ff72-312b-43e3-9de3-54afc5ff377f" providerId="ADAL" clId="{3A09B9FB-34BF-4B51-A684-70744E18D85C}" dt="2020-04-28T16:54:28.965" v="2503"/>
+          <ac:spMkLst>
+            <pc:docMk/>
+            <pc:sldMk cId="2674936032" sldId="268"/>
+            <ac:spMk id="7" creationId="{98C93E08-A234-419D-844D-338522C9963E}"/>
+          </ac:spMkLst>
+        </pc:spChg>
+        <pc:spChg chg="del">
+          <ac:chgData name="Doney, Jylisa (jylisadoney@uidaho.edu)" userId="ca63ff72-312b-43e3-9de3-54afc5ff377f" providerId="ADAL" clId="{3A09B9FB-34BF-4B51-A684-70744E18D85C}" dt="2020-04-28T16:54:28.965" v="2503"/>
+          <ac:spMkLst>
+            <pc:docMk/>
+            <pc:sldMk cId="2674936032" sldId="268"/>
+            <ac:spMk id="8" creationId="{E518BA12-69C2-47EE-AB2F-DC6FD0B5A7F1}"/>
+          </ac:spMkLst>
+        </pc:spChg>
+        <pc:spChg chg="del">
+          <ac:chgData name="Doney, Jylisa (jylisadoney@uidaho.edu)" userId="ca63ff72-312b-43e3-9de3-54afc5ff377f" providerId="ADAL" clId="{3A09B9FB-34BF-4B51-A684-70744E18D85C}" dt="2020-04-28T16:55:24.660" v="2518"/>
+          <ac:spMkLst>
+            <pc:docMk/>
+            <pc:sldMk cId="2674936032" sldId="268"/>
+            <ac:spMk id="9" creationId="{585F707A-3C66-409D-A640-C751803FC097}"/>
+          </ac:spMkLst>
+        </pc:spChg>
       </pc:sldChg>
-      <pc:sldChg chg="modSp">
-        <pc:chgData name="Doney, Jylisa (jylisadoney@uidaho.edu)" userId="ca63ff72-312b-43e3-9de3-54afc5ff377f" providerId="ADAL" clId="{3A09B9FB-34BF-4B51-A684-70744E18D85C}" dt="2020-04-28T00:48:09.218" v="1845" actId="20577"/>
+      <pc:sldChg chg="delSp modSp">
+        <pc:chgData name="Doney, Jylisa (jylisadoney@uidaho.edu)" userId="ca63ff72-312b-43e3-9de3-54afc5ff377f" providerId="ADAL" clId="{3A09B9FB-34BF-4B51-A684-70744E18D85C}" dt="2020-04-28T16:55:24.660" v="2518"/>
         <pc:sldMkLst>
           <pc:docMk/>
           <pc:sldMk cId="3973670987" sldId="269"/>
@@ -383,9 +703,41 @@
             <ac:spMk id="3" creationId="{00000000-0000-0000-0000-000000000000}"/>
           </ac:spMkLst>
         </pc:spChg>
+        <pc:spChg chg="del">
+          <ac:chgData name="Doney, Jylisa (jylisadoney@uidaho.edu)" userId="ca63ff72-312b-43e3-9de3-54afc5ff377f" providerId="ADAL" clId="{3A09B9FB-34BF-4B51-A684-70744E18D85C}" dt="2020-04-28T16:53:43.816" v="2502"/>
+          <ac:spMkLst>
+            <pc:docMk/>
+            <pc:sldMk cId="3973670987" sldId="269"/>
+            <ac:spMk id="4" creationId="{9CAB24B4-6CEC-49AE-A5D5-023A9994DBCA}"/>
+          </ac:spMkLst>
+        </pc:spChg>
+        <pc:spChg chg="del">
+          <ac:chgData name="Doney, Jylisa (jylisadoney@uidaho.edu)" userId="ca63ff72-312b-43e3-9de3-54afc5ff377f" providerId="ADAL" clId="{3A09B9FB-34BF-4B51-A684-70744E18D85C}" dt="2020-04-28T16:54:28.965" v="2503"/>
+          <ac:spMkLst>
+            <pc:docMk/>
+            <pc:sldMk cId="3973670987" sldId="269"/>
+            <ac:spMk id="5" creationId="{5792E418-9AC8-4BE3-A65F-A57D3345928B}"/>
+          </ac:spMkLst>
+        </pc:spChg>
+        <pc:spChg chg="del">
+          <ac:chgData name="Doney, Jylisa (jylisadoney@uidaho.edu)" userId="ca63ff72-312b-43e3-9de3-54afc5ff377f" providerId="ADAL" clId="{3A09B9FB-34BF-4B51-A684-70744E18D85C}" dt="2020-04-28T16:54:28.965" v="2503"/>
+          <ac:spMkLst>
+            <pc:docMk/>
+            <pc:sldMk cId="3973670987" sldId="269"/>
+            <ac:spMk id="6" creationId="{D91BF6D4-D54D-405D-868A-556FB7A3FBF5}"/>
+          </ac:spMkLst>
+        </pc:spChg>
+        <pc:spChg chg="del">
+          <ac:chgData name="Doney, Jylisa (jylisadoney@uidaho.edu)" userId="ca63ff72-312b-43e3-9de3-54afc5ff377f" providerId="ADAL" clId="{3A09B9FB-34BF-4B51-A684-70744E18D85C}" dt="2020-04-28T16:55:24.660" v="2518"/>
+          <ac:spMkLst>
+            <pc:docMk/>
+            <pc:sldMk cId="3973670987" sldId="269"/>
+            <ac:spMk id="7" creationId="{C6F6FEBA-37E7-47F3-A002-CF7906CC9674}"/>
+          </ac:spMkLst>
+        </pc:spChg>
       </pc:sldChg>
-      <pc:sldChg chg="modSp">
-        <pc:chgData name="Doney, Jylisa (jylisadoney@uidaho.edu)" userId="ca63ff72-312b-43e3-9de3-54afc5ff377f" providerId="ADAL" clId="{3A09B9FB-34BF-4B51-A684-70744E18D85C}" dt="2020-04-28T16:34:02.557" v="2500" actId="20577"/>
+      <pc:sldChg chg="delSp modSp">
+        <pc:chgData name="Doney, Jylisa (jylisadoney@uidaho.edu)" userId="ca63ff72-312b-43e3-9de3-54afc5ff377f" providerId="ADAL" clId="{3A09B9FB-34BF-4B51-A684-70744E18D85C}" dt="2020-04-28T16:55:24.660" v="2518"/>
         <pc:sldMkLst>
           <pc:docMk/>
           <pc:sldMk cId="2098173133" sldId="270"/>
@@ -398,6 +750,14 @@
             <ac:spMk id="3" creationId="{00000000-0000-0000-0000-000000000000}"/>
           </ac:spMkLst>
         </pc:spChg>
+        <pc:spChg chg="del">
+          <ac:chgData name="Doney, Jylisa (jylisadoney@uidaho.edu)" userId="ca63ff72-312b-43e3-9de3-54afc5ff377f" providerId="ADAL" clId="{3A09B9FB-34BF-4B51-A684-70744E18D85C}" dt="2020-04-28T16:53:43.816" v="2502"/>
+          <ac:spMkLst>
+            <pc:docMk/>
+            <pc:sldMk cId="2098173133" sldId="270"/>
+            <ac:spMk id="4" creationId="{75057952-19C6-4956-BCB8-858BE6BFC163}"/>
+          </ac:spMkLst>
+        </pc:spChg>
         <pc:spChg chg="mod">
           <ac:chgData name="Doney, Jylisa (jylisadoney@uidaho.edu)" userId="ca63ff72-312b-43e3-9de3-54afc5ff377f" providerId="ADAL" clId="{3A09B9FB-34BF-4B51-A684-70744E18D85C}" dt="2020-04-27T15:54:36.544" v="560" actId="20577"/>
           <ac:spMkLst>
@@ -406,6 +766,14 @@
             <ac:spMk id="5" creationId="{00000000-0000-0000-0000-000000000000}"/>
           </ac:spMkLst>
         </pc:spChg>
+        <pc:spChg chg="del">
+          <ac:chgData name="Doney, Jylisa (jylisadoney@uidaho.edu)" userId="ca63ff72-312b-43e3-9de3-54afc5ff377f" providerId="ADAL" clId="{3A09B9FB-34BF-4B51-A684-70744E18D85C}" dt="2020-04-28T16:54:28.965" v="2503"/>
+          <ac:spMkLst>
+            <pc:docMk/>
+            <pc:sldMk cId="2098173133" sldId="270"/>
+            <ac:spMk id="6" creationId="{A814CDE8-5683-4AB4-BC9C-38A73A246D85}"/>
+          </ac:spMkLst>
+        </pc:spChg>
         <pc:spChg chg="mod">
           <ac:chgData name="Doney, Jylisa (jylisadoney@uidaho.edu)" userId="ca63ff72-312b-43e3-9de3-54afc5ff377f" providerId="ADAL" clId="{3A09B9FB-34BF-4B51-A684-70744E18D85C}" dt="2020-04-28T16:34:00.795" v="2499" actId="20577"/>
           <ac:spMkLst>
@@ -414,9 +782,25 @@
             <ac:spMk id="7" creationId="{00000000-0000-0000-0000-000000000000}"/>
           </ac:spMkLst>
         </pc:spChg>
+        <pc:spChg chg="del">
+          <ac:chgData name="Doney, Jylisa (jylisadoney@uidaho.edu)" userId="ca63ff72-312b-43e3-9de3-54afc5ff377f" providerId="ADAL" clId="{3A09B9FB-34BF-4B51-A684-70744E18D85C}" dt="2020-04-28T16:54:28.965" v="2503"/>
+          <ac:spMkLst>
+            <pc:docMk/>
+            <pc:sldMk cId="2098173133" sldId="270"/>
+            <ac:spMk id="8" creationId="{0F73AEA1-C52D-46D2-8CC7-0D3C3E41D2F8}"/>
+          </ac:spMkLst>
+        </pc:spChg>
+        <pc:spChg chg="del">
+          <ac:chgData name="Doney, Jylisa (jylisadoney@uidaho.edu)" userId="ca63ff72-312b-43e3-9de3-54afc5ff377f" providerId="ADAL" clId="{3A09B9FB-34BF-4B51-A684-70744E18D85C}" dt="2020-04-28T16:55:24.660" v="2518"/>
+          <ac:spMkLst>
+            <pc:docMk/>
+            <pc:sldMk cId="2098173133" sldId="270"/>
+            <ac:spMk id="9" creationId="{D8EBCC9D-F039-447D-BBE1-A58ABD0C446F}"/>
+          </ac:spMkLst>
+        </pc:spChg>
       </pc:sldChg>
-      <pc:sldChg chg="addSp modSp">
-        <pc:chgData name="Doney, Jylisa (jylisadoney@uidaho.edu)" userId="ca63ff72-312b-43e3-9de3-54afc5ff377f" providerId="ADAL" clId="{3A09B9FB-34BF-4B51-A684-70744E18D85C}" dt="2020-04-28T16:28:15.119" v="2404" actId="15"/>
+      <pc:sldChg chg="addSp delSp modSp">
+        <pc:chgData name="Doney, Jylisa (jylisadoney@uidaho.edu)" userId="ca63ff72-312b-43e3-9de3-54afc5ff377f" providerId="ADAL" clId="{3A09B9FB-34BF-4B51-A684-70744E18D85C}" dt="2020-04-28T16:55:24.660" v="2518"/>
         <pc:sldMkLst>
           <pc:docMk/>
           <pc:sldMk cId="2635343642" sldId="271"/>
@@ -437,9 +821,41 @@
             <ac:spMk id="4" creationId="{E4492E13-9555-4700-9FCA-F8C7279CC32B}"/>
           </ac:spMkLst>
         </pc:spChg>
+        <pc:spChg chg="del">
+          <ac:chgData name="Doney, Jylisa (jylisadoney@uidaho.edu)" userId="ca63ff72-312b-43e3-9de3-54afc5ff377f" providerId="ADAL" clId="{3A09B9FB-34BF-4B51-A684-70744E18D85C}" dt="2020-04-28T16:53:43.816" v="2502"/>
+          <ac:spMkLst>
+            <pc:docMk/>
+            <pc:sldMk cId="2635343642" sldId="271"/>
+            <ac:spMk id="5" creationId="{9D26AA1C-4ED4-408B-802E-808AD0DAD0EE}"/>
+          </ac:spMkLst>
+        </pc:spChg>
+        <pc:spChg chg="del">
+          <ac:chgData name="Doney, Jylisa (jylisadoney@uidaho.edu)" userId="ca63ff72-312b-43e3-9de3-54afc5ff377f" providerId="ADAL" clId="{3A09B9FB-34BF-4B51-A684-70744E18D85C}" dt="2020-04-28T16:54:28.965" v="2503"/>
+          <ac:spMkLst>
+            <pc:docMk/>
+            <pc:sldMk cId="2635343642" sldId="271"/>
+            <ac:spMk id="6" creationId="{D6695BB9-9EE9-4E82-8D41-F35E509CEAEC}"/>
+          </ac:spMkLst>
+        </pc:spChg>
+        <pc:spChg chg="del">
+          <ac:chgData name="Doney, Jylisa (jylisadoney@uidaho.edu)" userId="ca63ff72-312b-43e3-9de3-54afc5ff377f" providerId="ADAL" clId="{3A09B9FB-34BF-4B51-A684-70744E18D85C}" dt="2020-04-28T16:54:28.965" v="2503"/>
+          <ac:spMkLst>
+            <pc:docMk/>
+            <pc:sldMk cId="2635343642" sldId="271"/>
+            <ac:spMk id="7" creationId="{B1595318-9043-49C7-8238-656A4A85350D}"/>
+          </ac:spMkLst>
+        </pc:spChg>
+        <pc:spChg chg="del">
+          <ac:chgData name="Doney, Jylisa (jylisadoney@uidaho.edu)" userId="ca63ff72-312b-43e3-9de3-54afc5ff377f" providerId="ADAL" clId="{3A09B9FB-34BF-4B51-A684-70744E18D85C}" dt="2020-04-28T16:55:24.660" v="2518"/>
+          <ac:spMkLst>
+            <pc:docMk/>
+            <pc:sldMk cId="2635343642" sldId="271"/>
+            <ac:spMk id="8" creationId="{1F8ECB02-AE43-46DF-AB93-D3D64F340B36}"/>
+          </ac:spMkLst>
+        </pc:spChg>
       </pc:sldChg>
-      <pc:sldChg chg="modSp">
-        <pc:chgData name="Doney, Jylisa (jylisadoney@uidaho.edu)" userId="ca63ff72-312b-43e3-9de3-54afc5ff377f" providerId="ADAL" clId="{3A09B9FB-34BF-4B51-A684-70744E18D85C}" dt="2020-04-28T16:28:32.861" v="2417" actId="15"/>
+      <pc:sldChg chg="delSp modSp">
+        <pc:chgData name="Doney, Jylisa (jylisadoney@uidaho.edu)" userId="ca63ff72-312b-43e3-9de3-54afc5ff377f" providerId="ADAL" clId="{3A09B9FB-34BF-4B51-A684-70744E18D85C}" dt="2020-04-28T16:55:24.660" v="2518"/>
         <pc:sldMkLst>
           <pc:docMk/>
           <pc:sldMk cId="4271387808" sldId="272"/>
@@ -460,13 +876,77 @@
             <ac:spMk id="4" creationId="{00000000-0000-0000-0000-000000000000}"/>
           </ac:spMkLst>
         </pc:spChg>
+        <pc:spChg chg="del">
+          <ac:chgData name="Doney, Jylisa (jylisadoney@uidaho.edu)" userId="ca63ff72-312b-43e3-9de3-54afc5ff377f" providerId="ADAL" clId="{3A09B9FB-34BF-4B51-A684-70744E18D85C}" dt="2020-04-28T16:53:43.816" v="2502"/>
+          <ac:spMkLst>
+            <pc:docMk/>
+            <pc:sldMk cId="4271387808" sldId="272"/>
+            <ac:spMk id="5" creationId="{4A6DDADE-0321-43F8-BDBF-693A01D5FE23}"/>
+          </ac:spMkLst>
+        </pc:spChg>
+        <pc:spChg chg="del">
+          <ac:chgData name="Doney, Jylisa (jylisadoney@uidaho.edu)" userId="ca63ff72-312b-43e3-9de3-54afc5ff377f" providerId="ADAL" clId="{3A09B9FB-34BF-4B51-A684-70744E18D85C}" dt="2020-04-28T16:54:28.965" v="2503"/>
+          <ac:spMkLst>
+            <pc:docMk/>
+            <pc:sldMk cId="4271387808" sldId="272"/>
+            <ac:spMk id="6" creationId="{9A490DC0-2070-4F9C-8694-B8592806AFB5}"/>
+          </ac:spMkLst>
+        </pc:spChg>
+        <pc:spChg chg="del">
+          <ac:chgData name="Doney, Jylisa (jylisadoney@uidaho.edu)" userId="ca63ff72-312b-43e3-9de3-54afc5ff377f" providerId="ADAL" clId="{3A09B9FB-34BF-4B51-A684-70744E18D85C}" dt="2020-04-28T16:54:28.965" v="2503"/>
+          <ac:spMkLst>
+            <pc:docMk/>
+            <pc:sldMk cId="4271387808" sldId="272"/>
+            <ac:spMk id="7" creationId="{D84FDC39-DDBA-4EB4-8682-051CAB83A5E5}"/>
+          </ac:spMkLst>
+        </pc:spChg>
+        <pc:spChg chg="del">
+          <ac:chgData name="Doney, Jylisa (jylisadoney@uidaho.edu)" userId="ca63ff72-312b-43e3-9de3-54afc5ff377f" providerId="ADAL" clId="{3A09B9FB-34BF-4B51-A684-70744E18D85C}" dt="2020-04-28T16:55:24.660" v="2518"/>
+          <ac:spMkLst>
+            <pc:docMk/>
+            <pc:sldMk cId="4271387808" sldId="272"/>
+            <ac:spMk id="8" creationId="{5B29BC45-E252-4A66-B4A8-EC8B0118F63A}"/>
+          </ac:spMkLst>
+        </pc:spChg>
       </pc:sldChg>
-      <pc:sldChg chg="modSp">
-        <pc:chgData name="Doney, Jylisa (jylisadoney@uidaho.edu)" userId="ca63ff72-312b-43e3-9de3-54afc5ff377f" providerId="ADAL" clId="{3A09B9FB-34BF-4B51-A684-70744E18D85C}" dt="2020-04-28T16:34:19.725" v="2501" actId="20577"/>
+      <pc:sldChg chg="delSp modSp">
+        <pc:chgData name="Doney, Jylisa (jylisadoney@uidaho.edu)" userId="ca63ff72-312b-43e3-9de3-54afc5ff377f" providerId="ADAL" clId="{3A09B9FB-34BF-4B51-A684-70744E18D85C}" dt="2020-04-28T16:55:24.660" v="2518"/>
         <pc:sldMkLst>
           <pc:docMk/>
           <pc:sldMk cId="120432337" sldId="273"/>
         </pc:sldMkLst>
+        <pc:spChg chg="del">
+          <ac:chgData name="Doney, Jylisa (jylisadoney@uidaho.edu)" userId="ca63ff72-312b-43e3-9de3-54afc5ff377f" providerId="ADAL" clId="{3A09B9FB-34BF-4B51-A684-70744E18D85C}" dt="2020-04-28T16:53:43.816" v="2502"/>
+          <ac:spMkLst>
+            <pc:docMk/>
+            <pc:sldMk cId="120432337" sldId="273"/>
+            <ac:spMk id="3" creationId="{004E1708-FE4C-4D2A-B885-2969022A3DDC}"/>
+          </ac:spMkLst>
+        </pc:spChg>
+        <pc:spChg chg="del">
+          <ac:chgData name="Doney, Jylisa (jylisadoney@uidaho.edu)" userId="ca63ff72-312b-43e3-9de3-54afc5ff377f" providerId="ADAL" clId="{3A09B9FB-34BF-4B51-A684-70744E18D85C}" dt="2020-04-28T16:54:28.965" v="2503"/>
+          <ac:spMkLst>
+            <pc:docMk/>
+            <pc:sldMk cId="120432337" sldId="273"/>
+            <ac:spMk id="4" creationId="{3D52370F-17F3-4B39-9123-713C951BCE1A}"/>
+          </ac:spMkLst>
+        </pc:spChg>
+        <pc:spChg chg="del">
+          <ac:chgData name="Doney, Jylisa (jylisadoney@uidaho.edu)" userId="ca63ff72-312b-43e3-9de3-54afc5ff377f" providerId="ADAL" clId="{3A09B9FB-34BF-4B51-A684-70744E18D85C}" dt="2020-04-28T16:54:28.965" v="2503"/>
+          <ac:spMkLst>
+            <pc:docMk/>
+            <pc:sldMk cId="120432337" sldId="273"/>
+            <ac:spMk id="5" creationId="{10E93C47-C5B5-4386-BFD8-FC9949D7EE28}"/>
+          </ac:spMkLst>
+        </pc:spChg>
+        <pc:spChg chg="del">
+          <ac:chgData name="Doney, Jylisa (jylisadoney@uidaho.edu)" userId="ca63ff72-312b-43e3-9de3-54afc5ff377f" providerId="ADAL" clId="{3A09B9FB-34BF-4B51-A684-70744E18D85C}" dt="2020-04-28T16:55:24.660" v="2518"/>
+          <ac:spMkLst>
+            <pc:docMk/>
+            <pc:sldMk cId="120432337" sldId="273"/>
+            <ac:spMk id="6" creationId="{B5208D0E-F6E7-48AB-B41A-609D35D92CB6}"/>
+          </ac:spMkLst>
+        </pc:spChg>
         <pc:spChg chg="mod">
           <ac:chgData name="Doney, Jylisa (jylisadoney@uidaho.edu)" userId="ca63ff72-312b-43e3-9de3-54afc5ff377f" providerId="ADAL" clId="{3A09B9FB-34BF-4B51-A684-70744E18D85C}" dt="2020-04-28T16:34:19.725" v="2501" actId="20577"/>
           <ac:spMkLst>
@@ -476,8 +956,8 @@
           </ac:spMkLst>
         </pc:spChg>
       </pc:sldChg>
-      <pc:sldChg chg="modSp">
-        <pc:chgData name="Doney, Jylisa (jylisadoney@uidaho.edu)" userId="ca63ff72-312b-43e3-9de3-54afc5ff377f" providerId="ADAL" clId="{3A09B9FB-34BF-4B51-A684-70744E18D85C}" dt="2020-04-28T16:23:33.320" v="2267" actId="20577"/>
+      <pc:sldChg chg="delSp modSp">
+        <pc:chgData name="Doney, Jylisa (jylisadoney@uidaho.edu)" userId="ca63ff72-312b-43e3-9de3-54afc5ff377f" providerId="ADAL" clId="{3A09B9FB-34BF-4B51-A684-70744E18D85C}" dt="2020-04-28T16:55:24.660" v="2518"/>
         <pc:sldMkLst>
           <pc:docMk/>
           <pc:sldMk cId="1744858447" sldId="275"/>
@@ -498,9 +978,41 @@
             <ac:spMk id="3" creationId="{00000000-0000-0000-0000-000000000000}"/>
           </ac:spMkLst>
         </pc:spChg>
+        <pc:spChg chg="del">
+          <ac:chgData name="Doney, Jylisa (jylisadoney@uidaho.edu)" userId="ca63ff72-312b-43e3-9de3-54afc5ff377f" providerId="ADAL" clId="{3A09B9FB-34BF-4B51-A684-70744E18D85C}" dt="2020-04-28T16:53:43.816" v="2502"/>
+          <ac:spMkLst>
+            <pc:docMk/>
+            <pc:sldMk cId="1744858447" sldId="275"/>
+            <ac:spMk id="5" creationId="{6849C919-5D32-4F8E-B453-C7C5B4F5BFBE}"/>
+          </ac:spMkLst>
+        </pc:spChg>
+        <pc:spChg chg="del">
+          <ac:chgData name="Doney, Jylisa (jylisadoney@uidaho.edu)" userId="ca63ff72-312b-43e3-9de3-54afc5ff377f" providerId="ADAL" clId="{3A09B9FB-34BF-4B51-A684-70744E18D85C}" dt="2020-04-28T16:54:28.965" v="2503"/>
+          <ac:spMkLst>
+            <pc:docMk/>
+            <pc:sldMk cId="1744858447" sldId="275"/>
+            <ac:spMk id="7" creationId="{05300F23-1D3B-4357-9AC9-607541CC7096}"/>
+          </ac:spMkLst>
+        </pc:spChg>
+        <pc:spChg chg="del">
+          <ac:chgData name="Doney, Jylisa (jylisadoney@uidaho.edu)" userId="ca63ff72-312b-43e3-9de3-54afc5ff377f" providerId="ADAL" clId="{3A09B9FB-34BF-4B51-A684-70744E18D85C}" dt="2020-04-28T16:54:28.965" v="2503"/>
+          <ac:spMkLst>
+            <pc:docMk/>
+            <pc:sldMk cId="1744858447" sldId="275"/>
+            <ac:spMk id="8" creationId="{0407C4DE-8E66-4145-99EB-AFA24161F1EA}"/>
+          </ac:spMkLst>
+        </pc:spChg>
+        <pc:spChg chg="del">
+          <ac:chgData name="Doney, Jylisa (jylisadoney@uidaho.edu)" userId="ca63ff72-312b-43e3-9de3-54afc5ff377f" providerId="ADAL" clId="{3A09B9FB-34BF-4B51-A684-70744E18D85C}" dt="2020-04-28T16:55:24.660" v="2518"/>
+          <ac:spMkLst>
+            <pc:docMk/>
+            <pc:sldMk cId="1744858447" sldId="275"/>
+            <ac:spMk id="9" creationId="{B043C231-5815-4DBA-9673-890B2E7758D5}"/>
+          </ac:spMkLst>
+        </pc:spChg>
       </pc:sldChg>
-      <pc:sldChg chg="modSp">
-        <pc:chgData name="Doney, Jylisa (jylisadoney@uidaho.edu)" userId="ca63ff72-312b-43e3-9de3-54afc5ff377f" providerId="ADAL" clId="{3A09B9FB-34BF-4B51-A684-70744E18D85C}" dt="2020-04-28T16:31:34.620" v="2466"/>
+      <pc:sldChg chg="delSp modSp">
+        <pc:chgData name="Doney, Jylisa (jylisadoney@uidaho.edu)" userId="ca63ff72-312b-43e3-9de3-54afc5ff377f" providerId="ADAL" clId="{3A09B9FB-34BF-4B51-A684-70744E18D85C}" dt="2020-04-28T16:55:24.660" v="2518"/>
         <pc:sldMkLst>
           <pc:docMk/>
           <pc:sldMk cId="2152160648" sldId="276"/>
@@ -521,9 +1033,41 @@
             <ac:spMk id="3" creationId="{00000000-0000-0000-0000-000000000000}"/>
           </ac:spMkLst>
         </pc:spChg>
+        <pc:spChg chg="del">
+          <ac:chgData name="Doney, Jylisa (jylisadoney@uidaho.edu)" userId="ca63ff72-312b-43e3-9de3-54afc5ff377f" providerId="ADAL" clId="{3A09B9FB-34BF-4B51-A684-70744E18D85C}" dt="2020-04-28T16:53:43.816" v="2502"/>
+          <ac:spMkLst>
+            <pc:docMk/>
+            <pc:sldMk cId="2152160648" sldId="276"/>
+            <ac:spMk id="4" creationId="{BB309B64-CF54-4333-A5FC-7644ECA4D16D}"/>
+          </ac:spMkLst>
+        </pc:spChg>
+        <pc:spChg chg="del">
+          <ac:chgData name="Doney, Jylisa (jylisadoney@uidaho.edu)" userId="ca63ff72-312b-43e3-9de3-54afc5ff377f" providerId="ADAL" clId="{3A09B9FB-34BF-4B51-A684-70744E18D85C}" dt="2020-04-28T16:54:28.965" v="2503"/>
+          <ac:spMkLst>
+            <pc:docMk/>
+            <pc:sldMk cId="2152160648" sldId="276"/>
+            <ac:spMk id="5" creationId="{9E8655DF-2021-45DD-AC33-78C927797A7D}"/>
+          </ac:spMkLst>
+        </pc:spChg>
+        <pc:spChg chg="del">
+          <ac:chgData name="Doney, Jylisa (jylisadoney@uidaho.edu)" userId="ca63ff72-312b-43e3-9de3-54afc5ff377f" providerId="ADAL" clId="{3A09B9FB-34BF-4B51-A684-70744E18D85C}" dt="2020-04-28T16:54:28.965" v="2503"/>
+          <ac:spMkLst>
+            <pc:docMk/>
+            <pc:sldMk cId="2152160648" sldId="276"/>
+            <ac:spMk id="7" creationId="{84DCA500-CF5C-4044-A2F7-A3C34F522E63}"/>
+          </ac:spMkLst>
+        </pc:spChg>
+        <pc:spChg chg="del">
+          <ac:chgData name="Doney, Jylisa (jylisadoney@uidaho.edu)" userId="ca63ff72-312b-43e3-9de3-54afc5ff377f" providerId="ADAL" clId="{3A09B9FB-34BF-4B51-A684-70744E18D85C}" dt="2020-04-28T16:55:24.660" v="2518"/>
+          <ac:spMkLst>
+            <pc:docMk/>
+            <pc:sldMk cId="2152160648" sldId="276"/>
+            <ac:spMk id="8" creationId="{7B34895E-7A25-499B-8A43-0DE3778CDB05}"/>
+          </ac:spMkLst>
+        </pc:spChg>
       </pc:sldChg>
-      <pc:sldChg chg="modSp">
-        <pc:chgData name="Doney, Jylisa (jylisadoney@uidaho.edu)" userId="ca63ff72-312b-43e3-9de3-54afc5ff377f" providerId="ADAL" clId="{3A09B9FB-34BF-4B51-A684-70744E18D85C}" dt="2020-04-28T16:23:54.427" v="2307" actId="20577"/>
+      <pc:sldChg chg="delSp modSp">
+        <pc:chgData name="Doney, Jylisa (jylisadoney@uidaho.edu)" userId="ca63ff72-312b-43e3-9de3-54afc5ff377f" providerId="ADAL" clId="{3A09B9FB-34BF-4B51-A684-70744E18D85C}" dt="2020-04-28T16:55:24.660" v="2518"/>
         <pc:sldMkLst>
           <pc:docMk/>
           <pc:sldMk cId="994021837" sldId="277"/>
@@ -544,9 +1088,41 @@
             <ac:spMk id="3" creationId="{00000000-0000-0000-0000-000000000000}"/>
           </ac:spMkLst>
         </pc:spChg>
+        <pc:spChg chg="del">
+          <ac:chgData name="Doney, Jylisa (jylisadoney@uidaho.edu)" userId="ca63ff72-312b-43e3-9de3-54afc5ff377f" providerId="ADAL" clId="{3A09B9FB-34BF-4B51-A684-70744E18D85C}" dt="2020-04-28T16:53:43.816" v="2502"/>
+          <ac:spMkLst>
+            <pc:docMk/>
+            <pc:sldMk cId="994021837" sldId="277"/>
+            <ac:spMk id="4" creationId="{2CA441B1-7751-47A2-9170-EF32FFB1797A}"/>
+          </ac:spMkLst>
+        </pc:spChg>
+        <pc:spChg chg="del">
+          <ac:chgData name="Doney, Jylisa (jylisadoney@uidaho.edu)" userId="ca63ff72-312b-43e3-9de3-54afc5ff377f" providerId="ADAL" clId="{3A09B9FB-34BF-4B51-A684-70744E18D85C}" dt="2020-04-28T16:54:28.965" v="2503"/>
+          <ac:spMkLst>
+            <pc:docMk/>
+            <pc:sldMk cId="994021837" sldId="277"/>
+            <ac:spMk id="5" creationId="{BCB3292A-29BA-46D0-A2E9-801DECDEC0F5}"/>
+          </ac:spMkLst>
+        </pc:spChg>
+        <pc:spChg chg="del">
+          <ac:chgData name="Doney, Jylisa (jylisadoney@uidaho.edu)" userId="ca63ff72-312b-43e3-9de3-54afc5ff377f" providerId="ADAL" clId="{3A09B9FB-34BF-4B51-A684-70744E18D85C}" dt="2020-04-28T16:54:28.965" v="2503"/>
+          <ac:spMkLst>
+            <pc:docMk/>
+            <pc:sldMk cId="994021837" sldId="277"/>
+            <ac:spMk id="8" creationId="{8F6600BF-28CC-4372-ABA0-469FCE277175}"/>
+          </ac:spMkLst>
+        </pc:spChg>
+        <pc:spChg chg="del">
+          <ac:chgData name="Doney, Jylisa (jylisadoney@uidaho.edu)" userId="ca63ff72-312b-43e3-9de3-54afc5ff377f" providerId="ADAL" clId="{3A09B9FB-34BF-4B51-A684-70744E18D85C}" dt="2020-04-28T16:55:24.660" v="2518"/>
+          <ac:spMkLst>
+            <pc:docMk/>
+            <pc:sldMk cId="994021837" sldId="277"/>
+            <ac:spMk id="9" creationId="{E4083A37-C91D-44D5-9D9D-DFF6D95E5245}"/>
+          </ac:spMkLst>
+        </pc:spChg>
       </pc:sldChg>
-      <pc:sldChg chg="modSp">
-        <pc:chgData name="Doney, Jylisa (jylisadoney@uidaho.edu)" userId="ca63ff72-312b-43e3-9de3-54afc5ff377f" providerId="ADAL" clId="{3A09B9FB-34BF-4B51-A684-70744E18D85C}" dt="2020-04-28T16:27:08.440" v="2348" actId="6549"/>
+      <pc:sldChg chg="delSp modSp">
+        <pc:chgData name="Doney, Jylisa (jylisadoney@uidaho.edu)" userId="ca63ff72-312b-43e3-9de3-54afc5ff377f" providerId="ADAL" clId="{3A09B9FB-34BF-4B51-A684-70744E18D85C}" dt="2020-04-28T16:55:24.660" v="2518"/>
         <pc:sldMkLst>
           <pc:docMk/>
           <pc:sldMk cId="1781876625" sldId="278"/>
@@ -559,9 +1135,41 @@
             <ac:spMk id="3" creationId="{00000000-0000-0000-0000-000000000000}"/>
           </ac:spMkLst>
         </pc:spChg>
+        <pc:spChg chg="del">
+          <ac:chgData name="Doney, Jylisa (jylisadoney@uidaho.edu)" userId="ca63ff72-312b-43e3-9de3-54afc5ff377f" providerId="ADAL" clId="{3A09B9FB-34BF-4B51-A684-70744E18D85C}" dt="2020-04-28T16:53:43.816" v="2502"/>
+          <ac:spMkLst>
+            <pc:docMk/>
+            <pc:sldMk cId="1781876625" sldId="278"/>
+            <ac:spMk id="6" creationId="{693D9DAE-1A3D-4EEC-8B8B-B2BD4D187A5C}"/>
+          </ac:spMkLst>
+        </pc:spChg>
+        <pc:spChg chg="del">
+          <ac:chgData name="Doney, Jylisa (jylisadoney@uidaho.edu)" userId="ca63ff72-312b-43e3-9de3-54afc5ff377f" providerId="ADAL" clId="{3A09B9FB-34BF-4B51-A684-70744E18D85C}" dt="2020-04-28T16:54:28.965" v="2503"/>
+          <ac:spMkLst>
+            <pc:docMk/>
+            <pc:sldMk cId="1781876625" sldId="278"/>
+            <ac:spMk id="7" creationId="{A5C96A8D-572B-44AE-942C-124AA3BB84A4}"/>
+          </ac:spMkLst>
+        </pc:spChg>
+        <pc:spChg chg="del">
+          <ac:chgData name="Doney, Jylisa (jylisadoney@uidaho.edu)" userId="ca63ff72-312b-43e3-9de3-54afc5ff377f" providerId="ADAL" clId="{3A09B9FB-34BF-4B51-A684-70744E18D85C}" dt="2020-04-28T16:54:28.965" v="2503"/>
+          <ac:spMkLst>
+            <pc:docMk/>
+            <pc:sldMk cId="1781876625" sldId="278"/>
+            <ac:spMk id="8" creationId="{6C2025D9-4366-44E3-BEA8-F1ABCAC63FE0}"/>
+          </ac:spMkLst>
+        </pc:spChg>
+        <pc:spChg chg="del">
+          <ac:chgData name="Doney, Jylisa (jylisadoney@uidaho.edu)" userId="ca63ff72-312b-43e3-9de3-54afc5ff377f" providerId="ADAL" clId="{3A09B9FB-34BF-4B51-A684-70744E18D85C}" dt="2020-04-28T16:55:24.660" v="2518"/>
+          <ac:spMkLst>
+            <pc:docMk/>
+            <pc:sldMk cId="1781876625" sldId="278"/>
+            <ac:spMk id="9" creationId="{BA98547C-AE4B-4C3E-98D8-D0D722E152D4}"/>
+          </ac:spMkLst>
+        </pc:spChg>
       </pc:sldChg>
-      <pc:sldChg chg="modSp modNotesTx">
-        <pc:chgData name="Doney, Jylisa (jylisadoney@uidaho.edu)" userId="ca63ff72-312b-43e3-9de3-54afc5ff377f" providerId="ADAL" clId="{3A09B9FB-34BF-4B51-A684-70744E18D85C}" dt="2020-04-28T16:28:23.308" v="2411" actId="15"/>
+      <pc:sldChg chg="delSp modSp modNotesTx">
+        <pc:chgData name="Doney, Jylisa (jylisadoney@uidaho.edu)" userId="ca63ff72-312b-43e3-9de3-54afc5ff377f" providerId="ADAL" clId="{3A09B9FB-34BF-4B51-A684-70744E18D85C}" dt="2020-04-28T16:55:24.660" v="2518"/>
         <pc:sldMkLst>
           <pc:docMk/>
           <pc:sldMk cId="3349216683" sldId="279"/>
@@ -582,9 +1190,41 @@
             <ac:spMk id="4" creationId="{00000000-0000-0000-0000-000000000000}"/>
           </ac:spMkLst>
         </pc:spChg>
+        <pc:spChg chg="del">
+          <ac:chgData name="Doney, Jylisa (jylisadoney@uidaho.edu)" userId="ca63ff72-312b-43e3-9de3-54afc5ff377f" providerId="ADAL" clId="{3A09B9FB-34BF-4B51-A684-70744E18D85C}" dt="2020-04-28T16:53:43.816" v="2502"/>
+          <ac:spMkLst>
+            <pc:docMk/>
+            <pc:sldMk cId="3349216683" sldId="279"/>
+            <ac:spMk id="5" creationId="{D37C6682-9875-485D-B41B-54F1094D8F31}"/>
+          </ac:spMkLst>
+        </pc:spChg>
+        <pc:spChg chg="del">
+          <ac:chgData name="Doney, Jylisa (jylisadoney@uidaho.edu)" userId="ca63ff72-312b-43e3-9de3-54afc5ff377f" providerId="ADAL" clId="{3A09B9FB-34BF-4B51-A684-70744E18D85C}" dt="2020-04-28T16:54:28.965" v="2503"/>
+          <ac:spMkLst>
+            <pc:docMk/>
+            <pc:sldMk cId="3349216683" sldId="279"/>
+            <ac:spMk id="6" creationId="{06DB710F-9035-4EE6-AD88-BDF42006AA81}"/>
+          </ac:spMkLst>
+        </pc:spChg>
+        <pc:spChg chg="del">
+          <ac:chgData name="Doney, Jylisa (jylisadoney@uidaho.edu)" userId="ca63ff72-312b-43e3-9de3-54afc5ff377f" providerId="ADAL" clId="{3A09B9FB-34BF-4B51-A684-70744E18D85C}" dt="2020-04-28T16:54:28.965" v="2503"/>
+          <ac:spMkLst>
+            <pc:docMk/>
+            <pc:sldMk cId="3349216683" sldId="279"/>
+            <ac:spMk id="7" creationId="{6769D882-7D8F-4BB5-BB1B-41752D18A730}"/>
+          </ac:spMkLst>
+        </pc:spChg>
+        <pc:spChg chg="del">
+          <ac:chgData name="Doney, Jylisa (jylisadoney@uidaho.edu)" userId="ca63ff72-312b-43e3-9de3-54afc5ff377f" providerId="ADAL" clId="{3A09B9FB-34BF-4B51-A684-70744E18D85C}" dt="2020-04-28T16:55:24.660" v="2518"/>
+          <ac:spMkLst>
+            <pc:docMk/>
+            <pc:sldMk cId="3349216683" sldId="279"/>
+            <ac:spMk id="8" creationId="{B5BEE38F-C124-40D1-A4B0-8B629B04137A}"/>
+          </ac:spMkLst>
+        </pc:spChg>
       </pc:sldChg>
-      <pc:sldChg chg="modSp">
-        <pc:chgData name="Doney, Jylisa (jylisadoney@uidaho.edu)" userId="ca63ff72-312b-43e3-9de3-54afc5ff377f" providerId="ADAL" clId="{3A09B9FB-34BF-4B51-A684-70744E18D85C}" dt="2020-04-28T16:29:15.911" v="2463" actId="15"/>
+      <pc:sldChg chg="delSp modSp">
+        <pc:chgData name="Doney, Jylisa (jylisadoney@uidaho.edu)" userId="ca63ff72-312b-43e3-9de3-54afc5ff377f" providerId="ADAL" clId="{3A09B9FB-34BF-4B51-A684-70744E18D85C}" dt="2020-04-28T16:55:24.660" v="2518"/>
         <pc:sldMkLst>
           <pc:docMk/>
           <pc:sldMk cId="4138604670" sldId="281"/>
@@ -597,9 +1237,41 @@
             <ac:spMk id="3" creationId="{00000000-0000-0000-0000-000000000000}"/>
           </ac:spMkLst>
         </pc:spChg>
+        <pc:spChg chg="del">
+          <ac:chgData name="Doney, Jylisa (jylisadoney@uidaho.edu)" userId="ca63ff72-312b-43e3-9de3-54afc5ff377f" providerId="ADAL" clId="{3A09B9FB-34BF-4B51-A684-70744E18D85C}" dt="2020-04-28T16:53:43.816" v="2502"/>
+          <ac:spMkLst>
+            <pc:docMk/>
+            <pc:sldMk cId="4138604670" sldId="281"/>
+            <ac:spMk id="4" creationId="{D4FFAE53-5F9C-46DE-9487-37B0F5346C69}"/>
+          </ac:spMkLst>
+        </pc:spChg>
+        <pc:spChg chg="del">
+          <ac:chgData name="Doney, Jylisa (jylisadoney@uidaho.edu)" userId="ca63ff72-312b-43e3-9de3-54afc5ff377f" providerId="ADAL" clId="{3A09B9FB-34BF-4B51-A684-70744E18D85C}" dt="2020-04-28T16:54:28.965" v="2503"/>
+          <ac:spMkLst>
+            <pc:docMk/>
+            <pc:sldMk cId="4138604670" sldId="281"/>
+            <ac:spMk id="5" creationId="{DD4C8AA5-9A58-47A0-BDB3-944399BEDAAD}"/>
+          </ac:spMkLst>
+        </pc:spChg>
+        <pc:spChg chg="del">
+          <ac:chgData name="Doney, Jylisa (jylisadoney@uidaho.edu)" userId="ca63ff72-312b-43e3-9de3-54afc5ff377f" providerId="ADAL" clId="{3A09B9FB-34BF-4B51-A684-70744E18D85C}" dt="2020-04-28T16:54:28.965" v="2503"/>
+          <ac:spMkLst>
+            <pc:docMk/>
+            <pc:sldMk cId="4138604670" sldId="281"/>
+            <ac:spMk id="6" creationId="{48890C0A-56C0-488C-9353-9928F8A1D7C8}"/>
+          </ac:spMkLst>
+        </pc:spChg>
+        <pc:spChg chg="del">
+          <ac:chgData name="Doney, Jylisa (jylisadoney@uidaho.edu)" userId="ca63ff72-312b-43e3-9de3-54afc5ff377f" providerId="ADAL" clId="{3A09B9FB-34BF-4B51-A684-70744E18D85C}" dt="2020-04-28T16:55:24.660" v="2518"/>
+          <ac:spMkLst>
+            <pc:docMk/>
+            <pc:sldMk cId="4138604670" sldId="281"/>
+            <ac:spMk id="7" creationId="{83539176-3733-4B83-932E-32F1DEE4E755}"/>
+          </ac:spMkLst>
+        </pc:spChg>
       </pc:sldChg>
       <pc:sldChg chg="addSp delSp modSp">
-        <pc:chgData name="Doney, Jylisa (jylisadoney@uidaho.edu)" userId="ca63ff72-312b-43e3-9de3-54afc5ff377f" providerId="ADAL" clId="{3A09B9FB-34BF-4B51-A684-70744E18D85C}" dt="2020-04-28T16:28:43.891" v="2424" actId="15"/>
+        <pc:chgData name="Doney, Jylisa (jylisadoney@uidaho.edu)" userId="ca63ff72-312b-43e3-9de3-54afc5ff377f" providerId="ADAL" clId="{3A09B9FB-34BF-4B51-A684-70744E18D85C}" dt="2020-04-28T16:55:24.660" v="2518"/>
         <pc:sldMkLst>
           <pc:docMk/>
           <pc:sldMk cId="2368807100" sldId="282"/>
@@ -613,6 +1285,14 @@
           </ac:spMkLst>
         </pc:spChg>
         <pc:spChg chg="del">
+          <ac:chgData name="Doney, Jylisa (jylisadoney@uidaho.edu)" userId="ca63ff72-312b-43e3-9de3-54afc5ff377f" providerId="ADAL" clId="{3A09B9FB-34BF-4B51-A684-70744E18D85C}" dt="2020-04-28T16:53:43.816" v="2502"/>
+          <ac:spMkLst>
+            <pc:docMk/>
+            <pc:sldMk cId="2368807100" sldId="282"/>
+            <ac:spMk id="4" creationId="{87EF218C-9DD7-4B5F-964B-4C146300871C}"/>
+          </ac:spMkLst>
+        </pc:spChg>
+        <pc:spChg chg="del">
           <ac:chgData name="Doney, Jylisa (jylisadoney@uidaho.edu)" userId="ca63ff72-312b-43e3-9de3-54afc5ff377f" providerId="ADAL" clId="{3A09B9FB-34BF-4B51-A684-70744E18D85C}" dt="2020-04-27T16:38:59.866" v="686" actId="478"/>
           <ac:spMkLst>
             <pc:docMk/>
@@ -620,6 +1300,14 @@
             <ac:spMk id="5" creationId="{00000000-0000-0000-0000-000000000000}"/>
           </ac:spMkLst>
         </pc:spChg>
+        <pc:spChg chg="del">
+          <ac:chgData name="Doney, Jylisa (jylisadoney@uidaho.edu)" userId="ca63ff72-312b-43e3-9de3-54afc5ff377f" providerId="ADAL" clId="{3A09B9FB-34BF-4B51-A684-70744E18D85C}" dt="2020-04-28T16:54:28.965" v="2503"/>
+          <ac:spMkLst>
+            <pc:docMk/>
+            <pc:sldMk cId="2368807100" sldId="282"/>
+            <ac:spMk id="5" creationId="{1E38A8A8-B9B5-4340-92E3-AA1C4DCA2529}"/>
+          </ac:spMkLst>
+        </pc:spChg>
         <pc:spChg chg="add">
           <ac:chgData name="Doney, Jylisa (jylisadoney@uidaho.edu)" userId="ca63ff72-312b-43e3-9de3-54afc5ff377f" providerId="ADAL" clId="{3A09B9FB-34BF-4B51-A684-70744E18D85C}" dt="2020-04-27T16:39:00.251" v="687"/>
           <ac:spMkLst>
@@ -628,9 +1316,25 @@
             <ac:spMk id="6" creationId="{E9DE17D7-35C3-40C3-B667-9516EE00DD0B}"/>
           </ac:spMkLst>
         </pc:spChg>
+        <pc:spChg chg="del">
+          <ac:chgData name="Doney, Jylisa (jylisadoney@uidaho.edu)" userId="ca63ff72-312b-43e3-9de3-54afc5ff377f" providerId="ADAL" clId="{3A09B9FB-34BF-4B51-A684-70744E18D85C}" dt="2020-04-28T16:54:28.965" v="2503"/>
+          <ac:spMkLst>
+            <pc:docMk/>
+            <pc:sldMk cId="2368807100" sldId="282"/>
+            <ac:spMk id="7" creationId="{5FA76963-3A21-4638-A87B-8A485446ACE4}"/>
+          </ac:spMkLst>
+        </pc:spChg>
+        <pc:spChg chg="del">
+          <ac:chgData name="Doney, Jylisa (jylisadoney@uidaho.edu)" userId="ca63ff72-312b-43e3-9de3-54afc5ff377f" providerId="ADAL" clId="{3A09B9FB-34BF-4B51-A684-70744E18D85C}" dt="2020-04-28T16:55:24.660" v="2518"/>
+          <ac:spMkLst>
+            <pc:docMk/>
+            <pc:sldMk cId="2368807100" sldId="282"/>
+            <ac:spMk id="8" creationId="{FAFB41B5-EDE2-4AB4-9994-23017BBBAD53}"/>
+          </ac:spMkLst>
+        </pc:spChg>
       </pc:sldChg>
-      <pc:sldChg chg="modSp">
-        <pc:chgData name="Doney, Jylisa (jylisadoney@uidaho.edu)" userId="ca63ff72-312b-43e3-9de3-54afc5ff377f" providerId="ADAL" clId="{3A09B9FB-34BF-4B51-A684-70744E18D85C}" dt="2020-04-28T16:29:04.230" v="2455" actId="1036"/>
+      <pc:sldChg chg="delSp modSp">
+        <pc:chgData name="Doney, Jylisa (jylisadoney@uidaho.edu)" userId="ca63ff72-312b-43e3-9de3-54afc5ff377f" providerId="ADAL" clId="{3A09B9FB-34BF-4B51-A684-70744E18D85C}" dt="2020-04-28T16:55:24.660" v="2518"/>
         <pc:sldMkLst>
           <pc:docMk/>
           <pc:sldMk cId="4081224839" sldId="283"/>
@@ -643,6 +1347,14 @@
             <ac:spMk id="3" creationId="{00000000-0000-0000-0000-000000000000}"/>
           </ac:spMkLst>
         </pc:spChg>
+        <pc:spChg chg="del">
+          <ac:chgData name="Doney, Jylisa (jylisadoney@uidaho.edu)" userId="ca63ff72-312b-43e3-9de3-54afc5ff377f" providerId="ADAL" clId="{3A09B9FB-34BF-4B51-A684-70744E18D85C}" dt="2020-04-28T16:53:43.816" v="2502"/>
+          <ac:spMkLst>
+            <pc:docMk/>
+            <pc:sldMk cId="4081224839" sldId="283"/>
+            <ac:spMk id="4" creationId="{857727AD-F50E-4CB1-BEE0-C21C9CDEC7A0}"/>
+          </ac:spMkLst>
+        </pc:spChg>
         <pc:spChg chg="mod">
           <ac:chgData name="Doney, Jylisa (jylisadoney@uidaho.edu)" userId="ca63ff72-312b-43e3-9de3-54afc5ff377f" providerId="ADAL" clId="{3A09B9FB-34BF-4B51-A684-70744E18D85C}" dt="2020-04-28T16:29:04.230" v="2455" actId="1036"/>
           <ac:spMkLst>
@@ -665,6 +1377,30 @@
             <pc:docMk/>
             <pc:sldMk cId="4081224839" sldId="283"/>
             <ac:spMk id="8" creationId="{00000000-0000-0000-0000-000000000000}"/>
+          </ac:spMkLst>
+        </pc:spChg>
+        <pc:spChg chg="del">
+          <ac:chgData name="Doney, Jylisa (jylisadoney@uidaho.edu)" userId="ca63ff72-312b-43e3-9de3-54afc5ff377f" providerId="ADAL" clId="{3A09B9FB-34BF-4B51-A684-70744E18D85C}" dt="2020-04-28T16:54:28.965" v="2503"/>
+          <ac:spMkLst>
+            <pc:docMk/>
+            <pc:sldMk cId="4081224839" sldId="283"/>
+            <ac:spMk id="9" creationId="{2B1DF30C-E3C0-45F6-A263-D6A7413FA6F3}"/>
+          </ac:spMkLst>
+        </pc:spChg>
+        <pc:spChg chg="del">
+          <ac:chgData name="Doney, Jylisa (jylisadoney@uidaho.edu)" userId="ca63ff72-312b-43e3-9de3-54afc5ff377f" providerId="ADAL" clId="{3A09B9FB-34BF-4B51-A684-70744E18D85C}" dt="2020-04-28T16:54:28.965" v="2503"/>
+          <ac:spMkLst>
+            <pc:docMk/>
+            <pc:sldMk cId="4081224839" sldId="283"/>
+            <ac:spMk id="10" creationId="{E29F8E38-FB99-461B-9F8A-E5DE543F4369}"/>
+          </ac:spMkLst>
+        </pc:spChg>
+        <pc:spChg chg="del">
+          <ac:chgData name="Doney, Jylisa (jylisadoney@uidaho.edu)" userId="ca63ff72-312b-43e3-9de3-54afc5ff377f" providerId="ADAL" clId="{3A09B9FB-34BF-4B51-A684-70744E18D85C}" dt="2020-04-28T16:55:24.660" v="2518"/>
+          <ac:spMkLst>
+            <pc:docMk/>
+            <pc:sldMk cId="4081224839" sldId="283"/>
+            <ac:spMk id="11" creationId="{242F8590-B140-42A0-B660-09C8E793548C}"/>
           </ac:spMkLst>
         </pc:spChg>
         <pc:graphicFrameChg chg="mod">
@@ -676,8 +1412,8 @@
           </ac:graphicFrameMkLst>
         </pc:graphicFrameChg>
       </pc:sldChg>
-      <pc:sldChg chg="modSp">
-        <pc:chgData name="Doney, Jylisa (jylisadoney@uidaho.edu)" userId="ca63ff72-312b-43e3-9de3-54afc5ff377f" providerId="ADAL" clId="{3A09B9FB-34BF-4B51-A684-70744E18D85C}" dt="2020-04-28T16:23:44.840" v="2287" actId="20577"/>
+      <pc:sldChg chg="delSp modSp">
+        <pc:chgData name="Doney, Jylisa (jylisadoney@uidaho.edu)" userId="ca63ff72-312b-43e3-9de3-54afc5ff377f" providerId="ADAL" clId="{3A09B9FB-34BF-4B51-A684-70744E18D85C}" dt="2020-04-28T16:55:24.660" v="2518"/>
         <pc:sldMkLst>
           <pc:docMk/>
           <pc:sldMk cId="1264982433" sldId="285"/>
@@ -698,9 +1434,41 @@
             <ac:spMk id="3" creationId="{00000000-0000-0000-0000-000000000000}"/>
           </ac:spMkLst>
         </pc:spChg>
+        <pc:spChg chg="del">
+          <ac:chgData name="Doney, Jylisa (jylisadoney@uidaho.edu)" userId="ca63ff72-312b-43e3-9de3-54afc5ff377f" providerId="ADAL" clId="{3A09B9FB-34BF-4B51-A684-70744E18D85C}" dt="2020-04-28T16:53:43.816" v="2502"/>
+          <ac:spMkLst>
+            <pc:docMk/>
+            <pc:sldMk cId="1264982433" sldId="285"/>
+            <ac:spMk id="4" creationId="{3BE16A6F-1839-4351-B312-62C3D6FD046A}"/>
+          </ac:spMkLst>
+        </pc:spChg>
+        <pc:spChg chg="del">
+          <ac:chgData name="Doney, Jylisa (jylisadoney@uidaho.edu)" userId="ca63ff72-312b-43e3-9de3-54afc5ff377f" providerId="ADAL" clId="{3A09B9FB-34BF-4B51-A684-70744E18D85C}" dt="2020-04-28T16:54:28.965" v="2503"/>
+          <ac:spMkLst>
+            <pc:docMk/>
+            <pc:sldMk cId="1264982433" sldId="285"/>
+            <ac:spMk id="5" creationId="{8E90FF86-1072-4B71-A3C3-716CAA618003}"/>
+          </ac:spMkLst>
+        </pc:spChg>
+        <pc:spChg chg="del">
+          <ac:chgData name="Doney, Jylisa (jylisadoney@uidaho.edu)" userId="ca63ff72-312b-43e3-9de3-54afc5ff377f" providerId="ADAL" clId="{3A09B9FB-34BF-4B51-A684-70744E18D85C}" dt="2020-04-28T16:54:28.965" v="2503"/>
+          <ac:spMkLst>
+            <pc:docMk/>
+            <pc:sldMk cId="1264982433" sldId="285"/>
+            <ac:spMk id="6" creationId="{B82E79DF-E45B-40E4-809C-7F80A68D5CAA}"/>
+          </ac:spMkLst>
+        </pc:spChg>
+        <pc:spChg chg="del">
+          <ac:chgData name="Doney, Jylisa (jylisadoney@uidaho.edu)" userId="ca63ff72-312b-43e3-9de3-54afc5ff377f" providerId="ADAL" clId="{3A09B9FB-34BF-4B51-A684-70744E18D85C}" dt="2020-04-28T16:55:24.660" v="2518"/>
+          <ac:spMkLst>
+            <pc:docMk/>
+            <pc:sldMk cId="1264982433" sldId="285"/>
+            <ac:spMk id="7" creationId="{8F6BA25F-DCFC-4C0A-B5DD-69C892E96646}"/>
+          </ac:spMkLst>
+        </pc:spChg>
       </pc:sldChg>
-      <pc:sldChg chg="modSp">
-        <pc:chgData name="Doney, Jylisa (jylisadoney@uidaho.edu)" userId="ca63ff72-312b-43e3-9de3-54afc5ff377f" providerId="ADAL" clId="{3A09B9FB-34BF-4B51-A684-70744E18D85C}" dt="2020-04-28T16:22:02.908" v="2193" actId="20577"/>
+      <pc:sldChg chg="delSp modSp">
+        <pc:chgData name="Doney, Jylisa (jylisadoney@uidaho.edu)" userId="ca63ff72-312b-43e3-9de3-54afc5ff377f" providerId="ADAL" clId="{3A09B9FB-34BF-4B51-A684-70744E18D85C}" dt="2020-04-28T16:55:24.660" v="2518"/>
         <pc:sldMkLst>
           <pc:docMk/>
           <pc:sldMk cId="3928120278" sldId="287"/>
@@ -713,9 +1481,41 @@
             <ac:spMk id="3" creationId="{00000000-0000-0000-0000-000000000000}"/>
           </ac:spMkLst>
         </pc:spChg>
+        <pc:spChg chg="del">
+          <ac:chgData name="Doney, Jylisa (jylisadoney@uidaho.edu)" userId="ca63ff72-312b-43e3-9de3-54afc5ff377f" providerId="ADAL" clId="{3A09B9FB-34BF-4B51-A684-70744E18D85C}" dt="2020-04-28T16:53:43.816" v="2502"/>
+          <ac:spMkLst>
+            <pc:docMk/>
+            <pc:sldMk cId="3928120278" sldId="287"/>
+            <ac:spMk id="4" creationId="{0D48B830-5A54-4706-A12F-B9A238705E47}"/>
+          </ac:spMkLst>
+        </pc:spChg>
+        <pc:spChg chg="del">
+          <ac:chgData name="Doney, Jylisa (jylisadoney@uidaho.edu)" userId="ca63ff72-312b-43e3-9de3-54afc5ff377f" providerId="ADAL" clId="{3A09B9FB-34BF-4B51-A684-70744E18D85C}" dt="2020-04-28T16:54:28.965" v="2503"/>
+          <ac:spMkLst>
+            <pc:docMk/>
+            <pc:sldMk cId="3928120278" sldId="287"/>
+            <ac:spMk id="5" creationId="{3B4B1245-605F-4944-BB96-B2A75C29B303}"/>
+          </ac:spMkLst>
+        </pc:spChg>
+        <pc:spChg chg="del">
+          <ac:chgData name="Doney, Jylisa (jylisadoney@uidaho.edu)" userId="ca63ff72-312b-43e3-9de3-54afc5ff377f" providerId="ADAL" clId="{3A09B9FB-34BF-4B51-A684-70744E18D85C}" dt="2020-04-28T16:54:28.965" v="2503"/>
+          <ac:spMkLst>
+            <pc:docMk/>
+            <pc:sldMk cId="3928120278" sldId="287"/>
+            <ac:spMk id="6" creationId="{78641580-9D62-4D74-AE9C-F398CD1E838A}"/>
+          </ac:spMkLst>
+        </pc:spChg>
+        <pc:spChg chg="del">
+          <ac:chgData name="Doney, Jylisa (jylisadoney@uidaho.edu)" userId="ca63ff72-312b-43e3-9de3-54afc5ff377f" providerId="ADAL" clId="{3A09B9FB-34BF-4B51-A684-70744E18D85C}" dt="2020-04-28T16:55:24.660" v="2518"/>
+          <ac:spMkLst>
+            <pc:docMk/>
+            <pc:sldMk cId="3928120278" sldId="287"/>
+            <ac:spMk id="7" creationId="{E82FC6AE-46CE-4E72-9280-4ABB738552B7}"/>
+          </ac:spMkLst>
+        </pc:spChg>
       </pc:sldChg>
-      <pc:sldChg chg="modSp">
-        <pc:chgData name="Doney, Jylisa (jylisadoney@uidaho.edu)" userId="ca63ff72-312b-43e3-9de3-54afc5ff377f" providerId="ADAL" clId="{3A09B9FB-34BF-4B51-A684-70744E18D85C}" dt="2020-04-28T16:22:20.422" v="2216" actId="6549"/>
+      <pc:sldChg chg="delSp modSp">
+        <pc:chgData name="Doney, Jylisa (jylisadoney@uidaho.edu)" userId="ca63ff72-312b-43e3-9de3-54afc5ff377f" providerId="ADAL" clId="{3A09B9FB-34BF-4B51-A684-70744E18D85C}" dt="2020-04-28T16:55:24.660" v="2518"/>
         <pc:sldMkLst>
           <pc:docMk/>
           <pc:sldMk cId="1823937539" sldId="288"/>
@@ -728,9 +1528,41 @@
             <ac:spMk id="3" creationId="{00000000-0000-0000-0000-000000000000}"/>
           </ac:spMkLst>
         </pc:spChg>
+        <pc:spChg chg="del">
+          <ac:chgData name="Doney, Jylisa (jylisadoney@uidaho.edu)" userId="ca63ff72-312b-43e3-9de3-54afc5ff377f" providerId="ADAL" clId="{3A09B9FB-34BF-4B51-A684-70744E18D85C}" dt="2020-04-28T16:53:43.816" v="2502"/>
+          <ac:spMkLst>
+            <pc:docMk/>
+            <pc:sldMk cId="1823937539" sldId="288"/>
+            <ac:spMk id="4" creationId="{499AD403-F8BF-4E75-9659-CD02382654C1}"/>
+          </ac:spMkLst>
+        </pc:spChg>
+        <pc:spChg chg="del">
+          <ac:chgData name="Doney, Jylisa (jylisadoney@uidaho.edu)" userId="ca63ff72-312b-43e3-9de3-54afc5ff377f" providerId="ADAL" clId="{3A09B9FB-34BF-4B51-A684-70744E18D85C}" dt="2020-04-28T16:54:28.965" v="2503"/>
+          <ac:spMkLst>
+            <pc:docMk/>
+            <pc:sldMk cId="1823937539" sldId="288"/>
+            <ac:spMk id="5" creationId="{DAC34DEB-E331-4D11-9015-89CB0776E4FB}"/>
+          </ac:spMkLst>
+        </pc:spChg>
+        <pc:spChg chg="del">
+          <ac:chgData name="Doney, Jylisa (jylisadoney@uidaho.edu)" userId="ca63ff72-312b-43e3-9de3-54afc5ff377f" providerId="ADAL" clId="{3A09B9FB-34BF-4B51-A684-70744E18D85C}" dt="2020-04-28T16:54:28.965" v="2503"/>
+          <ac:spMkLst>
+            <pc:docMk/>
+            <pc:sldMk cId="1823937539" sldId="288"/>
+            <ac:spMk id="6" creationId="{4C000A51-F06C-41A2-A16B-A8701AE007C6}"/>
+          </ac:spMkLst>
+        </pc:spChg>
+        <pc:spChg chg="del">
+          <ac:chgData name="Doney, Jylisa (jylisadoney@uidaho.edu)" userId="ca63ff72-312b-43e3-9de3-54afc5ff377f" providerId="ADAL" clId="{3A09B9FB-34BF-4B51-A684-70744E18D85C}" dt="2020-04-28T16:55:24.660" v="2518"/>
+          <ac:spMkLst>
+            <pc:docMk/>
+            <pc:sldMk cId="1823937539" sldId="288"/>
+            <ac:spMk id="7" creationId="{E2BC4339-BDFF-4912-B0A4-2B17E22EEF91}"/>
+          </ac:spMkLst>
+        </pc:spChg>
       </pc:sldChg>
-      <pc:sldChg chg="modSp">
-        <pc:chgData name="Doney, Jylisa (jylisadoney@uidaho.edu)" userId="ca63ff72-312b-43e3-9de3-54afc5ff377f" providerId="ADAL" clId="{3A09B9FB-34BF-4B51-A684-70744E18D85C}" dt="2020-04-28T16:22:47.747" v="2217" actId="20577"/>
+      <pc:sldChg chg="delSp modSp">
+        <pc:chgData name="Doney, Jylisa (jylisadoney@uidaho.edu)" userId="ca63ff72-312b-43e3-9de3-54afc5ff377f" providerId="ADAL" clId="{3A09B9FB-34BF-4B51-A684-70744E18D85C}" dt="2020-04-28T16:55:24.660" v="2518"/>
         <pc:sldMkLst>
           <pc:docMk/>
           <pc:sldMk cId="396767174" sldId="289"/>
@@ -741,6 +1573,38 @@
             <pc:docMk/>
             <pc:sldMk cId="396767174" sldId="289"/>
             <ac:spMk id="3" creationId="{00000000-0000-0000-0000-000000000000}"/>
+          </ac:spMkLst>
+        </pc:spChg>
+        <pc:spChg chg="del">
+          <ac:chgData name="Doney, Jylisa (jylisadoney@uidaho.edu)" userId="ca63ff72-312b-43e3-9de3-54afc5ff377f" providerId="ADAL" clId="{3A09B9FB-34BF-4B51-A684-70744E18D85C}" dt="2020-04-28T16:53:43.816" v="2502"/>
+          <ac:spMkLst>
+            <pc:docMk/>
+            <pc:sldMk cId="396767174" sldId="289"/>
+            <ac:spMk id="4" creationId="{93D1073A-D5C2-4C9D-9AD7-E527B71F5DEF}"/>
+          </ac:spMkLst>
+        </pc:spChg>
+        <pc:spChg chg="del">
+          <ac:chgData name="Doney, Jylisa (jylisadoney@uidaho.edu)" userId="ca63ff72-312b-43e3-9de3-54afc5ff377f" providerId="ADAL" clId="{3A09B9FB-34BF-4B51-A684-70744E18D85C}" dt="2020-04-28T16:54:28.965" v="2503"/>
+          <ac:spMkLst>
+            <pc:docMk/>
+            <pc:sldMk cId="396767174" sldId="289"/>
+            <ac:spMk id="5" creationId="{DCA3F5B2-6272-43DC-8886-9A4D2351F75F}"/>
+          </ac:spMkLst>
+        </pc:spChg>
+        <pc:spChg chg="del">
+          <ac:chgData name="Doney, Jylisa (jylisadoney@uidaho.edu)" userId="ca63ff72-312b-43e3-9de3-54afc5ff377f" providerId="ADAL" clId="{3A09B9FB-34BF-4B51-A684-70744E18D85C}" dt="2020-04-28T16:54:28.965" v="2503"/>
+          <ac:spMkLst>
+            <pc:docMk/>
+            <pc:sldMk cId="396767174" sldId="289"/>
+            <ac:spMk id="6" creationId="{0F1A4A6E-8CFD-4DC9-90D7-256C08C1EEDF}"/>
+          </ac:spMkLst>
+        </pc:spChg>
+        <pc:spChg chg="del">
+          <ac:chgData name="Doney, Jylisa (jylisadoney@uidaho.edu)" userId="ca63ff72-312b-43e3-9de3-54afc5ff377f" providerId="ADAL" clId="{3A09B9FB-34BF-4B51-A684-70744E18D85C}" dt="2020-04-28T16:55:24.660" v="2518"/>
+          <ac:spMkLst>
+            <pc:docMk/>
+            <pc:sldMk cId="396767174" sldId="289"/>
+            <ac:spMk id="7" creationId="{34FBBBC4-3A21-4844-9E1B-F0C9A1BE9868}"/>
           </ac:spMkLst>
         </pc:spChg>
       </pc:sldChg>
@@ -759,8 +1623,8 @@
           </ac:spMkLst>
         </pc:spChg>
       </pc:sldChg>
-      <pc:sldChg chg="modSp">
-        <pc:chgData name="Doney, Jylisa (jylisadoney@uidaho.edu)" userId="ca63ff72-312b-43e3-9de3-54afc5ff377f" providerId="ADAL" clId="{3A09B9FB-34BF-4B51-A684-70744E18D85C}" dt="2020-04-28T15:29:49.080" v="1949" actId="20577"/>
+      <pc:sldChg chg="delSp modSp">
+        <pc:chgData name="Doney, Jylisa (jylisadoney@uidaho.edu)" userId="ca63ff72-312b-43e3-9de3-54afc5ff377f" providerId="ADAL" clId="{3A09B9FB-34BF-4B51-A684-70744E18D85C}" dt="2020-04-28T16:55:24.660" v="2518"/>
         <pc:sldMkLst>
           <pc:docMk/>
           <pc:sldMk cId="3162338271" sldId="291"/>
@@ -773,9 +1637,41 @@
             <ac:spMk id="3" creationId="{00000000-0000-0000-0000-000000000000}"/>
           </ac:spMkLst>
         </pc:spChg>
+        <pc:spChg chg="del">
+          <ac:chgData name="Doney, Jylisa (jylisadoney@uidaho.edu)" userId="ca63ff72-312b-43e3-9de3-54afc5ff377f" providerId="ADAL" clId="{3A09B9FB-34BF-4B51-A684-70744E18D85C}" dt="2020-04-28T16:53:43.816" v="2502"/>
+          <ac:spMkLst>
+            <pc:docMk/>
+            <pc:sldMk cId="3162338271" sldId="291"/>
+            <ac:spMk id="4" creationId="{660BA608-D286-46A2-B9B8-914A2F2080BC}"/>
+          </ac:spMkLst>
+        </pc:spChg>
+        <pc:spChg chg="del">
+          <ac:chgData name="Doney, Jylisa (jylisadoney@uidaho.edu)" userId="ca63ff72-312b-43e3-9de3-54afc5ff377f" providerId="ADAL" clId="{3A09B9FB-34BF-4B51-A684-70744E18D85C}" dt="2020-04-28T16:54:28.965" v="2503"/>
+          <ac:spMkLst>
+            <pc:docMk/>
+            <pc:sldMk cId="3162338271" sldId="291"/>
+            <ac:spMk id="5" creationId="{D7825AFA-D9F8-4DD8-8CC6-DB898C3F1C5E}"/>
+          </ac:spMkLst>
+        </pc:spChg>
+        <pc:spChg chg="del">
+          <ac:chgData name="Doney, Jylisa (jylisadoney@uidaho.edu)" userId="ca63ff72-312b-43e3-9de3-54afc5ff377f" providerId="ADAL" clId="{3A09B9FB-34BF-4B51-A684-70744E18D85C}" dt="2020-04-28T16:54:28.965" v="2503"/>
+          <ac:spMkLst>
+            <pc:docMk/>
+            <pc:sldMk cId="3162338271" sldId="291"/>
+            <ac:spMk id="6" creationId="{CDFF80FC-2D99-45E5-91B9-E34C928BDE31}"/>
+          </ac:spMkLst>
+        </pc:spChg>
+        <pc:spChg chg="del">
+          <ac:chgData name="Doney, Jylisa (jylisadoney@uidaho.edu)" userId="ca63ff72-312b-43e3-9de3-54afc5ff377f" providerId="ADAL" clId="{3A09B9FB-34BF-4B51-A684-70744E18D85C}" dt="2020-04-28T16:55:24.660" v="2518"/>
+          <ac:spMkLst>
+            <pc:docMk/>
+            <pc:sldMk cId="3162338271" sldId="291"/>
+            <ac:spMk id="7" creationId="{81E9C86A-080B-475C-A5B7-D2C0D65038FA}"/>
+          </ac:spMkLst>
+        </pc:spChg>
       </pc:sldChg>
-      <pc:sldChg chg="modSp">
-        <pc:chgData name="Doney, Jylisa (jylisadoney@uidaho.edu)" userId="ca63ff72-312b-43e3-9de3-54afc5ff377f" providerId="ADAL" clId="{3A09B9FB-34BF-4B51-A684-70744E18D85C}" dt="2020-04-28T16:02:21.801" v="2010" actId="1036"/>
+      <pc:sldChg chg="addSp delSp modSp">
+        <pc:chgData name="Doney, Jylisa (jylisadoney@uidaho.edu)" userId="ca63ff72-312b-43e3-9de3-54afc5ff377f" providerId="ADAL" clId="{3A09B9FB-34BF-4B51-A684-70744E18D85C}" dt="2020-04-28T16:55:24.660" v="2518"/>
         <pc:sldMkLst>
           <pc:docMk/>
           <pc:sldMk cId="3278815306" sldId="292"/>
@@ -796,9 +1692,88 @@
             <ac:spMk id="3" creationId="{00000000-0000-0000-0000-000000000000}"/>
           </ac:spMkLst>
         </pc:spChg>
+        <pc:spChg chg="del">
+          <ac:chgData name="Doney, Jylisa (jylisadoney@uidaho.edu)" userId="ca63ff72-312b-43e3-9de3-54afc5ff377f" providerId="ADAL" clId="{3A09B9FB-34BF-4B51-A684-70744E18D85C}" dt="2020-04-28T16:53:43.816" v="2502"/>
+          <ac:spMkLst>
+            <pc:docMk/>
+            <pc:sldMk cId="3278815306" sldId="292"/>
+            <ac:spMk id="4" creationId="{7008376E-E39A-4722-840D-B839464E2E61}"/>
+          </ac:spMkLst>
+        </pc:spChg>
+        <pc:spChg chg="del">
+          <ac:chgData name="Doney, Jylisa (jylisadoney@uidaho.edu)" userId="ca63ff72-312b-43e3-9de3-54afc5ff377f" providerId="ADAL" clId="{3A09B9FB-34BF-4B51-A684-70744E18D85C}" dt="2020-04-28T16:54:28.965" v="2503"/>
+          <ac:spMkLst>
+            <pc:docMk/>
+            <pc:sldMk cId="3278815306" sldId="292"/>
+            <ac:spMk id="6" creationId="{9CD1535A-51EE-42B8-99FA-C6A122CA3BA2}"/>
+          </ac:spMkLst>
+        </pc:spChg>
+        <pc:spChg chg="del">
+          <ac:chgData name="Doney, Jylisa (jylisadoney@uidaho.edu)" userId="ca63ff72-312b-43e3-9de3-54afc5ff377f" providerId="ADAL" clId="{3A09B9FB-34BF-4B51-A684-70744E18D85C}" dt="2020-04-28T16:54:28.965" v="2503"/>
+          <ac:spMkLst>
+            <pc:docMk/>
+            <pc:sldMk cId="3278815306" sldId="292"/>
+            <ac:spMk id="7" creationId="{AA32B588-612A-4F73-AB5E-773C5F8BD5FC}"/>
+          </ac:spMkLst>
+        </pc:spChg>
+        <pc:spChg chg="add del mod">
+          <ac:chgData name="Doney, Jylisa (jylisadoney@uidaho.edu)" userId="ca63ff72-312b-43e3-9de3-54afc5ff377f" providerId="ADAL" clId="{3A09B9FB-34BF-4B51-A684-70744E18D85C}" dt="2020-04-28T16:55:24.660" v="2518"/>
+          <ac:spMkLst>
+            <pc:docMk/>
+            <pc:sldMk cId="3278815306" sldId="292"/>
+            <ac:spMk id="8" creationId="{333720D9-7EF2-4CA8-87B0-1244B494455F}"/>
+          </ac:spMkLst>
+        </pc:spChg>
+        <pc:spChg chg="add del mod">
+          <ac:chgData name="Doney, Jylisa (jylisadoney@uidaho.edu)" userId="ca63ff72-312b-43e3-9de3-54afc5ff377f" providerId="ADAL" clId="{3A09B9FB-34BF-4B51-A684-70744E18D85C}" dt="2020-04-28T16:55:23.798" v="2517" actId="767"/>
+          <ac:spMkLst>
+            <pc:docMk/>
+            <pc:sldMk cId="3278815306" sldId="292"/>
+            <ac:spMk id="9" creationId="{134D928B-2288-432D-9B58-864706C2BD38}"/>
+          </ac:spMkLst>
+        </pc:spChg>
       </pc:sldChg>
-      <pc:sldChg chg="modSp add">
-        <pc:chgData name="Doney, Jylisa (jylisadoney@uidaho.edu)" userId="ca63ff72-312b-43e3-9de3-54afc5ff377f" providerId="ADAL" clId="{3A09B9FB-34BF-4B51-A684-70744E18D85C}" dt="2020-04-28T16:23:09.955" v="2227" actId="20577"/>
+      <pc:sldChg chg="delSp">
+        <pc:chgData name="Doney, Jylisa (jylisadoney@uidaho.edu)" userId="ca63ff72-312b-43e3-9de3-54afc5ff377f" providerId="ADAL" clId="{3A09B9FB-34BF-4B51-A684-70744E18D85C}" dt="2020-04-28T16:55:24.660" v="2518"/>
+        <pc:sldMkLst>
+          <pc:docMk/>
+          <pc:sldMk cId="3567564907" sldId="293"/>
+        </pc:sldMkLst>
+        <pc:spChg chg="del">
+          <ac:chgData name="Doney, Jylisa (jylisadoney@uidaho.edu)" userId="ca63ff72-312b-43e3-9de3-54afc5ff377f" providerId="ADAL" clId="{3A09B9FB-34BF-4B51-A684-70744E18D85C}" dt="2020-04-28T16:53:43.816" v="2502"/>
+          <ac:spMkLst>
+            <pc:docMk/>
+            <pc:sldMk cId="3567564907" sldId="293"/>
+            <ac:spMk id="3" creationId="{72763575-F44A-4BE6-8637-DA9F29DB9531}"/>
+          </ac:spMkLst>
+        </pc:spChg>
+        <pc:spChg chg="del">
+          <ac:chgData name="Doney, Jylisa (jylisadoney@uidaho.edu)" userId="ca63ff72-312b-43e3-9de3-54afc5ff377f" providerId="ADAL" clId="{3A09B9FB-34BF-4B51-A684-70744E18D85C}" dt="2020-04-28T16:54:28.965" v="2503"/>
+          <ac:spMkLst>
+            <pc:docMk/>
+            <pc:sldMk cId="3567564907" sldId="293"/>
+            <ac:spMk id="4" creationId="{22BBC7E6-6543-4161-8F55-BAD57FB6583D}"/>
+          </ac:spMkLst>
+        </pc:spChg>
+        <pc:spChg chg="del">
+          <ac:chgData name="Doney, Jylisa (jylisadoney@uidaho.edu)" userId="ca63ff72-312b-43e3-9de3-54afc5ff377f" providerId="ADAL" clId="{3A09B9FB-34BF-4B51-A684-70744E18D85C}" dt="2020-04-28T16:54:28.965" v="2503"/>
+          <ac:spMkLst>
+            <pc:docMk/>
+            <pc:sldMk cId="3567564907" sldId="293"/>
+            <ac:spMk id="5" creationId="{BDA2B9CE-4324-40C9-8351-A8AFC106B279}"/>
+          </ac:spMkLst>
+        </pc:spChg>
+        <pc:spChg chg="del">
+          <ac:chgData name="Doney, Jylisa (jylisadoney@uidaho.edu)" userId="ca63ff72-312b-43e3-9de3-54afc5ff377f" providerId="ADAL" clId="{3A09B9FB-34BF-4B51-A684-70744E18D85C}" dt="2020-04-28T16:55:24.660" v="2518"/>
+          <ac:spMkLst>
+            <pc:docMk/>
+            <pc:sldMk cId="3567564907" sldId="293"/>
+            <ac:spMk id="6" creationId="{34069AEE-4795-4BA4-83B8-664C4007D059}"/>
+          </ac:spMkLst>
+        </pc:spChg>
+      </pc:sldChg>
+      <pc:sldChg chg="delSp modSp add">
+        <pc:chgData name="Doney, Jylisa (jylisadoney@uidaho.edu)" userId="ca63ff72-312b-43e3-9de3-54afc5ff377f" providerId="ADAL" clId="{3A09B9FB-34BF-4B51-A684-70744E18D85C}" dt="2020-04-28T16:55:24.660" v="2518"/>
         <pc:sldMkLst>
           <pc:docMk/>
           <pc:sldMk cId="1193147040" sldId="294"/>
@@ -819,9 +1794,41 @@
             <ac:spMk id="3" creationId="{00000000-0000-0000-0000-000000000000}"/>
           </ac:spMkLst>
         </pc:spChg>
+        <pc:spChg chg="del">
+          <ac:chgData name="Doney, Jylisa (jylisadoney@uidaho.edu)" userId="ca63ff72-312b-43e3-9de3-54afc5ff377f" providerId="ADAL" clId="{3A09B9FB-34BF-4B51-A684-70744E18D85C}" dt="2020-04-28T16:53:43.816" v="2502"/>
+          <ac:spMkLst>
+            <pc:docMk/>
+            <pc:sldMk cId="1193147040" sldId="294"/>
+            <ac:spMk id="4" creationId="{D3136329-5448-4B50-8F70-ED7AB4606177}"/>
+          </ac:spMkLst>
+        </pc:spChg>
+        <pc:spChg chg="del">
+          <ac:chgData name="Doney, Jylisa (jylisadoney@uidaho.edu)" userId="ca63ff72-312b-43e3-9de3-54afc5ff377f" providerId="ADAL" clId="{3A09B9FB-34BF-4B51-A684-70744E18D85C}" dt="2020-04-28T16:54:28.965" v="2503"/>
+          <ac:spMkLst>
+            <pc:docMk/>
+            <pc:sldMk cId="1193147040" sldId="294"/>
+            <ac:spMk id="5" creationId="{B9A051F3-7AB4-4E48-B441-A2207E8A05A4}"/>
+          </ac:spMkLst>
+        </pc:spChg>
+        <pc:spChg chg="del">
+          <ac:chgData name="Doney, Jylisa (jylisadoney@uidaho.edu)" userId="ca63ff72-312b-43e3-9de3-54afc5ff377f" providerId="ADAL" clId="{3A09B9FB-34BF-4B51-A684-70744E18D85C}" dt="2020-04-28T16:54:28.965" v="2503"/>
+          <ac:spMkLst>
+            <pc:docMk/>
+            <pc:sldMk cId="1193147040" sldId="294"/>
+            <ac:spMk id="6" creationId="{5F69A9C6-E4EE-4B2C-B572-8321CAF8744F}"/>
+          </ac:spMkLst>
+        </pc:spChg>
+        <pc:spChg chg="del">
+          <ac:chgData name="Doney, Jylisa (jylisadoney@uidaho.edu)" userId="ca63ff72-312b-43e3-9de3-54afc5ff377f" providerId="ADAL" clId="{3A09B9FB-34BF-4B51-A684-70744E18D85C}" dt="2020-04-28T16:55:24.660" v="2518"/>
+          <ac:spMkLst>
+            <pc:docMk/>
+            <pc:sldMk cId="1193147040" sldId="294"/>
+            <ac:spMk id="7" creationId="{05BDB2E2-EA25-4F5C-81F2-D45346E34B10}"/>
+          </ac:spMkLst>
+        </pc:spChg>
       </pc:sldChg>
       <pc:sldChg chg="delSp modSp add">
-        <pc:chgData name="Doney, Jylisa (jylisadoney@uidaho.edu)" userId="ca63ff72-312b-43e3-9de3-54afc5ff377f" providerId="ADAL" clId="{3A09B9FB-34BF-4B51-A684-70744E18D85C}" dt="2020-04-27T22:04:54.054" v="1764" actId="20577"/>
+        <pc:chgData name="Doney, Jylisa (jylisadoney@uidaho.edu)" userId="ca63ff72-312b-43e3-9de3-54afc5ff377f" providerId="ADAL" clId="{3A09B9FB-34BF-4B51-A684-70744E18D85C}" dt="2020-04-28T16:55:24.660" v="2518"/>
         <pc:sldMkLst>
           <pc:docMk/>
           <pc:sldMk cId="1863917766" sldId="295"/>
@@ -835,6 +1842,22 @@
           </ac:spMkLst>
         </pc:spChg>
         <pc:spChg chg="del">
+          <ac:chgData name="Doney, Jylisa (jylisadoney@uidaho.edu)" userId="ca63ff72-312b-43e3-9de3-54afc5ff377f" providerId="ADAL" clId="{3A09B9FB-34BF-4B51-A684-70744E18D85C}" dt="2020-04-28T16:53:43.816" v="2502"/>
+          <ac:spMkLst>
+            <pc:docMk/>
+            <pc:sldMk cId="1863917766" sldId="295"/>
+            <ac:spMk id="4" creationId="{757470B9-47D2-47E2-9A30-717B12157D8B}"/>
+          </ac:spMkLst>
+        </pc:spChg>
+        <pc:spChg chg="del">
+          <ac:chgData name="Doney, Jylisa (jylisadoney@uidaho.edu)" userId="ca63ff72-312b-43e3-9de3-54afc5ff377f" providerId="ADAL" clId="{3A09B9FB-34BF-4B51-A684-70744E18D85C}" dt="2020-04-28T16:54:28.965" v="2503"/>
+          <ac:spMkLst>
+            <pc:docMk/>
+            <pc:sldMk cId="1863917766" sldId="295"/>
+            <ac:spMk id="5" creationId="{0920A277-3F66-4875-816B-C333B9B10020}"/>
+          </ac:spMkLst>
+        </pc:spChg>
+        <pc:spChg chg="del">
           <ac:chgData name="Doney, Jylisa (jylisadoney@uidaho.edu)" userId="ca63ff72-312b-43e3-9de3-54afc5ff377f" providerId="ADAL" clId="{3A09B9FB-34BF-4B51-A684-70744E18D85C}" dt="2020-04-27T22:04:06.725" v="1654" actId="478"/>
           <ac:spMkLst>
             <pc:docMk/>
@@ -842,7 +1865,56 @@
             <ac:spMk id="6" creationId="{D5F96CF4-4948-4705-BFE9-9D55B108D382}"/>
           </ac:spMkLst>
         </pc:spChg>
+        <pc:spChg chg="del">
+          <ac:chgData name="Doney, Jylisa (jylisadoney@uidaho.edu)" userId="ca63ff72-312b-43e3-9de3-54afc5ff377f" providerId="ADAL" clId="{3A09B9FB-34BF-4B51-A684-70744E18D85C}" dt="2020-04-28T16:54:28.965" v="2503"/>
+          <ac:spMkLst>
+            <pc:docMk/>
+            <pc:sldMk cId="1863917766" sldId="295"/>
+            <ac:spMk id="6" creationId="{D6F5CFB1-80DA-4306-B56C-DFA09EAEA1BA}"/>
+          </ac:spMkLst>
+        </pc:spChg>
+        <pc:spChg chg="del">
+          <ac:chgData name="Doney, Jylisa (jylisadoney@uidaho.edu)" userId="ca63ff72-312b-43e3-9de3-54afc5ff377f" providerId="ADAL" clId="{3A09B9FB-34BF-4B51-A684-70744E18D85C}" dt="2020-04-28T16:55:24.660" v="2518"/>
+          <ac:spMkLst>
+            <pc:docMk/>
+            <pc:sldMk cId="1863917766" sldId="295"/>
+            <ac:spMk id="7" creationId="{63F536C9-1B1D-4073-B50F-AE84DDE61602}"/>
+          </ac:spMkLst>
+        </pc:spChg>
       </pc:sldChg>
+      <pc:sldMasterChg chg="modSldLayout">
+        <pc:chgData name="Doney, Jylisa (jylisadoney@uidaho.edu)" userId="ca63ff72-312b-43e3-9de3-54afc5ff377f" providerId="ADAL" clId="{3A09B9FB-34BF-4B51-A684-70744E18D85C}" dt="2020-04-28T16:56:11.992" v="2522" actId="1076"/>
+        <pc:sldMasterMkLst>
+          <pc:docMk/>
+          <pc:sldMasterMk cId="3424126540" sldId="2147483648"/>
+        </pc:sldMasterMkLst>
+        <pc:sldLayoutChg chg="addSp delSp modSp">
+          <pc:chgData name="Doney, Jylisa (jylisadoney@uidaho.edu)" userId="ca63ff72-312b-43e3-9de3-54afc5ff377f" providerId="ADAL" clId="{3A09B9FB-34BF-4B51-A684-70744E18D85C}" dt="2020-04-28T16:56:11.992" v="2522" actId="1076"/>
+          <pc:sldLayoutMkLst>
+            <pc:docMk/>
+            <pc:sldMasterMk cId="3424126540" sldId="2147483648"/>
+            <pc:sldLayoutMk cId="4026579747" sldId="2147483650"/>
+          </pc:sldLayoutMkLst>
+          <pc:spChg chg="add del">
+            <ac:chgData name="Doney, Jylisa (jylisadoney@uidaho.edu)" userId="ca63ff72-312b-43e3-9de3-54afc5ff377f" providerId="ADAL" clId="{3A09B9FB-34BF-4B51-A684-70744E18D85C}" dt="2020-04-28T16:56:03.538" v="2520"/>
+            <ac:spMkLst>
+              <pc:docMk/>
+              <pc:sldMasterMk cId="3424126540" sldId="2147483648"/>
+              <pc:sldLayoutMk cId="4026579747" sldId="2147483650"/>
+              <ac:spMk id="9" creationId="{26CE121B-DC20-423F-9115-00971FE75465}"/>
+            </ac:spMkLst>
+          </pc:spChg>
+          <pc:spChg chg="add mod">
+            <ac:chgData name="Doney, Jylisa (jylisadoney@uidaho.edu)" userId="ca63ff72-312b-43e3-9de3-54afc5ff377f" providerId="ADAL" clId="{3A09B9FB-34BF-4B51-A684-70744E18D85C}" dt="2020-04-28T16:56:11.992" v="2522" actId="1076"/>
+            <ac:spMkLst>
+              <pc:docMk/>
+              <pc:sldMasterMk cId="3424126540" sldId="2147483648"/>
+              <pc:sldLayoutMk cId="4026579747" sldId="2147483650"/>
+              <ac:spMk id="10" creationId="{61691DFF-FFE3-4CBA-98B9-CD0E9C2EF77E}"/>
+            </ac:spMkLst>
+          </pc:spChg>
+        </pc:sldLayoutChg>
+      </pc:sldMasterChg>
     </pc:docChg>
   </pc:docChgLst>
   <pc:docChgLst>
@@ -3753,6 +4825,140 @@
           </a:extLst>
         </p:spPr>
       </p:pic>
+      <p:sp>
+        <p:nvSpPr>
+          <p:cNvPr id="10" name="Date Placeholder 7">
+            <a:extLst>
+              <a:ext uri="{FF2B5EF4-FFF2-40B4-BE49-F238E27FC236}">
+                <a16:creationId xmlns:a16="http://schemas.microsoft.com/office/drawing/2014/main" id="{61691DFF-FFE3-4CBA-98B9-CD0E9C2EF77E}"/>
+              </a:ext>
+            </a:extLst>
+          </p:cNvPr>
+          <p:cNvSpPr txBox="1">
+            <a:spLocks/>
+          </p:cNvSpPr>
+          <p:nvPr userDrawn="1"/>
+        </p:nvSpPr>
+        <p:spPr>
+          <a:xfrm>
+            <a:off x="10488652" y="6429375"/>
+            <a:ext cx="600075" cy="321942"/>
+          </a:xfrm>
+          <a:prstGeom prst="rect">
+            <a:avLst/>
+          </a:prstGeom>
+        </p:spPr>
+        <p:txBody>
+          <a:bodyPr vert="horz" lIns="91440" tIns="45720" rIns="91440" bIns="45720" rtlCol="0" anchor="ctr"/>
+          <a:lstStyle>
+            <a:defPPr>
+              <a:defRPr lang="en-US"/>
+            </a:defPPr>
+            <a:lvl1pPr marL="0" algn="l" defTabSz="914400" rtl="0" eaLnBrk="1" latinLnBrk="0" hangingPunct="1">
+              <a:defRPr sz="1200" kern="1200">
+                <a:solidFill>
+                  <a:schemeClr val="tx1">
+                    <a:tint val="75000"/>
+                  </a:schemeClr>
+                </a:solidFill>
+                <a:latin typeface="+mn-lt"/>
+                <a:ea typeface="+mn-ea"/>
+                <a:cs typeface="+mn-cs"/>
+              </a:defRPr>
+            </a:lvl1pPr>
+            <a:lvl2pPr marL="457200" algn="l" defTabSz="914400" rtl="0" eaLnBrk="1" latinLnBrk="0" hangingPunct="1">
+              <a:defRPr sz="1800" kern="1200">
+                <a:solidFill>
+                  <a:schemeClr val="tx1"/>
+                </a:solidFill>
+                <a:latin typeface="+mn-lt"/>
+                <a:ea typeface="+mn-ea"/>
+                <a:cs typeface="+mn-cs"/>
+              </a:defRPr>
+            </a:lvl2pPr>
+            <a:lvl3pPr marL="914400" algn="l" defTabSz="914400" rtl="0" eaLnBrk="1" latinLnBrk="0" hangingPunct="1">
+              <a:defRPr sz="1800" kern="1200">
+                <a:solidFill>
+                  <a:schemeClr val="tx1"/>
+                </a:solidFill>
+                <a:latin typeface="+mn-lt"/>
+                <a:ea typeface="+mn-ea"/>
+                <a:cs typeface="+mn-cs"/>
+              </a:defRPr>
+            </a:lvl3pPr>
+            <a:lvl4pPr marL="1371600" algn="l" defTabSz="914400" rtl="0" eaLnBrk="1" latinLnBrk="0" hangingPunct="1">
+              <a:defRPr sz="1800" kern="1200">
+                <a:solidFill>
+                  <a:schemeClr val="tx1"/>
+                </a:solidFill>
+                <a:latin typeface="+mn-lt"/>
+                <a:ea typeface="+mn-ea"/>
+                <a:cs typeface="+mn-cs"/>
+              </a:defRPr>
+            </a:lvl4pPr>
+            <a:lvl5pPr marL="1828800" algn="l" defTabSz="914400" rtl="0" eaLnBrk="1" latinLnBrk="0" hangingPunct="1">
+              <a:defRPr sz="1800" kern="1200">
+                <a:solidFill>
+                  <a:schemeClr val="tx1"/>
+                </a:solidFill>
+                <a:latin typeface="+mn-lt"/>
+                <a:ea typeface="+mn-ea"/>
+                <a:cs typeface="+mn-cs"/>
+              </a:defRPr>
+            </a:lvl5pPr>
+            <a:lvl6pPr marL="2286000" algn="l" defTabSz="914400" rtl="0" eaLnBrk="1" latinLnBrk="0" hangingPunct="1">
+              <a:defRPr sz="1800" kern="1200">
+                <a:solidFill>
+                  <a:schemeClr val="tx1"/>
+                </a:solidFill>
+                <a:latin typeface="+mn-lt"/>
+                <a:ea typeface="+mn-ea"/>
+                <a:cs typeface="+mn-cs"/>
+              </a:defRPr>
+            </a:lvl6pPr>
+            <a:lvl7pPr marL="2743200" algn="l" defTabSz="914400" rtl="0" eaLnBrk="1" latinLnBrk="0" hangingPunct="1">
+              <a:defRPr sz="1800" kern="1200">
+                <a:solidFill>
+                  <a:schemeClr val="tx1"/>
+                </a:solidFill>
+                <a:latin typeface="+mn-lt"/>
+                <a:ea typeface="+mn-ea"/>
+                <a:cs typeface="+mn-cs"/>
+              </a:defRPr>
+            </a:lvl7pPr>
+            <a:lvl8pPr marL="3200400" algn="l" defTabSz="914400" rtl="0" eaLnBrk="1" latinLnBrk="0" hangingPunct="1">
+              <a:defRPr sz="1800" kern="1200">
+                <a:solidFill>
+                  <a:schemeClr val="tx1"/>
+                </a:solidFill>
+                <a:latin typeface="+mn-lt"/>
+                <a:ea typeface="+mn-ea"/>
+                <a:cs typeface="+mn-cs"/>
+              </a:defRPr>
+            </a:lvl8pPr>
+            <a:lvl9pPr marL="3657600" algn="l" defTabSz="914400" rtl="0" eaLnBrk="1" latinLnBrk="0" hangingPunct="1">
+              <a:defRPr sz="1800" kern="1200">
+                <a:solidFill>
+                  <a:schemeClr val="tx1"/>
+                </a:solidFill>
+                <a:latin typeface="+mn-lt"/>
+                <a:ea typeface="+mn-ea"/>
+                <a:cs typeface="+mn-cs"/>
+              </a:defRPr>
+            </a:lvl9pPr>
+          </a:lstStyle>
+          <a:p>
+            <a:r>
+              <a:rPr lang="en-US" dirty="0">
+                <a:solidFill>
+                  <a:schemeClr val="tx1"/>
+                </a:solidFill>
+              </a:rPr>
+              <a:t>2020</a:t>
+            </a:r>
+          </a:p>
+        </p:txBody>
+      </p:sp>
     </p:spTree>
     <p:extLst>
       <p:ext uri="{BB962C8B-B14F-4D97-AF65-F5344CB8AC3E}">
@@ -8781,8 +9987,8 @@
           </a:p>
         </p:txBody>
       </p:sp>
-      <mc:AlternateContent xmlns:mc="http://schemas.openxmlformats.org/markup-compatibility/2006">
-        <mc:Choice xmlns:a14="http://schemas.microsoft.com/office/drawing/2010/main" Requires="a14">
+      <mc:AlternateContent xmlns:mc="http://schemas.openxmlformats.org/markup-compatibility/2006" xmlns:a14="http://schemas.microsoft.com/office/drawing/2010/main">
+        <mc:Choice Requires="a14">
           <p:sp>
             <p:nvSpPr>
               <p:cNvPr id="3" name="TextBox 2"/>
@@ -9046,7 +10252,7 @@
             </p:txBody>
           </p:sp>
         </mc:Choice>
-        <mc:Fallback>
+        <mc:Fallback xmlns="">
           <p:sp>
             <p:nvSpPr>
               <p:cNvPr id="3" name="TextBox 2"/>
@@ -11964,15 +13170,6 @@
 </file>
 
 <file path=customXml/item2.xml><?xml version="1.0" encoding="utf-8"?>
-<?mso-contentType ?>
-<FormTemplates xmlns="http://schemas.microsoft.com/sharepoint/v3/contenttype/forms">
-  <Display>DocumentLibraryForm</Display>
-  <Edit>DocumentLibraryForm</Edit>
-  <New>DocumentLibraryForm</New>
-</FormTemplates>
-</file>
-
-<file path=customXml/item3.xml><?xml version="1.0" encoding="utf-8"?>
 <ct:contentTypeSchema xmlns:ct="http://schemas.microsoft.com/office/2006/metadata/contentType" xmlns:ma="http://schemas.microsoft.com/office/2006/metadata/properties/metaAttributes" ct:_="" ma:_="" ma:contentTypeName="Document" ma:contentTypeID="0x010100B0C66D0D2AA8ED458867DFFBC84CDC81" ma:contentTypeVersion="12" ma:contentTypeDescription="Create a new document." ma:contentTypeScope="" ma:versionID="2edda66bea43fd3ee2cdae44f7ddc19d">
   <xsd:schema xmlns:xsd="http://www.w3.org/2001/XMLSchema" xmlns:xs="http://www.w3.org/2001/XMLSchema" xmlns:p="http://schemas.microsoft.com/office/2006/metadata/properties" xmlns:ns3="eb6fc25e-8a44-440c-a3c6-cb56c05aabb1" xmlns:ns4="115ac59a-381b-4183-bd5b-b04edbe7f2fc" targetNamespace="http://schemas.microsoft.com/office/2006/metadata/properties" ma:root="true" ma:fieldsID="5a209599921d322b183a16cd30a65124" ns3:_="" ns4:_="">
     <xsd:import namespace="eb6fc25e-8a44-440c-a3c6-cb56c05aabb1"/>
@@ -12189,32 +13386,33 @@
 </ct:contentTypeSchema>
 </file>
 
+<file path=customXml/item3.xml><?xml version="1.0" encoding="utf-8"?>
+<?mso-contentType ?>
+<FormTemplates xmlns="http://schemas.microsoft.com/sharepoint/v3/contenttype/forms">
+  <Display>DocumentLibraryForm</Display>
+  <Edit>DocumentLibraryForm</Edit>
+  <New>DocumentLibraryForm</New>
+</FormTemplates>
+</file>
+
 <file path=customXml/itemProps1.xml><?xml version="1.0" encoding="utf-8"?>
 <ds:datastoreItem xmlns:ds="http://schemas.openxmlformats.org/officeDocument/2006/customXml" ds:itemID="{0D2CA708-394D-4A00-A7C9-BA82E8F3255C}">
   <ds:schemaRefs>
+    <ds:schemaRef ds:uri="http://schemas.microsoft.com/office/2006/documentManagement/types"/>
+    <ds:schemaRef ds:uri="http://purl.org/dc/terms/"/>
+    <ds:schemaRef ds:uri="http://schemas.openxmlformats.org/package/2006/metadata/core-properties"/>
     <ds:schemaRef ds:uri="http://schemas.microsoft.com/office/infopath/2007/PartnerControls"/>
+    <ds:schemaRef ds:uri="http://purl.org/dc/elements/1.1/"/>
+    <ds:schemaRef ds:uri="eb6fc25e-8a44-440c-a3c6-cb56c05aabb1"/>
+    <ds:schemaRef ds:uri="115ac59a-381b-4183-bd5b-b04edbe7f2fc"/>
+    <ds:schemaRef ds:uri="http://schemas.microsoft.com/office/2006/metadata/properties"/>
     <ds:schemaRef ds:uri="http://www.w3.org/XML/1998/namespace"/>
     <ds:schemaRef ds:uri="http://purl.org/dc/dcmitype/"/>
-    <ds:schemaRef ds:uri="http://purl.org/dc/terms/"/>
-    <ds:schemaRef ds:uri="http://schemas.microsoft.com/office/2006/documentManagement/types"/>
-    <ds:schemaRef ds:uri="http://purl.org/dc/elements/1.1/"/>
-    <ds:schemaRef ds:uri="eb6fc25e-8a44-440c-a3c6-cb56c05aabb1"/>
-    <ds:schemaRef ds:uri="http://schemas.microsoft.com/office/2006/metadata/properties"/>
-    <ds:schemaRef ds:uri="http://schemas.openxmlformats.org/package/2006/metadata/core-properties"/>
-    <ds:schemaRef ds:uri="115ac59a-381b-4183-bd5b-b04edbe7f2fc"/>
   </ds:schemaRefs>
 </ds:datastoreItem>
 </file>
 
 <file path=customXml/itemProps2.xml><?xml version="1.0" encoding="utf-8"?>
-<ds:datastoreItem xmlns:ds="http://schemas.openxmlformats.org/officeDocument/2006/customXml" ds:itemID="{1B4E9660-639F-46B2-8BCF-B0443586500E}">
-  <ds:schemaRefs>
-    <ds:schemaRef ds:uri="http://schemas.microsoft.com/sharepoint/v3/contenttype/forms"/>
-  </ds:schemaRefs>
-</ds:datastoreItem>
-</file>
-
-<file path=customXml/itemProps3.xml><?xml version="1.0" encoding="utf-8"?>
 <ds:datastoreItem xmlns:ds="http://schemas.openxmlformats.org/officeDocument/2006/customXml" ds:itemID="{EE657BFB-479C-4A9F-8498-0A887E142927}">
   <ds:schemaRefs>
     <ds:schemaRef ds:uri="http://schemas.microsoft.com/office/2006/metadata/contentType"/>
@@ -12231,4 +13429,12 @@
     <ds:schemaRef ds:uri="http://schemas.microsoft.com/internal/obd"/>
   </ds:schemaRefs>
 </ds:datastoreItem>
+</file>
+
+<file path=customXml/itemProps3.xml><?xml version="1.0" encoding="utf-8"?>
+<ds:datastoreItem xmlns:ds="http://schemas.openxmlformats.org/officeDocument/2006/customXml" ds:itemID="{1B4E9660-639F-46B2-8BCF-B0443586500E}">
+  <ds:schemaRefs>
+    <ds:schemaRef ds:uri="http://schemas.microsoft.com/sharepoint/v3/contenttype/forms"/>
+  </ds:schemaRefs>
+</ds:datastoreItem>
 </file>
--- a/media/JylisaDoney_ACRL-ScholarlyCommunicationsCookbook_KeyIngredients.pptx
+++ b/media/JylisaDoney_ACRL-ScholarlyCommunicationsCookbook_KeyIngredients.pptx
@@ -149,7 +149,7 @@
 <file path=ppt/revisionInfo.xml><?xml version="1.0" encoding="utf-8"?>
 <p1510:revInfo xmlns:a="http://schemas.openxmlformats.org/drawingml/2006/main" xmlns:r="http://schemas.openxmlformats.org/officeDocument/2006/relationships" xmlns:p1510="http://schemas.microsoft.com/office/powerpoint/2015/10/main">
   <p1510:revLst>
-    <p1510:client id="{3A09B9FB-34BF-4B51-A684-70744E18D85C}" v="87" dt="2020-04-28T16:56:05.994"/>
+    <p1510:client id="{3A09B9FB-34BF-4B51-A684-70744E18D85C}" v="88" dt="2020-04-28T17:08:02.598"/>
   </p1510:revLst>
 </p1510:revInfo>
 </file>
@@ -159,7 +159,7 @@
   <pc:docChgLst>
     <pc:chgData name="Doney, Jylisa (jylisadoney@uidaho.edu)" userId="ca63ff72-312b-43e3-9de3-54afc5ff377f" providerId="ADAL" clId="{3A09B9FB-34BF-4B51-A684-70744E18D85C}"/>
     <pc:docChg chg="undo custSel addSld delSld modSld modMainMaster">
-      <pc:chgData name="Doney, Jylisa (jylisadoney@uidaho.edu)" userId="ca63ff72-312b-43e3-9de3-54afc5ff377f" providerId="ADAL" clId="{3A09B9FB-34BF-4B51-A684-70744E18D85C}" dt="2020-04-28T16:56:11.992" v="2522" actId="1076"/>
+      <pc:chgData name="Doney, Jylisa (jylisadoney@uidaho.edu)" userId="ca63ff72-312b-43e3-9de3-54afc5ff377f" providerId="ADAL" clId="{3A09B9FB-34BF-4B51-A684-70744E18D85C}" dt="2020-04-28T17:08:13.930" v="2545" actId="20577"/>
       <pc:docMkLst>
         <pc:docMk/>
       </pc:docMkLst>
@@ -737,13 +737,13 @@
         </pc:spChg>
       </pc:sldChg>
       <pc:sldChg chg="delSp modSp">
-        <pc:chgData name="Doney, Jylisa (jylisadoney@uidaho.edu)" userId="ca63ff72-312b-43e3-9de3-54afc5ff377f" providerId="ADAL" clId="{3A09B9FB-34BF-4B51-A684-70744E18D85C}" dt="2020-04-28T16:55:24.660" v="2518"/>
+        <pc:chgData name="Doney, Jylisa (jylisadoney@uidaho.edu)" userId="ca63ff72-312b-43e3-9de3-54afc5ff377f" providerId="ADAL" clId="{3A09B9FB-34BF-4B51-A684-70744E18D85C}" dt="2020-04-28T17:08:02.597" v="2534" actId="20577"/>
         <pc:sldMkLst>
           <pc:docMk/>
           <pc:sldMk cId="2098173133" sldId="270"/>
         </pc:sldMkLst>
         <pc:spChg chg="mod">
-          <ac:chgData name="Doney, Jylisa (jylisadoney@uidaho.edu)" userId="ca63ff72-312b-43e3-9de3-54afc5ff377f" providerId="ADAL" clId="{3A09B9FB-34BF-4B51-A684-70744E18D85C}" dt="2020-04-28T16:34:02.557" v="2500" actId="20577"/>
+          <ac:chgData name="Doney, Jylisa (jylisadoney@uidaho.edu)" userId="ca63ff72-312b-43e3-9de3-54afc5ff377f" providerId="ADAL" clId="{3A09B9FB-34BF-4B51-A684-70744E18D85C}" dt="2020-04-28T17:08:02.597" v="2534" actId="20577"/>
           <ac:spMkLst>
             <pc:docMk/>
             <pc:sldMk cId="2098173133" sldId="270"/>
@@ -775,7 +775,7 @@
           </ac:spMkLst>
         </pc:spChg>
         <pc:spChg chg="mod">
-          <ac:chgData name="Doney, Jylisa (jylisadoney@uidaho.edu)" userId="ca63ff72-312b-43e3-9de3-54afc5ff377f" providerId="ADAL" clId="{3A09B9FB-34BF-4B51-A684-70744E18D85C}" dt="2020-04-28T16:34:00.795" v="2499" actId="20577"/>
+          <ac:chgData name="Doney, Jylisa (jylisadoney@uidaho.edu)" userId="ca63ff72-312b-43e3-9de3-54afc5ff377f" providerId="ADAL" clId="{3A09B9FB-34BF-4B51-A684-70744E18D85C}" dt="2020-04-28T17:07:59.745" v="2533" actId="20577"/>
           <ac:spMkLst>
             <pc:docMk/>
             <pc:sldMk cId="2098173133" sldId="270"/>
@@ -910,7 +910,7 @@
         </pc:spChg>
       </pc:sldChg>
       <pc:sldChg chg="delSp modSp">
-        <pc:chgData name="Doney, Jylisa (jylisadoney@uidaho.edu)" userId="ca63ff72-312b-43e3-9de3-54afc5ff377f" providerId="ADAL" clId="{3A09B9FB-34BF-4B51-A684-70744E18D85C}" dt="2020-04-28T16:55:24.660" v="2518"/>
+        <pc:chgData name="Doney, Jylisa (jylisadoney@uidaho.edu)" userId="ca63ff72-312b-43e3-9de3-54afc5ff377f" providerId="ADAL" clId="{3A09B9FB-34BF-4B51-A684-70744E18D85C}" dt="2020-04-28T17:08:13.930" v="2545" actId="20577"/>
         <pc:sldMkLst>
           <pc:docMk/>
           <pc:sldMk cId="120432337" sldId="273"/>
@@ -948,7 +948,7 @@
           </ac:spMkLst>
         </pc:spChg>
         <pc:spChg chg="mod">
-          <ac:chgData name="Doney, Jylisa (jylisadoney@uidaho.edu)" userId="ca63ff72-312b-43e3-9de3-54afc5ff377f" providerId="ADAL" clId="{3A09B9FB-34BF-4B51-A684-70744E18D85C}" dt="2020-04-28T16:34:19.725" v="2501" actId="20577"/>
+          <ac:chgData name="Doney, Jylisa (jylisadoney@uidaho.edu)" userId="ca63ff72-312b-43e3-9de3-54afc5ff377f" providerId="ADAL" clId="{3A09B9FB-34BF-4B51-A684-70744E18D85C}" dt="2020-04-28T17:08:13.930" v="2545" actId="20577"/>
           <ac:spMkLst>
             <pc:docMk/>
             <pc:sldMk cId="120432337" sldId="273"/>
@@ -9972,7 +9972,7 @@
             <a:pPr lvl="1"/>
             <a:r>
               <a:rPr lang="en-US" dirty="0"/>
-              <a:t>Impact factor (IF)</a:t>
+              <a:t>Journal impact factor (JIF)</a:t>
             </a:r>
           </a:p>
           <a:p>
@@ -9987,8 +9987,8 @@
           </a:p>
         </p:txBody>
       </p:sp>
-      <mc:AlternateContent xmlns:mc="http://schemas.openxmlformats.org/markup-compatibility/2006" xmlns:a14="http://schemas.microsoft.com/office/drawing/2010/main">
-        <mc:Choice Requires="a14">
+      <mc:AlternateContent xmlns:mc="http://schemas.openxmlformats.org/markup-compatibility/2006">
+        <mc:Choice xmlns:a14="http://schemas.microsoft.com/office/drawing/2010/main" Requires="a14">
           <p:sp>
             <p:nvSpPr>
               <p:cNvPr id="3" name="TextBox 2"/>
@@ -10023,6 +10023,15 @@
                           <a:latin typeface="Cambria Math" panose="02040503050406030204" pitchFamily="18" charset="0"/>
                         </a:rPr>
                         <m:t>2018 </m:t>
+                      </m:r>
+                      <m:r>
+                        <m:rPr>
+                          <m:sty m:val="p"/>
+                        </m:rPr>
+                        <a:rPr lang="en-US" sz="3200" b="0" i="0" smtClean="0">
+                          <a:latin typeface="Cambria Math" panose="02040503050406030204" pitchFamily="18" charset="0"/>
+                        </a:rPr>
+                        <m:t>J</m:t>
                       </m:r>
                       <m:r>
                         <m:rPr>
@@ -10252,7 +10261,7 @@
             </p:txBody>
           </p:sp>
         </mc:Choice>
-        <mc:Fallback xmlns="">
+        <mc:Fallback>
           <p:sp>
             <p:nvSpPr>
               <p:cNvPr id="3" name="TextBox 2"/>
@@ -10495,12 +10504,8 @@
           <a:p>
             <a:pPr lvl="1"/>
             <a:r>
-              <a:rPr lang="en-US" dirty="0"/>
-              <a:t>Impact </a:t>
-            </a:r>
-            <a:r>
               <a:rPr lang="en-US"/>
-              <a:t>factor (IF</a:t>
+              <a:t>Journal impact factor (JIF</a:t>
             </a:r>
             <a:r>
               <a:rPr lang="en-US" dirty="0"/>
@@ -13170,6 +13175,15 @@
 </file>
 
 <file path=customXml/item2.xml><?xml version="1.0" encoding="utf-8"?>
+<?mso-contentType ?>
+<FormTemplates xmlns="http://schemas.microsoft.com/sharepoint/v3/contenttype/forms">
+  <Display>DocumentLibraryForm</Display>
+  <Edit>DocumentLibraryForm</Edit>
+  <New>DocumentLibraryForm</New>
+</FormTemplates>
+</file>
+
+<file path=customXml/item3.xml><?xml version="1.0" encoding="utf-8"?>
 <ct:contentTypeSchema xmlns:ct="http://schemas.microsoft.com/office/2006/metadata/contentType" xmlns:ma="http://schemas.microsoft.com/office/2006/metadata/properties/metaAttributes" ct:_="" ma:_="" ma:contentTypeName="Document" ma:contentTypeID="0x010100B0C66D0D2AA8ED458867DFFBC84CDC81" ma:contentTypeVersion="12" ma:contentTypeDescription="Create a new document." ma:contentTypeScope="" ma:versionID="2edda66bea43fd3ee2cdae44f7ddc19d">
   <xsd:schema xmlns:xsd="http://www.w3.org/2001/XMLSchema" xmlns:xs="http://www.w3.org/2001/XMLSchema" xmlns:p="http://schemas.microsoft.com/office/2006/metadata/properties" xmlns:ns3="eb6fc25e-8a44-440c-a3c6-cb56c05aabb1" xmlns:ns4="115ac59a-381b-4183-bd5b-b04edbe7f2fc" targetNamespace="http://schemas.microsoft.com/office/2006/metadata/properties" ma:root="true" ma:fieldsID="5a209599921d322b183a16cd30a65124" ns3:_="" ns4:_="">
     <xsd:import namespace="eb6fc25e-8a44-440c-a3c6-cb56c05aabb1"/>
@@ -13386,33 +13400,32 @@
 </ct:contentTypeSchema>
 </file>
 
-<file path=customXml/item3.xml><?xml version="1.0" encoding="utf-8"?>
-<?mso-contentType ?>
-<FormTemplates xmlns="http://schemas.microsoft.com/sharepoint/v3/contenttype/forms">
-  <Display>DocumentLibraryForm</Display>
-  <Edit>DocumentLibraryForm</Edit>
-  <New>DocumentLibraryForm</New>
-</FormTemplates>
-</file>
-
 <file path=customXml/itemProps1.xml><?xml version="1.0" encoding="utf-8"?>
 <ds:datastoreItem xmlns:ds="http://schemas.openxmlformats.org/officeDocument/2006/customXml" ds:itemID="{0D2CA708-394D-4A00-A7C9-BA82E8F3255C}">
   <ds:schemaRefs>
-    <ds:schemaRef ds:uri="http://schemas.microsoft.com/office/2006/documentManagement/types"/>
     <ds:schemaRef ds:uri="http://purl.org/dc/terms/"/>
-    <ds:schemaRef ds:uri="http://schemas.openxmlformats.org/package/2006/metadata/core-properties"/>
-    <ds:schemaRef ds:uri="http://schemas.microsoft.com/office/infopath/2007/PartnerControls"/>
+    <ds:schemaRef ds:uri="http://schemas.microsoft.com/office/2006/metadata/properties"/>
     <ds:schemaRef ds:uri="http://purl.org/dc/elements/1.1/"/>
     <ds:schemaRef ds:uri="eb6fc25e-8a44-440c-a3c6-cb56c05aabb1"/>
+    <ds:schemaRef ds:uri="http://schemas.microsoft.com/office/2006/documentManagement/types"/>
+    <ds:schemaRef ds:uri="http://www.w3.org/XML/1998/namespace"/>
+    <ds:schemaRef ds:uri="http://schemas.microsoft.com/office/infopath/2007/PartnerControls"/>
+    <ds:schemaRef ds:uri="http://schemas.openxmlformats.org/package/2006/metadata/core-properties"/>
     <ds:schemaRef ds:uri="115ac59a-381b-4183-bd5b-b04edbe7f2fc"/>
-    <ds:schemaRef ds:uri="http://schemas.microsoft.com/office/2006/metadata/properties"/>
-    <ds:schemaRef ds:uri="http://www.w3.org/XML/1998/namespace"/>
     <ds:schemaRef ds:uri="http://purl.org/dc/dcmitype/"/>
   </ds:schemaRefs>
 </ds:datastoreItem>
 </file>
 
 <file path=customXml/itemProps2.xml><?xml version="1.0" encoding="utf-8"?>
+<ds:datastoreItem xmlns:ds="http://schemas.openxmlformats.org/officeDocument/2006/customXml" ds:itemID="{1B4E9660-639F-46B2-8BCF-B0443586500E}">
+  <ds:schemaRefs>
+    <ds:schemaRef ds:uri="http://schemas.microsoft.com/sharepoint/v3/contenttype/forms"/>
+  </ds:schemaRefs>
+</ds:datastoreItem>
+</file>
+
+<file path=customXml/itemProps3.xml><?xml version="1.0" encoding="utf-8"?>
 <ds:datastoreItem xmlns:ds="http://schemas.openxmlformats.org/officeDocument/2006/customXml" ds:itemID="{EE657BFB-479C-4A9F-8498-0A887E142927}">
   <ds:schemaRefs>
     <ds:schemaRef ds:uri="http://schemas.microsoft.com/office/2006/metadata/contentType"/>
@@ -13429,12 +13442,4 @@
     <ds:schemaRef ds:uri="http://schemas.microsoft.com/internal/obd"/>
   </ds:schemaRefs>
 </ds:datastoreItem>
-</file>
-
-<file path=customXml/itemProps3.xml><?xml version="1.0" encoding="utf-8"?>
-<ds:datastoreItem xmlns:ds="http://schemas.openxmlformats.org/officeDocument/2006/customXml" ds:itemID="{1B4E9660-639F-46B2-8BCF-B0443586500E}">
-  <ds:schemaRefs>
-    <ds:schemaRef ds:uri="http://schemas.microsoft.com/sharepoint/v3/contenttype/forms"/>
-  </ds:schemaRefs>
-</ds:datastoreItem>
 </file>
--- a/media/JylisaDoney_ACRL-ScholarlyCommunicationsCookbook_KeyIngredients.pptx
+++ b/media/JylisaDoney_ACRL-ScholarlyCommunicationsCookbook_KeyIngredients.pptx
@@ -159,7 +159,7 @@
   <pc:docChgLst>
     <pc:chgData name="Doney, Jylisa (jylisadoney@uidaho.edu)" userId="ca63ff72-312b-43e3-9de3-54afc5ff377f" providerId="ADAL" clId="{3A09B9FB-34BF-4B51-A684-70744E18D85C}"/>
     <pc:docChg chg="undo custSel addSld delSld modSld modMainMaster">
-      <pc:chgData name="Doney, Jylisa (jylisadoney@uidaho.edu)" userId="ca63ff72-312b-43e3-9de3-54afc5ff377f" providerId="ADAL" clId="{3A09B9FB-34BF-4B51-A684-70744E18D85C}" dt="2020-04-28T17:08:13.930" v="2545" actId="20577"/>
+      <pc:chgData name="Doney, Jylisa (jylisadoney@uidaho.edu)" userId="ca63ff72-312b-43e3-9de3-54afc5ff377f" providerId="ADAL" clId="{3A09B9FB-34BF-4B51-A684-70744E18D85C}" dt="2020-04-28T18:47:25.165" v="2546" actId="20577"/>
       <pc:docMkLst>
         <pc:docMk/>
       </pc:docMkLst>
@@ -1334,7 +1334,7 @@
         </pc:spChg>
       </pc:sldChg>
       <pc:sldChg chg="delSp modSp">
-        <pc:chgData name="Doney, Jylisa (jylisadoney@uidaho.edu)" userId="ca63ff72-312b-43e3-9de3-54afc5ff377f" providerId="ADAL" clId="{3A09B9FB-34BF-4B51-A684-70744E18D85C}" dt="2020-04-28T16:55:24.660" v="2518"/>
+        <pc:chgData name="Doney, Jylisa (jylisadoney@uidaho.edu)" userId="ca63ff72-312b-43e3-9de3-54afc5ff377f" providerId="ADAL" clId="{3A09B9FB-34BF-4B51-A684-70744E18D85C}" dt="2020-04-28T18:47:25.165" v="2546" actId="20577"/>
         <pc:sldMkLst>
           <pc:docMk/>
           <pc:sldMk cId="4081224839" sldId="283"/>
@@ -1403,8 +1403,8 @@
             <ac:spMk id="11" creationId="{242F8590-B140-42A0-B660-09C8E793548C}"/>
           </ac:spMkLst>
         </pc:spChg>
-        <pc:graphicFrameChg chg="mod">
-          <ac:chgData name="Doney, Jylisa (jylisadoney@uidaho.edu)" userId="ca63ff72-312b-43e3-9de3-54afc5ff377f" providerId="ADAL" clId="{3A09B9FB-34BF-4B51-A684-70744E18D85C}" dt="2020-04-28T16:29:04.230" v="2455" actId="1036"/>
+        <pc:graphicFrameChg chg="mod modGraphic">
+          <ac:chgData name="Doney, Jylisa (jylisadoney@uidaho.edu)" userId="ca63ff72-312b-43e3-9de3-54afc5ff377f" providerId="ADAL" clId="{3A09B9FB-34BF-4B51-A684-70744E18D85C}" dt="2020-04-28T18:47:25.165" v="2546" actId="20577"/>
           <ac:graphicFrameMkLst>
             <pc:docMk/>
             <pc:sldMk cId="4081224839" sldId="283"/>
@@ -9987,8 +9987,8 @@
           </a:p>
         </p:txBody>
       </p:sp>
-      <mc:AlternateContent xmlns:mc="http://schemas.openxmlformats.org/markup-compatibility/2006">
-        <mc:Choice xmlns:a14="http://schemas.microsoft.com/office/drawing/2010/main" Requires="a14">
+      <mc:AlternateContent xmlns:mc="http://schemas.openxmlformats.org/markup-compatibility/2006" xmlns:a14="http://schemas.microsoft.com/office/drawing/2010/main">
+        <mc:Choice Requires="a14">
           <p:sp>
             <p:nvSpPr>
               <p:cNvPr id="3" name="TextBox 2"/>
@@ -10031,16 +10031,7 @@
                         <a:rPr lang="en-US" sz="3200" b="0" i="0" smtClean="0">
                           <a:latin typeface="Cambria Math" panose="02040503050406030204" pitchFamily="18" charset="0"/>
                         </a:rPr>
-                        <m:t>J</m:t>
-                      </m:r>
-                      <m:r>
-                        <m:rPr>
-                          <m:sty m:val="p"/>
-                        </m:rPr>
-                        <a:rPr lang="en-US" sz="3200" b="0" i="0" smtClean="0">
-                          <a:latin typeface="Cambria Math" panose="02040503050406030204" pitchFamily="18" charset="0"/>
-                        </a:rPr>
-                        <m:t>IF</m:t>
+                        <m:t>JIF</m:t>
                       </m:r>
                       <m:r>
                         <a:rPr lang="en-US" sz="3200" b="0" i="1" smtClean="0">
@@ -10261,7 +10252,7 @@
             </p:txBody>
           </p:sp>
         </mc:Choice>
-        <mc:Fallback>
+        <mc:Fallback xmlns="">
           <p:sp>
             <p:nvSpPr>
               <p:cNvPr id="3" name="TextBox 2"/>
@@ -11587,7 +11578,7 @@
           <p:nvPr>
             <p:extLst>
               <p:ext uri="{D42A27DB-BD31-4B8C-83A1-F6EECF244321}">
-                <p14:modId xmlns:p14="http://schemas.microsoft.com/office/powerpoint/2010/main" val="4217637135"/>
+                <p14:modId xmlns:p14="http://schemas.microsoft.com/office/powerpoint/2010/main" val="3105860719"/>
               </p:ext>
             </p:extLst>
           </p:nvPr>
@@ -11625,8 +11616,8 @@
                     <a:lstStyle/>
                     <a:p>
                       <a:r>
-                        <a:rPr lang="en-US" sz="3200" dirty="0"/>
-                        <a:t>Articles</a:t>
+                        <a:rPr lang="en-US" sz="3200"/>
+                        <a:t>Article</a:t>
                       </a:r>
                       <a:endParaRPr lang="en-US" sz="3200" b="1" dirty="0"/>
                     </a:p>
@@ -13175,15 +13166,6 @@
 </file>
 
 <file path=customXml/item2.xml><?xml version="1.0" encoding="utf-8"?>
-<?mso-contentType ?>
-<FormTemplates xmlns="http://schemas.microsoft.com/sharepoint/v3/contenttype/forms">
-  <Display>DocumentLibraryForm</Display>
-  <Edit>DocumentLibraryForm</Edit>
-  <New>DocumentLibraryForm</New>
-</FormTemplates>
-</file>
-
-<file path=customXml/item3.xml><?xml version="1.0" encoding="utf-8"?>
 <ct:contentTypeSchema xmlns:ct="http://schemas.microsoft.com/office/2006/metadata/contentType" xmlns:ma="http://schemas.microsoft.com/office/2006/metadata/properties/metaAttributes" ct:_="" ma:_="" ma:contentTypeName="Document" ma:contentTypeID="0x010100B0C66D0D2AA8ED458867DFFBC84CDC81" ma:contentTypeVersion="12" ma:contentTypeDescription="Create a new document." ma:contentTypeScope="" ma:versionID="2edda66bea43fd3ee2cdae44f7ddc19d">
   <xsd:schema xmlns:xsd="http://www.w3.org/2001/XMLSchema" xmlns:xs="http://www.w3.org/2001/XMLSchema" xmlns:p="http://schemas.microsoft.com/office/2006/metadata/properties" xmlns:ns3="eb6fc25e-8a44-440c-a3c6-cb56c05aabb1" xmlns:ns4="115ac59a-381b-4183-bd5b-b04edbe7f2fc" targetNamespace="http://schemas.microsoft.com/office/2006/metadata/properties" ma:root="true" ma:fieldsID="5a209599921d322b183a16cd30a65124" ns3:_="" ns4:_="">
     <xsd:import namespace="eb6fc25e-8a44-440c-a3c6-cb56c05aabb1"/>
@@ -13400,32 +13382,33 @@
 </ct:contentTypeSchema>
 </file>
 
+<file path=customXml/item3.xml><?xml version="1.0" encoding="utf-8"?>
+<?mso-contentType ?>
+<FormTemplates xmlns="http://schemas.microsoft.com/sharepoint/v3/contenttype/forms">
+  <Display>DocumentLibraryForm</Display>
+  <Edit>DocumentLibraryForm</Edit>
+  <New>DocumentLibraryForm</New>
+</FormTemplates>
+</file>
+
 <file path=customXml/itemProps1.xml><?xml version="1.0" encoding="utf-8"?>
 <ds:datastoreItem xmlns:ds="http://schemas.openxmlformats.org/officeDocument/2006/customXml" ds:itemID="{0D2CA708-394D-4A00-A7C9-BA82E8F3255C}">
   <ds:schemaRefs>
-    <ds:schemaRef ds:uri="http://purl.org/dc/terms/"/>
+    <ds:schemaRef ds:uri="http://purl.org/dc/elements/1.1/"/>
     <ds:schemaRef ds:uri="http://schemas.microsoft.com/office/2006/metadata/properties"/>
-    <ds:schemaRef ds:uri="http://purl.org/dc/elements/1.1/"/>
-    <ds:schemaRef ds:uri="eb6fc25e-8a44-440c-a3c6-cb56c05aabb1"/>
     <ds:schemaRef ds:uri="http://schemas.microsoft.com/office/2006/documentManagement/types"/>
-    <ds:schemaRef ds:uri="http://www.w3.org/XML/1998/namespace"/>
     <ds:schemaRef ds:uri="http://schemas.microsoft.com/office/infopath/2007/PartnerControls"/>
     <ds:schemaRef ds:uri="http://schemas.openxmlformats.org/package/2006/metadata/core-properties"/>
+    <ds:schemaRef ds:uri="eb6fc25e-8a44-440c-a3c6-cb56c05aabb1"/>
+    <ds:schemaRef ds:uri="http://purl.org/dc/dcmitype/"/>
+    <ds:schemaRef ds:uri="http://www.w3.org/XML/1998/namespace"/>
     <ds:schemaRef ds:uri="115ac59a-381b-4183-bd5b-b04edbe7f2fc"/>
-    <ds:schemaRef ds:uri="http://purl.org/dc/dcmitype/"/>
+    <ds:schemaRef ds:uri="http://purl.org/dc/terms/"/>
   </ds:schemaRefs>
 </ds:datastoreItem>
 </file>
 
 <file path=customXml/itemProps2.xml><?xml version="1.0" encoding="utf-8"?>
-<ds:datastoreItem xmlns:ds="http://schemas.openxmlformats.org/officeDocument/2006/customXml" ds:itemID="{1B4E9660-639F-46B2-8BCF-B0443586500E}">
-  <ds:schemaRefs>
-    <ds:schemaRef ds:uri="http://schemas.microsoft.com/sharepoint/v3/contenttype/forms"/>
-  </ds:schemaRefs>
-</ds:datastoreItem>
-</file>
-
-<file path=customXml/itemProps3.xml><?xml version="1.0" encoding="utf-8"?>
 <ds:datastoreItem xmlns:ds="http://schemas.openxmlformats.org/officeDocument/2006/customXml" ds:itemID="{EE657BFB-479C-4A9F-8498-0A887E142927}">
   <ds:schemaRefs>
     <ds:schemaRef ds:uri="http://schemas.microsoft.com/office/2006/metadata/contentType"/>
@@ -13442,4 +13425,12 @@
     <ds:schemaRef ds:uri="http://schemas.microsoft.com/internal/obd"/>
   </ds:schemaRefs>
 </ds:datastoreItem>
+</file>
+
+<file path=customXml/itemProps3.xml><?xml version="1.0" encoding="utf-8"?>
+<ds:datastoreItem xmlns:ds="http://schemas.openxmlformats.org/officeDocument/2006/customXml" ds:itemID="{1B4E9660-639F-46B2-8BCF-B0443586500E}">
+  <ds:schemaRefs>
+    <ds:schemaRef ds:uri="http://schemas.microsoft.com/sharepoint/v3/contenttype/forms"/>
+  </ds:schemaRefs>
+</ds:datastoreItem>
 </file>